--- a/slides-121-tvr-applicability-statement v01.pptx
+++ b/slides-121-tvr-applicability-statement v01.pptx
@@ -5,22 +5,24 @@
     <p:sldMasterId id="2147483648" r:id="rId1"/>
   </p:sldMasterIdLst>
   <p:notesMasterIdLst>
-    <p:notesMasterId r:id="rId15"/>
+    <p:notesMasterId r:id="rId17"/>
   </p:notesMasterIdLst>
   <p:sldIdLst>
     <p:sldId id="256" r:id="rId2"/>
-    <p:sldId id="313" r:id="rId3"/>
-    <p:sldId id="304" r:id="rId4"/>
-    <p:sldId id="303" r:id="rId5"/>
-    <p:sldId id="314" r:id="rId6"/>
-    <p:sldId id="315" r:id="rId7"/>
-    <p:sldId id="316" r:id="rId8"/>
-    <p:sldId id="317" r:id="rId9"/>
-    <p:sldId id="320" r:id="rId10"/>
-    <p:sldId id="318" r:id="rId11"/>
-    <p:sldId id="321" r:id="rId12"/>
-    <p:sldId id="322" r:id="rId13"/>
-    <p:sldId id="301" r:id="rId14"/>
+    <p:sldId id="257" r:id="rId3"/>
+    <p:sldId id="323" r:id="rId4"/>
+    <p:sldId id="313" r:id="rId5"/>
+    <p:sldId id="304" r:id="rId6"/>
+    <p:sldId id="303" r:id="rId7"/>
+    <p:sldId id="314" r:id="rId8"/>
+    <p:sldId id="315" r:id="rId9"/>
+    <p:sldId id="316" r:id="rId10"/>
+    <p:sldId id="317" r:id="rId11"/>
+    <p:sldId id="320" r:id="rId12"/>
+    <p:sldId id="318" r:id="rId13"/>
+    <p:sldId id="321" r:id="rId14"/>
+    <p:sldId id="322" r:id="rId15"/>
+    <p:sldId id="301" r:id="rId16"/>
   </p:sldIdLst>
   <p:sldSz cx="12192000" cy="6858000"/>
   <p:notesSz cx="6858000" cy="9144000"/>
@@ -130,7 +132,7 @@
 <file path=ppt/revisionInfo.xml><?xml version="1.0" encoding="utf-8"?>
 <p1510:revInfo xmlns:a="http://schemas.openxmlformats.org/drawingml/2006/main" xmlns:r="http://schemas.openxmlformats.org/officeDocument/2006/relationships" xmlns:p1510="http://schemas.microsoft.com/office/powerpoint/2015/10/main">
   <p1510:revLst>
-    <p1510:client id="{45450865-1AD3-4749-BA79-9306069C66F4}" v="3" dt="2024-07-24T16:47:42.933"/>
+    <p1510:client id="{DDBD187A-2EC9-4DEF-B65C-929AED962996}" v="3" dt="2024-11-01T09:32:18.361"/>
   </p1510:revLst>
 </p1510:revInfo>
 </file>
@@ -138,28 +140,20 @@
 <file path=ppt/changesInfos/changesInfo1.xml><?xml version="1.0" encoding="utf-8"?>
 <pc:chgInfo xmlns:a="http://schemas.openxmlformats.org/drawingml/2006/main" xmlns:r="http://schemas.openxmlformats.org/officeDocument/2006/relationships" xmlns:ac="http://schemas.microsoft.com/office/drawing/2013/main/command" xmlns:pc="http://schemas.microsoft.com/office/powerpoint/2013/main/command">
   <pc:docChgLst>
-    <pc:chgData name="Daniel King" userId="d67d4e4b1d981c1e" providerId="LiveId" clId="{45450865-1AD3-4749-BA79-9306069C66F4}"/>
-    <pc:docChg chg="undo custSel modSld">
-      <pc:chgData name="Daniel King" userId="d67d4e4b1d981c1e" providerId="LiveId" clId="{45450865-1AD3-4749-BA79-9306069C66F4}" dt="2024-07-24T16:52:54.654" v="367" actId="20577"/>
+    <pc:chgData name="BOUCADAIR Mohamed INNOV/NET" userId="2acbca90-6db1-4111-98c4-832797dda751" providerId="ADAL" clId="{DDBD187A-2EC9-4DEF-B65C-929AED962996}"/>
+    <pc:docChg chg="undo custSel addSld delSld modSld">
+      <pc:chgData name="BOUCADAIR Mohamed INNOV/NET" userId="2acbca90-6db1-4111-98c4-832797dda751" providerId="ADAL" clId="{DDBD187A-2EC9-4DEF-B65C-929AED962996}" dt="2024-11-01T09:51:32.364" v="1392" actId="313"/>
       <pc:docMkLst>
         <pc:docMk/>
       </pc:docMkLst>
-      <pc:sldChg chg="addSp modSp mod">
-        <pc:chgData name="Daniel King" userId="d67d4e4b1d981c1e" providerId="LiveId" clId="{45450865-1AD3-4749-BA79-9306069C66F4}" dt="2024-07-24T16:48:29.340" v="80" actId="20577"/>
+      <pc:sldChg chg="modSp mod">
+        <pc:chgData name="BOUCADAIR Mohamed INNOV/NET" userId="2acbca90-6db1-4111-98c4-832797dda751" providerId="ADAL" clId="{DDBD187A-2EC9-4DEF-B65C-929AED962996}" dt="2024-11-01T09:28:09.837" v="2" actId="1076"/>
         <pc:sldMkLst>
           <pc:docMk/>
           <pc:sldMk cId="1175262861" sldId="256"/>
         </pc:sldMkLst>
-        <pc:spChg chg="add">
-          <ac:chgData name="Daniel King" userId="d67d4e4b1d981c1e" providerId="LiveId" clId="{45450865-1AD3-4749-BA79-9306069C66F4}" dt="2024-07-24T16:47:39.604" v="26"/>
-          <ac:spMkLst>
-            <pc:docMk/>
-            <pc:sldMk cId="1175262861" sldId="256"/>
-            <ac:spMk id="2" creationId="{0F207EF0-05BF-5B2E-207F-8E9147942654}"/>
-          </ac:spMkLst>
-        </pc:spChg>
         <pc:spChg chg="mod">
-          <ac:chgData name="Daniel King" userId="d67d4e4b1d981c1e" providerId="LiveId" clId="{45450865-1AD3-4749-BA79-9306069C66F4}" dt="2024-07-24T16:46:52.043" v="10" actId="20577"/>
+          <ac:chgData name="BOUCADAIR Mohamed INNOV/NET" userId="2acbca90-6db1-4111-98c4-832797dda751" providerId="ADAL" clId="{DDBD187A-2EC9-4DEF-B65C-929AED962996}" dt="2024-11-01T09:28:09.837" v="2" actId="1076"/>
           <ac:spMkLst>
             <pc:docMk/>
             <pc:sldMk cId="1175262861" sldId="256"/>
@@ -167,7 +161,7 @@
           </ac:spMkLst>
         </pc:spChg>
         <pc:spChg chg="mod">
-          <ac:chgData name="Daniel King" userId="d67d4e4b1d981c1e" providerId="LiveId" clId="{45450865-1AD3-4749-BA79-9306069C66F4}" dt="2024-07-24T16:48:06.352" v="57" actId="113"/>
+          <ac:chgData name="BOUCADAIR Mohamed INNOV/NET" userId="2acbca90-6db1-4111-98c4-832797dda751" providerId="ADAL" clId="{DDBD187A-2EC9-4DEF-B65C-929AED962996}" dt="2024-11-01T09:27:55.914" v="0" actId="1076"/>
           <ac:spMkLst>
             <pc:docMk/>
             <pc:sldMk cId="1175262861" sldId="256"/>
@@ -175,7 +169,7 @@
           </ac:spMkLst>
         </pc:spChg>
         <pc:spChg chg="mod">
-          <ac:chgData name="Daniel King" userId="d67d4e4b1d981c1e" providerId="LiveId" clId="{45450865-1AD3-4749-BA79-9306069C66F4}" dt="2024-07-24T16:48:29.340" v="80" actId="20577"/>
+          <ac:chgData name="BOUCADAIR Mohamed INNOV/NET" userId="2acbca90-6db1-4111-98c4-832797dda751" providerId="ADAL" clId="{DDBD187A-2EC9-4DEF-B65C-929AED962996}" dt="2024-11-01T09:27:59.845" v="1" actId="1076"/>
           <ac:spMkLst>
             <pc:docMk/>
             <pc:sldMk cId="1175262861" sldId="256"/>
@@ -183,14 +177,53 @@
           </ac:spMkLst>
         </pc:spChg>
       </pc:sldChg>
+      <pc:sldChg chg="addSp modSp add mod">
+        <pc:chgData name="BOUCADAIR Mohamed INNOV/NET" userId="2acbca90-6db1-4111-98c4-832797dda751" providerId="ADAL" clId="{DDBD187A-2EC9-4DEF-B65C-929AED962996}" dt="2024-11-01T09:30:22.724" v="46" actId="207"/>
+        <pc:sldMkLst>
+          <pc:docMk/>
+          <pc:sldMk cId="2785766838" sldId="257"/>
+        </pc:sldMkLst>
+        <pc:spChg chg="mod">
+          <ac:chgData name="BOUCADAIR Mohamed INNOV/NET" userId="2acbca90-6db1-4111-98c4-832797dda751" providerId="ADAL" clId="{DDBD187A-2EC9-4DEF-B65C-929AED962996}" dt="2024-11-01T09:28:55.319" v="15" actId="20577"/>
+          <ac:spMkLst>
+            <pc:docMk/>
+            <pc:sldMk cId="2785766838" sldId="257"/>
+            <ac:spMk id="2" creationId="{6CF986CF-B45F-89B3-64E0-1B3ADF4ECDAD}"/>
+          </ac:spMkLst>
+        </pc:spChg>
+        <pc:spChg chg="add mod">
+          <ac:chgData name="BOUCADAIR Mohamed INNOV/NET" userId="2acbca90-6db1-4111-98c4-832797dda751" providerId="ADAL" clId="{DDBD187A-2EC9-4DEF-B65C-929AED962996}" dt="2024-11-01T09:29:01.616" v="16"/>
+          <ac:spMkLst>
+            <pc:docMk/>
+            <pc:sldMk cId="2785766838" sldId="257"/>
+            <ac:spMk id="3" creationId="{7F8A4E4E-05FF-FB44-96DF-4383D946D973}"/>
+          </ac:spMkLst>
+        </pc:spChg>
+        <pc:spChg chg="mod">
+          <ac:chgData name="BOUCADAIR Mohamed INNOV/NET" userId="2acbca90-6db1-4111-98c4-832797dda751" providerId="ADAL" clId="{DDBD187A-2EC9-4DEF-B65C-929AED962996}" dt="2024-11-01T09:30:22.724" v="46" actId="207"/>
+          <ac:spMkLst>
+            <pc:docMk/>
+            <pc:sldMk cId="2785766838" sldId="257"/>
+            <ac:spMk id="8" creationId="{AB27210E-5233-ED01-C4B2-3770FF006613}"/>
+          </ac:spMkLst>
+        </pc:spChg>
+        <pc:spChg chg="mod">
+          <ac:chgData name="BOUCADAIR Mohamed INNOV/NET" userId="2acbca90-6db1-4111-98c4-832797dda751" providerId="ADAL" clId="{DDBD187A-2EC9-4DEF-B65C-929AED962996}" dt="2024-11-01T09:30:06.368" v="40" actId="1076"/>
+          <ac:spMkLst>
+            <pc:docMk/>
+            <pc:sldMk cId="2785766838" sldId="257"/>
+            <ac:spMk id="9" creationId="{7CEF1E77-B904-81AF-C1BB-64124F9D9EE9}"/>
+          </ac:spMkLst>
+        </pc:spChg>
+      </pc:sldChg>
       <pc:sldChg chg="modSp mod">
-        <pc:chgData name="Daniel King" userId="d67d4e4b1d981c1e" providerId="LiveId" clId="{45450865-1AD3-4749-BA79-9306069C66F4}" dt="2024-07-24T16:52:54.654" v="367" actId="20577"/>
+        <pc:chgData name="BOUCADAIR Mohamed INNOV/NET" userId="2acbca90-6db1-4111-98c4-832797dda751" providerId="ADAL" clId="{DDBD187A-2EC9-4DEF-B65C-929AED962996}" dt="2024-11-01T09:48:33.189" v="934" actId="20577"/>
         <pc:sldMkLst>
           <pc:docMk/>
           <pc:sldMk cId="1173762997" sldId="301"/>
         </pc:sldMkLst>
         <pc:spChg chg="mod">
-          <ac:chgData name="Daniel King" userId="d67d4e4b1d981c1e" providerId="LiveId" clId="{45450865-1AD3-4749-BA79-9306069C66F4}" dt="2024-07-24T16:52:54.654" v="367" actId="20577"/>
+          <ac:chgData name="BOUCADAIR Mohamed INNOV/NET" userId="2acbca90-6db1-4111-98c4-832797dda751" providerId="ADAL" clId="{DDBD187A-2EC9-4DEF-B65C-929AED962996}" dt="2024-11-01T09:48:33.189" v="934" actId="20577"/>
           <ac:spMkLst>
             <pc:docMk/>
             <pc:sldMk cId="1173762997" sldId="301"/>
@@ -199,545 +232,214 @@
         </pc:spChg>
       </pc:sldChg>
       <pc:sldChg chg="modSp mod">
-        <pc:chgData name="Daniel King" userId="d67d4e4b1d981c1e" providerId="LiveId" clId="{45450865-1AD3-4749-BA79-9306069C66F4}" dt="2024-07-24T16:49:22.762" v="93" actId="115"/>
+        <pc:chgData name="BOUCADAIR Mohamed INNOV/NET" userId="2acbca90-6db1-4111-98c4-832797dda751" providerId="ADAL" clId="{DDBD187A-2EC9-4DEF-B65C-929AED962996}" dt="2024-11-01T09:32:18.361" v="69"/>
         <pc:sldMkLst>
           <pc:docMk/>
           <pc:sldMk cId="2050468570" sldId="303"/>
         </pc:sldMkLst>
+        <pc:graphicFrameChg chg="mod modGraphic">
+          <ac:chgData name="BOUCADAIR Mohamed INNOV/NET" userId="2acbca90-6db1-4111-98c4-832797dda751" providerId="ADAL" clId="{DDBD187A-2EC9-4DEF-B65C-929AED962996}" dt="2024-11-01T09:32:18.361" v="69"/>
+          <ac:graphicFrameMkLst>
+            <pc:docMk/>
+            <pc:sldMk cId="2050468570" sldId="303"/>
+            <ac:graphicFrameMk id="4" creationId="{B58DC6AE-8F95-420C-B116-752D8CBAEA8B}"/>
+          </ac:graphicFrameMkLst>
+        </pc:graphicFrameChg>
+      </pc:sldChg>
+      <pc:sldChg chg="modSp mod modShow">
+        <pc:chgData name="BOUCADAIR Mohamed INNOV/NET" userId="2acbca90-6db1-4111-98c4-832797dda751" providerId="ADAL" clId="{DDBD187A-2EC9-4DEF-B65C-929AED962996}" dt="2024-11-01T09:35:14.475" v="262" actId="729"/>
+        <pc:sldMkLst>
+          <pc:docMk/>
+          <pc:sldMk cId="3994334709" sldId="313"/>
+        </pc:sldMkLst>
         <pc:spChg chg="mod">
-          <ac:chgData name="Daniel King" userId="d67d4e4b1d981c1e" providerId="LiveId" clId="{45450865-1AD3-4749-BA79-9306069C66F4}" dt="2024-07-24T16:49:22.762" v="93" actId="115"/>
+          <ac:chgData name="BOUCADAIR Mohamed INNOV/NET" userId="2acbca90-6db1-4111-98c4-832797dda751" providerId="ADAL" clId="{DDBD187A-2EC9-4DEF-B65C-929AED962996}" dt="2024-11-01T09:30:43.209" v="50" actId="20577"/>
           <ac:spMkLst>
             <pc:docMk/>
-            <pc:sldMk cId="2050468570" sldId="303"/>
+            <pc:sldMk cId="3994334709" sldId="313"/>
+            <ac:spMk id="2" creationId="{F8D726C8-A433-EC7A-8113-8D38B0681E02}"/>
+          </ac:spMkLst>
+        </pc:spChg>
+        <pc:spChg chg="mod">
+          <ac:chgData name="BOUCADAIR Mohamed INNOV/NET" userId="2acbca90-6db1-4111-98c4-832797dda751" providerId="ADAL" clId="{DDBD187A-2EC9-4DEF-B65C-929AED962996}" dt="2024-11-01T09:31:21.436" v="61" actId="20577"/>
+          <ac:spMkLst>
+            <pc:docMk/>
+            <pc:sldMk cId="3994334709" sldId="313"/>
+            <ac:spMk id="3" creationId="{620F16F8-62FC-1993-BEFA-951154E801C8}"/>
+          </ac:spMkLst>
+        </pc:spChg>
+      </pc:sldChg>
+      <pc:sldChg chg="modSp mod">
+        <pc:chgData name="BOUCADAIR Mohamed INNOV/NET" userId="2acbca90-6db1-4111-98c4-832797dda751" providerId="ADAL" clId="{DDBD187A-2EC9-4DEF-B65C-929AED962996}" dt="2024-11-01T09:37:13.717" v="375" actId="6549"/>
+        <pc:sldMkLst>
+          <pc:docMk/>
+          <pc:sldMk cId="3999957502" sldId="314"/>
+        </pc:sldMkLst>
+        <pc:spChg chg="mod">
+          <ac:chgData name="BOUCADAIR Mohamed INNOV/NET" userId="2acbca90-6db1-4111-98c4-832797dda751" providerId="ADAL" clId="{DDBD187A-2EC9-4DEF-B65C-929AED962996}" dt="2024-11-01T09:36:12.521" v="287" actId="20577"/>
+          <ac:spMkLst>
+            <pc:docMk/>
+            <pc:sldMk cId="3999957502" sldId="314"/>
+            <ac:spMk id="10" creationId="{17B75606-0D7E-4926-B433-3C3EEE975139}"/>
+          </ac:spMkLst>
+        </pc:spChg>
+        <pc:spChg chg="mod">
+          <ac:chgData name="BOUCADAIR Mohamed INNOV/NET" userId="2acbca90-6db1-4111-98c4-832797dda751" providerId="ADAL" clId="{DDBD187A-2EC9-4DEF-B65C-929AED962996}" dt="2024-11-01T09:37:13.717" v="375" actId="6549"/>
+          <ac:spMkLst>
+            <pc:docMk/>
+            <pc:sldMk cId="3999957502" sldId="314"/>
+            <ac:spMk id="11" creationId="{44F902B1-605F-4D28-B032-E3A7CC42D8D2}"/>
+          </ac:spMkLst>
+        </pc:spChg>
+      </pc:sldChg>
+      <pc:sldChg chg="modSp mod">
+        <pc:chgData name="BOUCADAIR Mohamed INNOV/NET" userId="2acbca90-6db1-4111-98c4-832797dda751" providerId="ADAL" clId="{DDBD187A-2EC9-4DEF-B65C-929AED962996}" dt="2024-11-01T09:38:10.103" v="415" actId="20577"/>
+        <pc:sldMkLst>
+          <pc:docMk/>
+          <pc:sldMk cId="2208989126" sldId="315"/>
+        </pc:sldMkLst>
+        <pc:spChg chg="mod">
+          <ac:chgData name="BOUCADAIR Mohamed INNOV/NET" userId="2acbca90-6db1-4111-98c4-832797dda751" providerId="ADAL" clId="{DDBD187A-2EC9-4DEF-B65C-929AED962996}" dt="2024-11-01T09:38:10.103" v="415" actId="20577"/>
+          <ac:spMkLst>
+            <pc:docMk/>
+            <pc:sldMk cId="2208989126" sldId="315"/>
+            <ac:spMk id="8" creationId="{8396F063-EB02-4D0D-B85A-6A6C815D78BE}"/>
+          </ac:spMkLst>
+        </pc:spChg>
+        <pc:spChg chg="mod">
+          <ac:chgData name="BOUCADAIR Mohamed INNOV/NET" userId="2acbca90-6db1-4111-98c4-832797dda751" providerId="ADAL" clId="{DDBD187A-2EC9-4DEF-B65C-929AED962996}" dt="2024-11-01T09:37:53.684" v="409" actId="207"/>
+          <ac:spMkLst>
+            <pc:docMk/>
+            <pc:sldMk cId="2208989126" sldId="315"/>
+            <ac:spMk id="10" creationId="{9794D893-94AA-4F75-9701-5757E1683BBD}"/>
+          </ac:spMkLst>
+        </pc:spChg>
+        <pc:picChg chg="mod">
+          <ac:chgData name="BOUCADAIR Mohamed INNOV/NET" userId="2acbca90-6db1-4111-98c4-832797dda751" providerId="ADAL" clId="{DDBD187A-2EC9-4DEF-B65C-929AED962996}" dt="2024-11-01T09:37:59.634" v="410" actId="207"/>
+          <ac:picMkLst>
+            <pc:docMk/>
+            <pc:sldMk cId="2208989126" sldId="315"/>
+            <ac:picMk id="9" creationId="{FA07732A-F5DE-4AFF-99A6-231B18DC0CD2}"/>
+          </ac:picMkLst>
+        </pc:picChg>
+      </pc:sldChg>
+      <pc:sldChg chg="modSp mod">
+        <pc:chgData name="BOUCADAIR Mohamed INNOV/NET" userId="2acbca90-6db1-4111-98c4-832797dda751" providerId="ADAL" clId="{DDBD187A-2EC9-4DEF-B65C-929AED962996}" dt="2024-11-01T09:39:25.978" v="436" actId="114"/>
+        <pc:sldMkLst>
+          <pc:docMk/>
+          <pc:sldMk cId="1314477572" sldId="316"/>
+        </pc:sldMkLst>
+        <pc:spChg chg="mod">
+          <ac:chgData name="BOUCADAIR Mohamed INNOV/NET" userId="2acbca90-6db1-4111-98c4-832797dda751" providerId="ADAL" clId="{DDBD187A-2EC9-4DEF-B65C-929AED962996}" dt="2024-11-01T09:39:25.978" v="436" actId="114"/>
+          <ac:spMkLst>
+            <pc:docMk/>
+            <pc:sldMk cId="1314477572" sldId="316"/>
             <ac:spMk id="3" creationId="{B110B442-9329-C26D-7CBD-9FFBDB5CDF21}"/>
           </ac:spMkLst>
         </pc:spChg>
       </pc:sldChg>
       <pc:sldChg chg="modSp mod">
-        <pc:chgData name="Daniel King" userId="d67d4e4b1d981c1e" providerId="LiveId" clId="{45450865-1AD3-4749-BA79-9306069C66F4}" dt="2024-07-24T16:51:52.545" v="305" actId="20577"/>
+        <pc:chgData name="BOUCADAIR Mohamed INNOV/NET" userId="2acbca90-6db1-4111-98c4-832797dda751" providerId="ADAL" clId="{DDBD187A-2EC9-4DEF-B65C-929AED962996}" dt="2024-11-01T09:40:49.575" v="460" actId="6549"/>
         <pc:sldMkLst>
           <pc:docMk/>
-          <pc:sldMk cId="4013363965" sldId="305"/>
+          <pc:sldMk cId="2560202612" sldId="317"/>
         </pc:sldMkLst>
         <pc:spChg chg="mod">
-          <ac:chgData name="Daniel King" userId="d67d4e4b1d981c1e" providerId="LiveId" clId="{45450865-1AD3-4749-BA79-9306069C66F4}" dt="2024-07-24T16:51:52.545" v="305" actId="20577"/>
+          <ac:chgData name="BOUCADAIR Mohamed INNOV/NET" userId="2acbca90-6db1-4111-98c4-832797dda751" providerId="ADAL" clId="{DDBD187A-2EC9-4DEF-B65C-929AED962996}" dt="2024-11-01T09:40:49.575" v="460" actId="6549"/>
           <ac:spMkLst>
             <pc:docMk/>
-            <pc:sldMk cId="4013363965" sldId="305"/>
-            <ac:spMk id="3" creationId="{FDB9CEB4-FE61-F504-55DC-5AB50558A157}"/>
+            <pc:sldMk cId="2560202612" sldId="317"/>
+            <ac:spMk id="3" creationId="{B110B442-9329-C26D-7CBD-9FFBDB5CDF21}"/>
           </ac:spMkLst>
         </pc:spChg>
       </pc:sldChg>
       <pc:sldChg chg="modSp mod">
-        <pc:chgData name="Daniel King" userId="d67d4e4b1d981c1e" providerId="LiveId" clId="{45450865-1AD3-4749-BA79-9306069C66F4}" dt="2024-07-24T16:50:40.891" v="192" actId="20577"/>
+        <pc:chgData name="BOUCADAIR Mohamed INNOV/NET" userId="2acbca90-6db1-4111-98c4-832797dda751" providerId="ADAL" clId="{DDBD187A-2EC9-4DEF-B65C-929AED962996}" dt="2024-11-01T09:43:47.346" v="529" actId="207"/>
         <pc:sldMkLst>
           <pc:docMk/>
-          <pc:sldMk cId="2762818993" sldId="307"/>
+          <pc:sldMk cId="3653553375" sldId="318"/>
         </pc:sldMkLst>
         <pc:spChg chg="mod">
-          <ac:chgData name="Daniel King" userId="d67d4e4b1d981c1e" providerId="LiveId" clId="{45450865-1AD3-4749-BA79-9306069C66F4}" dt="2024-07-24T16:50:40.891" v="192" actId="20577"/>
+          <ac:chgData name="BOUCADAIR Mohamed INNOV/NET" userId="2acbca90-6db1-4111-98c4-832797dda751" providerId="ADAL" clId="{DDBD187A-2EC9-4DEF-B65C-929AED962996}" dt="2024-11-01T09:43:47.346" v="529" actId="207"/>
           <ac:spMkLst>
             <pc:docMk/>
-            <pc:sldMk cId="2762818993" sldId="307"/>
-            <ac:spMk id="3" creationId="{4C29130A-42FB-3EE9-409B-4215D6C8CDED}"/>
+            <pc:sldMk cId="3653553375" sldId="318"/>
+            <ac:spMk id="3" creationId="{B110B442-9329-C26D-7CBD-9FFBDB5CDF21}"/>
           </ac:spMkLst>
         </pc:spChg>
       </pc:sldChg>
       <pc:sldChg chg="modSp mod">
-        <pc:chgData name="Daniel King" userId="d67d4e4b1d981c1e" providerId="LiveId" clId="{45450865-1AD3-4749-BA79-9306069C66F4}" dt="2024-07-24T16:52:42.312" v="352" actId="20577"/>
+        <pc:chgData name="BOUCADAIR Mohamed INNOV/NET" userId="2acbca90-6db1-4111-98c4-832797dda751" providerId="ADAL" clId="{DDBD187A-2EC9-4DEF-B65C-929AED962996}" dt="2024-11-01T09:42:17.836" v="482" actId="6549"/>
         <pc:sldMkLst>
           <pc:docMk/>
-          <pc:sldMk cId="3929322632" sldId="309"/>
+          <pc:sldMk cId="1824383405" sldId="320"/>
         </pc:sldMkLst>
         <pc:spChg chg="mod">
-          <ac:chgData name="Daniel King" userId="d67d4e4b1d981c1e" providerId="LiveId" clId="{45450865-1AD3-4749-BA79-9306069C66F4}" dt="2024-07-24T16:52:42.312" v="352" actId="20577"/>
+          <ac:chgData name="BOUCADAIR Mohamed INNOV/NET" userId="2acbca90-6db1-4111-98c4-832797dda751" providerId="ADAL" clId="{DDBD187A-2EC9-4DEF-B65C-929AED962996}" dt="2024-11-01T09:42:17.836" v="482" actId="6549"/>
           <ac:spMkLst>
             <pc:docMk/>
-            <pc:sldMk cId="3929322632" sldId="309"/>
-            <ac:spMk id="3" creationId="{B0C03395-13A5-D767-A502-5C0D3610460F}"/>
+            <pc:sldMk cId="1824383405" sldId="320"/>
+            <ac:spMk id="3" creationId="{B110B442-9329-C26D-7CBD-9FFBDB5CDF21}"/>
           </ac:spMkLst>
         </pc:spChg>
       </pc:sldChg>
       <pc:sldChg chg="modSp mod">
-        <pc:chgData name="Daniel King" userId="d67d4e4b1d981c1e" providerId="LiveId" clId="{45450865-1AD3-4749-BA79-9306069C66F4}" dt="2024-07-24T16:52:11.423" v="306" actId="14100"/>
+        <pc:chgData name="BOUCADAIR Mohamed INNOV/NET" userId="2acbca90-6db1-4111-98c4-832797dda751" providerId="ADAL" clId="{DDBD187A-2EC9-4DEF-B65C-929AED962996}" dt="2024-11-01T09:45:49.497" v="592" actId="6549"/>
         <pc:sldMkLst>
           <pc:docMk/>
-          <pc:sldMk cId="3492375364" sldId="311"/>
-        </pc:sldMkLst>
-        <pc:picChg chg="mod">
-          <ac:chgData name="Daniel King" userId="d67d4e4b1d981c1e" providerId="LiveId" clId="{45450865-1AD3-4749-BA79-9306069C66F4}" dt="2024-07-24T16:52:11.423" v="306" actId="14100"/>
-          <ac:picMkLst>
-            <pc:docMk/>
-            <pc:sldMk cId="3492375364" sldId="311"/>
-            <ac:picMk id="5" creationId="{BE955DD6-8090-40EC-AB6A-B36AFFCB5893}"/>
-          </ac:picMkLst>
-        </pc:picChg>
-      </pc:sldChg>
-    </pc:docChg>
-  </pc:docChgLst>
-  <pc:docChgLst>
-    <pc:chgData name="Daniel King" userId="d67d4e4b1d981c1e" providerId="LiveId" clId="{EDB28789-DC59-48B5-A91F-7AF1E920CF22}"/>
-    <pc:docChg chg="undo custSel addSld delSld modSld sldOrd">
-      <pc:chgData name="Daniel King" userId="d67d4e4b1d981c1e" providerId="LiveId" clId="{EDB28789-DC59-48B5-A91F-7AF1E920CF22}" dt="2024-07-22T22:01:16.396" v="4364" actId="6549"/>
-      <pc:docMkLst>
-        <pc:docMk/>
-      </pc:docMkLst>
-      <pc:sldChg chg="modSp mod">
-        <pc:chgData name="Daniel King" userId="d67d4e4b1d981c1e" providerId="LiveId" clId="{EDB28789-DC59-48B5-A91F-7AF1E920CF22}" dt="2024-07-22T22:01:16.396" v="4364" actId="6549"/>
-        <pc:sldMkLst>
-          <pc:docMk/>
-          <pc:sldMk cId="1175262861" sldId="256"/>
+          <pc:sldMk cId="2487813509" sldId="321"/>
         </pc:sldMkLst>
         <pc:spChg chg="mod">
-          <ac:chgData name="Daniel King" userId="d67d4e4b1d981c1e" providerId="LiveId" clId="{EDB28789-DC59-48B5-A91F-7AF1E920CF22}" dt="2024-07-22T22:01:16.396" v="4364" actId="6549"/>
+          <ac:chgData name="BOUCADAIR Mohamed INNOV/NET" userId="2acbca90-6db1-4111-98c4-832797dda751" providerId="ADAL" clId="{DDBD187A-2EC9-4DEF-B65C-929AED962996}" dt="2024-11-01T09:45:49.497" v="592" actId="6549"/>
           <ac:spMkLst>
             <pc:docMk/>
-            <pc:sldMk cId="1175262861" sldId="256"/>
-            <ac:spMk id="2" creationId="{C7ECF1F6-5590-47AD-B682-ACF6BFA33C2A}"/>
-          </ac:spMkLst>
-        </pc:spChg>
-      </pc:sldChg>
-      <pc:sldChg chg="addSp delSp del mod">
-        <pc:chgData name="Daniel King" userId="d67d4e4b1d981c1e" providerId="LiveId" clId="{EDB28789-DC59-48B5-A91F-7AF1E920CF22}" dt="2024-07-22T20:18:50.045" v="14" actId="47"/>
-        <pc:sldMkLst>
-          <pc:docMk/>
-          <pc:sldMk cId="3964705589" sldId="283"/>
-        </pc:sldMkLst>
-        <pc:picChg chg="add del">
-          <ac:chgData name="Daniel King" userId="d67d4e4b1d981c1e" providerId="LiveId" clId="{EDB28789-DC59-48B5-A91F-7AF1E920CF22}" dt="2024-07-22T20:18:47.366" v="12" actId="478"/>
-          <ac:picMkLst>
-            <pc:docMk/>
-            <pc:sldMk cId="3964705589" sldId="283"/>
-            <ac:picMk id="6" creationId="{8DBA21E3-6DF7-4DFA-7D89-B84F9ACE606E}"/>
-          </ac:picMkLst>
-        </pc:picChg>
-      </pc:sldChg>
-      <pc:sldChg chg="del">
-        <pc:chgData name="Daniel King" userId="d67d4e4b1d981c1e" providerId="LiveId" clId="{EDB28789-DC59-48B5-A91F-7AF1E920CF22}" dt="2024-07-22T20:17:51.086" v="0" actId="47"/>
-        <pc:sldMkLst>
-          <pc:docMk/>
-          <pc:sldMk cId="1984293862" sldId="289"/>
-        </pc:sldMkLst>
-      </pc:sldChg>
-      <pc:sldChg chg="del">
-        <pc:chgData name="Daniel King" userId="d67d4e4b1d981c1e" providerId="LiveId" clId="{EDB28789-DC59-48B5-A91F-7AF1E920CF22}" dt="2024-07-22T20:17:51.472" v="1" actId="47"/>
-        <pc:sldMkLst>
-          <pc:docMk/>
-          <pc:sldMk cId="2919616485" sldId="290"/>
-        </pc:sldMkLst>
-      </pc:sldChg>
-      <pc:sldChg chg="del">
-        <pc:chgData name="Daniel King" userId="d67d4e4b1d981c1e" providerId="LiveId" clId="{EDB28789-DC59-48B5-A91F-7AF1E920CF22}" dt="2024-07-22T20:17:51.692" v="2" actId="47"/>
-        <pc:sldMkLst>
-          <pc:docMk/>
-          <pc:sldMk cId="4188023642" sldId="293"/>
-        </pc:sldMkLst>
-      </pc:sldChg>
-      <pc:sldChg chg="del">
-        <pc:chgData name="Daniel King" userId="d67d4e4b1d981c1e" providerId="LiveId" clId="{EDB28789-DC59-48B5-A91F-7AF1E920CF22}" dt="2024-07-22T20:17:51.898" v="3" actId="47"/>
-        <pc:sldMkLst>
-          <pc:docMk/>
-          <pc:sldMk cId="2976372413" sldId="296"/>
-        </pc:sldMkLst>
-      </pc:sldChg>
-      <pc:sldChg chg="add del">
-        <pc:chgData name="Daniel King" userId="d67d4e4b1d981c1e" providerId="LiveId" clId="{EDB28789-DC59-48B5-A91F-7AF1E920CF22}" dt="2024-07-22T20:17:57.320" v="8" actId="47"/>
-        <pc:sldMkLst>
-          <pc:docMk/>
-          <pc:sldMk cId="2518743188" sldId="300"/>
-        </pc:sldMkLst>
-      </pc:sldChg>
-      <pc:sldChg chg="modSp add del mod">
-        <pc:chgData name="Daniel King" userId="d67d4e4b1d981c1e" providerId="LiveId" clId="{EDB28789-DC59-48B5-A91F-7AF1E920CF22}" dt="2024-07-22T21:54:00.371" v="4129" actId="5793"/>
-        <pc:sldMkLst>
-          <pc:docMk/>
-          <pc:sldMk cId="1173762997" sldId="301"/>
-        </pc:sldMkLst>
-        <pc:spChg chg="mod">
-          <ac:chgData name="Daniel King" userId="d67d4e4b1d981c1e" providerId="LiveId" clId="{EDB28789-DC59-48B5-A91F-7AF1E920CF22}" dt="2024-07-22T21:54:00.371" v="4129" actId="5793"/>
-          <ac:spMkLst>
-            <pc:docMk/>
-            <pc:sldMk cId="1173762997" sldId="301"/>
-            <ac:spMk id="3" creationId="{F493355C-4E61-06B2-61FA-064BBBCDA84F}"/>
-          </ac:spMkLst>
-        </pc:spChg>
-      </pc:sldChg>
-      <pc:sldChg chg="modSp new mod">
-        <pc:chgData name="Daniel King" userId="d67d4e4b1d981c1e" providerId="LiveId" clId="{EDB28789-DC59-48B5-A91F-7AF1E920CF22}" dt="2024-07-22T21:29:21.051" v="3494" actId="108"/>
-        <pc:sldMkLst>
-          <pc:docMk/>
-          <pc:sldMk cId="1573920273" sldId="302"/>
-        </pc:sldMkLst>
-        <pc:spChg chg="mod">
-          <ac:chgData name="Daniel King" userId="d67d4e4b1d981c1e" providerId="LiveId" clId="{EDB28789-DC59-48B5-A91F-7AF1E920CF22}" dt="2024-07-22T21:29:21.051" v="3494" actId="108"/>
-          <ac:spMkLst>
-            <pc:docMk/>
-            <pc:sldMk cId="1573920273" sldId="302"/>
-            <ac:spMk id="2" creationId="{F8D726C8-A433-EC7A-8113-8D38B0681E02}"/>
-          </ac:spMkLst>
-        </pc:spChg>
-        <pc:spChg chg="mod">
-          <ac:chgData name="Daniel King" userId="d67d4e4b1d981c1e" providerId="LiveId" clId="{EDB28789-DC59-48B5-A91F-7AF1E920CF22}" dt="2024-07-22T20:32:24.346" v="685" actId="139"/>
-          <ac:spMkLst>
-            <pc:docMk/>
-            <pc:sldMk cId="1573920273" sldId="302"/>
-            <ac:spMk id="3" creationId="{620F16F8-62FC-1993-BEFA-951154E801C8}"/>
-          </ac:spMkLst>
-        </pc:spChg>
-      </pc:sldChg>
-      <pc:sldChg chg="del">
-        <pc:chgData name="Daniel King" userId="d67d4e4b1d981c1e" providerId="LiveId" clId="{EDB28789-DC59-48B5-A91F-7AF1E920CF22}" dt="2024-07-22T20:17:52.121" v="4" actId="47"/>
-        <pc:sldMkLst>
-          <pc:docMk/>
-          <pc:sldMk cId="2801662287" sldId="302"/>
-        </pc:sldMkLst>
-      </pc:sldChg>
-      <pc:sldChg chg="modSp new mod">
-        <pc:chgData name="Daniel King" userId="d67d4e4b1d981c1e" providerId="LiveId" clId="{EDB28789-DC59-48B5-A91F-7AF1E920CF22}" dt="2024-07-22T21:14:05.389" v="2560" actId="5793"/>
-        <pc:sldMkLst>
-          <pc:docMk/>
-          <pc:sldMk cId="2050468570" sldId="303"/>
-        </pc:sldMkLst>
-        <pc:spChg chg="mod">
-          <ac:chgData name="Daniel King" userId="d67d4e4b1d981c1e" providerId="LiveId" clId="{EDB28789-DC59-48B5-A91F-7AF1E920CF22}" dt="2024-07-22T20:32:53.475" v="694"/>
-          <ac:spMkLst>
-            <pc:docMk/>
-            <pc:sldMk cId="2050468570" sldId="303"/>
+            <pc:sldMk cId="2487813509" sldId="321"/>
             <ac:spMk id="2" creationId="{B90F9818-D930-6F0A-D073-ACF3975F4683}"/>
           </ac:spMkLst>
         </pc:spChg>
         <pc:spChg chg="mod">
-          <ac:chgData name="Daniel King" userId="d67d4e4b1d981c1e" providerId="LiveId" clId="{EDB28789-DC59-48B5-A91F-7AF1E920CF22}" dt="2024-07-22T21:14:05.389" v="2560" actId="5793"/>
+          <ac:chgData name="BOUCADAIR Mohamed INNOV/NET" userId="2acbca90-6db1-4111-98c4-832797dda751" providerId="ADAL" clId="{DDBD187A-2EC9-4DEF-B65C-929AED962996}" dt="2024-11-01T09:45:40.052" v="579" actId="113"/>
           <ac:spMkLst>
             <pc:docMk/>
-            <pc:sldMk cId="2050468570" sldId="303"/>
+            <pc:sldMk cId="2487813509" sldId="321"/>
             <ac:spMk id="3" creationId="{B110B442-9329-C26D-7CBD-9FFBDB5CDF21}"/>
           </ac:spMkLst>
         </pc:spChg>
       </pc:sldChg>
-      <pc:sldChg chg="del">
-        <pc:chgData name="Daniel King" userId="d67d4e4b1d981c1e" providerId="LiveId" clId="{EDB28789-DC59-48B5-A91F-7AF1E920CF22}" dt="2024-07-22T20:17:52.511" v="5" actId="47"/>
+      <pc:sldChg chg="mod modShow">
+        <pc:chgData name="BOUCADAIR Mohamed INNOV/NET" userId="2acbca90-6db1-4111-98c4-832797dda751" providerId="ADAL" clId="{DDBD187A-2EC9-4DEF-B65C-929AED962996}" dt="2024-11-01T09:46:24.748" v="593" actId="729"/>
         <pc:sldMkLst>
           <pc:docMk/>
-          <pc:sldMk cId="2548979943" sldId="303"/>
+          <pc:sldMk cId="1750457856" sldId="322"/>
         </pc:sldMkLst>
       </pc:sldChg>
-      <pc:sldChg chg="del">
-        <pc:chgData name="Daniel King" userId="d67d4e4b1d981c1e" providerId="LiveId" clId="{EDB28789-DC59-48B5-A91F-7AF1E920CF22}" dt="2024-07-22T20:18:00.455" v="9" actId="47"/>
+      <pc:sldChg chg="new del">
+        <pc:chgData name="BOUCADAIR Mohamed INNOV/NET" userId="2acbca90-6db1-4111-98c4-832797dda751" providerId="ADAL" clId="{DDBD187A-2EC9-4DEF-B65C-929AED962996}" dt="2024-11-01T09:29:03.397" v="17" actId="47"/>
         <pc:sldMkLst>
           <pc:docMk/>
-          <pc:sldMk cId="3981930290" sldId="304"/>
+          <pc:sldMk cId="305601709" sldId="323"/>
         </pc:sldMkLst>
       </pc:sldChg>
-      <pc:sldChg chg="addSp delSp modSp new mod">
-        <pc:chgData name="Daniel King" userId="d67d4e4b1d981c1e" providerId="LiveId" clId="{EDB28789-DC59-48B5-A91F-7AF1E920CF22}" dt="2024-07-22T21:22:48.286" v="2847" actId="20577"/>
+      <pc:sldChg chg="modSp new mod">
+        <pc:chgData name="BOUCADAIR Mohamed INNOV/NET" userId="2acbca90-6db1-4111-98c4-832797dda751" providerId="ADAL" clId="{DDBD187A-2EC9-4DEF-B65C-929AED962996}" dt="2024-11-01T09:51:32.364" v="1392" actId="313"/>
         <pc:sldMkLst>
           <pc:docMk/>
-          <pc:sldMk cId="4105679518" sldId="304"/>
+          <pc:sldMk cId="3713546765" sldId="323"/>
         </pc:sldMkLst>
         <pc:spChg chg="mod">
-          <ac:chgData name="Daniel King" userId="d67d4e4b1d981c1e" providerId="LiveId" clId="{EDB28789-DC59-48B5-A91F-7AF1E920CF22}" dt="2024-07-22T21:22:23.028" v="2831" actId="20577"/>
+          <ac:chgData name="BOUCADAIR Mohamed INNOV/NET" userId="2acbca90-6db1-4111-98c4-832797dda751" providerId="ADAL" clId="{DDBD187A-2EC9-4DEF-B65C-929AED962996}" dt="2024-11-01T09:50:55.011" v="1380" actId="20577"/>
           <ac:spMkLst>
             <pc:docMk/>
-            <pc:sldMk cId="4105679518" sldId="304"/>
-            <ac:spMk id="2" creationId="{65908FFF-4014-2C4C-2477-6FF15477C195}"/>
-          </ac:spMkLst>
-        </pc:spChg>
-        <pc:spChg chg="del">
-          <ac:chgData name="Daniel King" userId="d67d4e4b1d981c1e" providerId="LiveId" clId="{EDB28789-DC59-48B5-A91F-7AF1E920CF22}" dt="2024-07-22T20:40:15.459" v="1111" actId="478"/>
-          <ac:spMkLst>
-            <pc:docMk/>
-            <pc:sldMk cId="4105679518" sldId="304"/>
-            <ac:spMk id="3" creationId="{6F0975AE-07E6-AE2A-9E40-7B891FA2B224}"/>
-          </ac:spMkLst>
-        </pc:spChg>
-        <pc:spChg chg="add mod">
-          <ac:chgData name="Daniel King" userId="d67d4e4b1d981c1e" providerId="LiveId" clId="{EDB28789-DC59-48B5-A91F-7AF1E920CF22}" dt="2024-07-22T20:40:32.132" v="1118"/>
-          <ac:spMkLst>
-            <pc:docMk/>
-            <pc:sldMk cId="4105679518" sldId="304"/>
-            <ac:spMk id="4" creationId="{B4B83275-6229-01DC-A880-45AEE00C0541}"/>
-          </ac:spMkLst>
-        </pc:spChg>
-        <pc:spChg chg="add mod">
-          <ac:chgData name="Daniel King" userId="d67d4e4b1d981c1e" providerId="LiveId" clId="{EDB28789-DC59-48B5-A91F-7AF1E920CF22}" dt="2024-07-22T20:40:16.487" v="1113" actId="27636"/>
-          <ac:spMkLst>
-            <pc:docMk/>
-            <pc:sldMk cId="4105679518" sldId="304"/>
-            <ac:spMk id="5" creationId="{48C29C29-44FD-7931-81FC-C4E2AFCC40C7}"/>
+            <pc:sldMk cId="3713546765" sldId="323"/>
+            <ac:spMk id="2" creationId="{AA2765CF-C56A-958E-9CB6-FAEC4578B70C}"/>
           </ac:spMkLst>
         </pc:spChg>
         <pc:spChg chg="mod">
-          <ac:chgData name="Daniel King" userId="d67d4e4b1d981c1e" providerId="LiveId" clId="{EDB28789-DC59-48B5-A91F-7AF1E920CF22}" dt="2024-07-22T20:40:16.354" v="1112"/>
+          <ac:chgData name="BOUCADAIR Mohamed INNOV/NET" userId="2acbca90-6db1-4111-98c4-832797dda751" providerId="ADAL" clId="{DDBD187A-2EC9-4DEF-B65C-929AED962996}" dt="2024-11-01T09:51:32.364" v="1392" actId="313"/>
           <ac:spMkLst>
             <pc:docMk/>
-            <pc:sldMk cId="4105679518" sldId="304"/>
-            <ac:spMk id="7" creationId="{47A55611-2470-C0BB-4CF3-ADBFE0720F83}"/>
-          </ac:spMkLst>
-        </pc:spChg>
-        <pc:spChg chg="mod">
-          <ac:chgData name="Daniel King" userId="d67d4e4b1d981c1e" providerId="LiveId" clId="{EDB28789-DC59-48B5-A91F-7AF1E920CF22}" dt="2024-07-22T20:40:16.354" v="1112"/>
-          <ac:spMkLst>
-            <pc:docMk/>
-            <pc:sldMk cId="4105679518" sldId="304"/>
-            <ac:spMk id="9" creationId="{B9DB11A4-23DF-E75A-3438-31F03F8FB102}"/>
-          </ac:spMkLst>
-        </pc:spChg>
-        <pc:spChg chg="mod">
-          <ac:chgData name="Daniel King" userId="d67d4e4b1d981c1e" providerId="LiveId" clId="{EDB28789-DC59-48B5-A91F-7AF1E920CF22}" dt="2024-07-22T20:40:16.354" v="1112"/>
-          <ac:spMkLst>
-            <pc:docMk/>
-            <pc:sldMk cId="4105679518" sldId="304"/>
-            <ac:spMk id="10" creationId="{0D948313-FACF-33B9-5257-6A58807C136E}"/>
-          </ac:spMkLst>
-        </pc:spChg>
-        <pc:spChg chg="add mod">
-          <ac:chgData name="Daniel King" userId="d67d4e4b1d981c1e" providerId="LiveId" clId="{EDB28789-DC59-48B5-A91F-7AF1E920CF22}" dt="2024-07-22T20:40:16.487" v="1113" actId="27636"/>
-          <ac:spMkLst>
-            <pc:docMk/>
-            <pc:sldMk cId="4105679518" sldId="304"/>
-            <ac:spMk id="11" creationId="{EC2F051A-625F-5785-8AF3-296C48CE15D6}"/>
-          </ac:spMkLst>
-        </pc:spChg>
-        <pc:spChg chg="add mod">
-          <ac:chgData name="Daniel King" userId="d67d4e4b1d981c1e" providerId="LiveId" clId="{EDB28789-DC59-48B5-A91F-7AF1E920CF22}" dt="2024-07-22T20:40:16.487" v="1113" actId="27636"/>
-          <ac:spMkLst>
-            <pc:docMk/>
-            <pc:sldMk cId="4105679518" sldId="304"/>
-            <ac:spMk id="12" creationId="{3D89D58F-51FD-FF80-547F-058B61857B4C}"/>
-          </ac:spMkLst>
-        </pc:spChg>
-        <pc:spChg chg="mod">
-          <ac:chgData name="Daniel King" userId="d67d4e4b1d981c1e" providerId="LiveId" clId="{EDB28789-DC59-48B5-A91F-7AF1E920CF22}" dt="2024-07-22T20:40:16.354" v="1112"/>
-          <ac:spMkLst>
-            <pc:docMk/>
-            <pc:sldMk cId="4105679518" sldId="304"/>
-            <ac:spMk id="18" creationId="{0D1C4093-1EEE-0357-5A0B-20EC62DA7A91}"/>
-          </ac:spMkLst>
-        </pc:spChg>
-        <pc:spChg chg="add mod">
-          <ac:chgData name="Daniel King" userId="d67d4e4b1d981c1e" providerId="LiveId" clId="{EDB28789-DC59-48B5-A91F-7AF1E920CF22}" dt="2024-07-22T21:22:48.286" v="2847" actId="20577"/>
-          <ac:spMkLst>
-            <pc:docMk/>
-            <pc:sldMk cId="4105679518" sldId="304"/>
-            <ac:spMk id="19" creationId="{86F56784-3DAE-4327-E683-E6DBA3E3F83F}"/>
-          </ac:spMkLst>
-        </pc:spChg>
-        <pc:grpChg chg="add mod">
-          <ac:chgData name="Daniel King" userId="d67d4e4b1d981c1e" providerId="LiveId" clId="{EDB28789-DC59-48B5-A91F-7AF1E920CF22}" dt="2024-07-22T20:40:16.487" v="1113" actId="27636"/>
-          <ac:grpSpMkLst>
-            <pc:docMk/>
-            <pc:sldMk cId="4105679518" sldId="304"/>
-            <ac:grpSpMk id="6" creationId="{80A2FDCA-FD75-42A7-5FA6-4B3E3ECAEC29}"/>
-          </ac:grpSpMkLst>
-        </pc:grpChg>
-        <pc:grpChg chg="add mod">
-          <ac:chgData name="Daniel King" userId="d67d4e4b1d981c1e" providerId="LiveId" clId="{EDB28789-DC59-48B5-A91F-7AF1E920CF22}" dt="2024-07-22T20:40:16.487" v="1113" actId="27636"/>
-          <ac:grpSpMkLst>
-            <pc:docMk/>
-            <pc:sldMk cId="4105679518" sldId="304"/>
-            <ac:grpSpMk id="14" creationId="{190580CA-716B-765E-CF12-6BC36D6F0EAD}"/>
-          </ac:grpSpMkLst>
-        </pc:grpChg>
-        <pc:picChg chg="mod">
-          <ac:chgData name="Daniel King" userId="d67d4e4b1d981c1e" providerId="LiveId" clId="{EDB28789-DC59-48B5-A91F-7AF1E920CF22}" dt="2024-07-22T20:40:16.354" v="1112"/>
-          <ac:picMkLst>
-            <pc:docMk/>
-            <pc:sldMk cId="4105679518" sldId="304"/>
-            <ac:picMk id="8" creationId="{6CF3BC96-BF96-8CBA-1E40-BC6D5EE79147}"/>
-          </ac:picMkLst>
-        </pc:picChg>
-        <pc:picChg chg="add mod">
-          <ac:chgData name="Daniel King" userId="d67d4e4b1d981c1e" providerId="LiveId" clId="{EDB28789-DC59-48B5-A91F-7AF1E920CF22}" dt="2024-07-22T20:40:16.487" v="1113" actId="27636"/>
-          <ac:picMkLst>
-            <pc:docMk/>
-            <pc:sldMk cId="4105679518" sldId="304"/>
-            <ac:picMk id="13" creationId="{0DDC6FC3-0D14-9852-D734-F0781A30070A}"/>
-          </ac:picMkLst>
-        </pc:picChg>
-        <pc:picChg chg="mod">
-          <ac:chgData name="Daniel King" userId="d67d4e4b1d981c1e" providerId="LiveId" clId="{EDB28789-DC59-48B5-A91F-7AF1E920CF22}" dt="2024-07-22T20:40:16.354" v="1112"/>
-          <ac:picMkLst>
-            <pc:docMk/>
-            <pc:sldMk cId="4105679518" sldId="304"/>
-            <ac:picMk id="15" creationId="{16EEF182-BC99-A8D8-C8D3-1F21D0848BE7}"/>
-          </ac:picMkLst>
-        </pc:picChg>
-        <pc:picChg chg="mod">
-          <ac:chgData name="Daniel King" userId="d67d4e4b1d981c1e" providerId="LiveId" clId="{EDB28789-DC59-48B5-A91F-7AF1E920CF22}" dt="2024-07-22T20:40:16.354" v="1112"/>
-          <ac:picMkLst>
-            <pc:docMk/>
-            <pc:sldMk cId="4105679518" sldId="304"/>
-            <ac:picMk id="16" creationId="{A4E6A409-5B6A-C311-802E-04160BF22780}"/>
-          </ac:picMkLst>
-        </pc:picChg>
-        <pc:picChg chg="mod">
-          <ac:chgData name="Daniel King" userId="d67d4e4b1d981c1e" providerId="LiveId" clId="{EDB28789-DC59-48B5-A91F-7AF1E920CF22}" dt="2024-07-22T20:40:16.354" v="1112"/>
-          <ac:picMkLst>
-            <pc:docMk/>
-            <pc:sldMk cId="4105679518" sldId="304"/>
-            <ac:picMk id="17" creationId="{13C41A5E-250B-E325-A5E4-CEDB1DBAC2B0}"/>
-          </ac:picMkLst>
-        </pc:picChg>
-      </pc:sldChg>
-      <pc:sldChg chg="modSp new mod ord">
-        <pc:chgData name="Daniel King" userId="d67d4e4b1d981c1e" providerId="LiveId" clId="{EDB28789-DC59-48B5-A91F-7AF1E920CF22}" dt="2024-07-22T21:55:46.491" v="4170" actId="20577"/>
-        <pc:sldMkLst>
-          <pc:docMk/>
-          <pc:sldMk cId="4013363965" sldId="305"/>
-        </pc:sldMkLst>
-        <pc:spChg chg="mod">
-          <ac:chgData name="Daniel King" userId="d67d4e4b1d981c1e" providerId="LiveId" clId="{EDB28789-DC59-48B5-A91F-7AF1E920CF22}" dt="2024-07-22T20:59:01.100" v="1978" actId="20577"/>
-          <ac:spMkLst>
-            <pc:docMk/>
-            <pc:sldMk cId="4013363965" sldId="305"/>
-            <ac:spMk id="2" creationId="{BC7C517E-0346-4443-FE8D-3492C12F4098}"/>
-          </ac:spMkLst>
-        </pc:spChg>
-        <pc:spChg chg="mod">
-          <ac:chgData name="Daniel King" userId="d67d4e4b1d981c1e" providerId="LiveId" clId="{EDB28789-DC59-48B5-A91F-7AF1E920CF22}" dt="2024-07-22T21:55:46.491" v="4170" actId="20577"/>
-          <ac:spMkLst>
-            <pc:docMk/>
-            <pc:sldMk cId="4013363965" sldId="305"/>
-            <ac:spMk id="3" creationId="{FDB9CEB4-FE61-F504-55DC-5AB50558A157}"/>
-          </ac:spMkLst>
-        </pc:spChg>
-      </pc:sldChg>
-      <pc:sldChg chg="modSp new mod">
-        <pc:chgData name="Daniel King" userId="d67d4e4b1d981c1e" providerId="LiveId" clId="{EDB28789-DC59-48B5-A91F-7AF1E920CF22}" dt="2024-07-22T21:21:55.919" v="2821" actId="20577"/>
-        <pc:sldMkLst>
-          <pc:docMk/>
-          <pc:sldMk cId="3806067282" sldId="306"/>
-        </pc:sldMkLst>
-        <pc:spChg chg="mod">
-          <ac:chgData name="Daniel King" userId="d67d4e4b1d981c1e" providerId="LiveId" clId="{EDB28789-DC59-48B5-A91F-7AF1E920CF22}" dt="2024-07-22T20:57:02.429" v="1733" actId="6549"/>
-          <ac:spMkLst>
-            <pc:docMk/>
-            <pc:sldMk cId="3806067282" sldId="306"/>
-            <ac:spMk id="2" creationId="{25A3D17D-71F6-B803-1B5F-756BFDEFCC89}"/>
-          </ac:spMkLst>
-        </pc:spChg>
-        <pc:spChg chg="mod">
-          <ac:chgData name="Daniel King" userId="d67d4e4b1d981c1e" providerId="LiveId" clId="{EDB28789-DC59-48B5-A91F-7AF1E920CF22}" dt="2024-07-22T21:21:55.919" v="2821" actId="20577"/>
-          <ac:spMkLst>
-            <pc:docMk/>
-            <pc:sldMk cId="3806067282" sldId="306"/>
-            <ac:spMk id="3" creationId="{C8A21D5C-3244-C83C-8195-A18A9C98A87E}"/>
-          </ac:spMkLst>
-        </pc:spChg>
-      </pc:sldChg>
-      <pc:sldChg chg="modSp new mod">
-        <pc:chgData name="Daniel King" userId="d67d4e4b1d981c1e" providerId="LiveId" clId="{EDB28789-DC59-48B5-A91F-7AF1E920CF22}" dt="2024-07-22T21:20:50.823" v="2760" actId="20577"/>
-        <pc:sldMkLst>
-          <pc:docMk/>
-          <pc:sldMk cId="2762818993" sldId="307"/>
-        </pc:sldMkLst>
-        <pc:spChg chg="mod">
-          <ac:chgData name="Daniel King" userId="d67d4e4b1d981c1e" providerId="LiveId" clId="{EDB28789-DC59-48B5-A91F-7AF1E920CF22}" dt="2024-07-22T21:08:42.700" v="2489" actId="20577"/>
-          <ac:spMkLst>
-            <pc:docMk/>
-            <pc:sldMk cId="2762818993" sldId="307"/>
-            <ac:spMk id="2" creationId="{9B99D6A9-80AE-BCA0-EF9A-5B57919810E4}"/>
-          </ac:spMkLst>
-        </pc:spChg>
-        <pc:spChg chg="mod">
-          <ac:chgData name="Daniel King" userId="d67d4e4b1d981c1e" providerId="LiveId" clId="{EDB28789-DC59-48B5-A91F-7AF1E920CF22}" dt="2024-07-22T21:20:50.823" v="2760" actId="20577"/>
-          <ac:spMkLst>
-            <pc:docMk/>
-            <pc:sldMk cId="2762818993" sldId="307"/>
-            <ac:spMk id="3" creationId="{4C29130A-42FB-3EE9-409B-4215D6C8CDED}"/>
-          </ac:spMkLst>
-        </pc:spChg>
-      </pc:sldChg>
-      <pc:sldChg chg="modSp add mod">
-        <pc:chgData name="Daniel King" userId="d67d4e4b1d981c1e" providerId="LiveId" clId="{EDB28789-DC59-48B5-A91F-7AF1E920CF22}" dt="2024-07-22T21:22:56.983" v="2863" actId="20577"/>
-        <pc:sldMkLst>
-          <pc:docMk/>
-          <pc:sldMk cId="3856544615" sldId="308"/>
-        </pc:sldMkLst>
-        <pc:spChg chg="mod">
-          <ac:chgData name="Daniel King" userId="d67d4e4b1d981c1e" providerId="LiveId" clId="{EDB28789-DC59-48B5-A91F-7AF1E920CF22}" dt="2024-07-22T21:22:32.068" v="2834" actId="20577"/>
-          <ac:spMkLst>
-            <pc:docMk/>
-            <pc:sldMk cId="3856544615" sldId="308"/>
-            <ac:spMk id="2" creationId="{65908FFF-4014-2C4C-2477-6FF15477C195}"/>
-          </ac:spMkLst>
-        </pc:spChg>
-        <pc:spChg chg="mod">
-          <ac:chgData name="Daniel King" userId="d67d4e4b1d981c1e" providerId="LiveId" clId="{EDB28789-DC59-48B5-A91F-7AF1E920CF22}" dt="2024-07-22T21:22:56.983" v="2863" actId="20577"/>
-          <ac:spMkLst>
-            <pc:docMk/>
-            <pc:sldMk cId="3856544615" sldId="308"/>
-            <ac:spMk id="19" creationId="{86F56784-3DAE-4327-E683-E6DBA3E3F83F}"/>
-          </ac:spMkLst>
-        </pc:spChg>
-      </pc:sldChg>
-      <pc:sldChg chg="modSp new mod">
-        <pc:chgData name="Daniel King" userId="d67d4e4b1d981c1e" providerId="LiveId" clId="{EDB28789-DC59-48B5-A91F-7AF1E920CF22}" dt="2024-07-22T21:46:14.847" v="3770" actId="6549"/>
-        <pc:sldMkLst>
-          <pc:docMk/>
-          <pc:sldMk cId="3929322632" sldId="309"/>
-        </pc:sldMkLst>
-        <pc:spChg chg="mod">
-          <ac:chgData name="Daniel King" userId="d67d4e4b1d981c1e" providerId="LiveId" clId="{EDB28789-DC59-48B5-A91F-7AF1E920CF22}" dt="2024-07-22T21:23:37.724" v="2913" actId="20577"/>
-          <ac:spMkLst>
-            <pc:docMk/>
-            <pc:sldMk cId="3929322632" sldId="309"/>
-            <ac:spMk id="2" creationId="{82D59FBF-120D-D0AA-0B39-C368F8B467B6}"/>
-          </ac:spMkLst>
-        </pc:spChg>
-        <pc:spChg chg="mod">
-          <ac:chgData name="Daniel King" userId="d67d4e4b1d981c1e" providerId="LiveId" clId="{EDB28789-DC59-48B5-A91F-7AF1E920CF22}" dt="2024-07-22T21:46:14.847" v="3770" actId="6549"/>
-          <ac:spMkLst>
-            <pc:docMk/>
-            <pc:sldMk cId="3929322632" sldId="309"/>
-            <ac:spMk id="3" creationId="{B0C03395-13A5-D767-A502-5C0D3610460F}"/>
-          </ac:spMkLst>
-        </pc:spChg>
-      </pc:sldChg>
-      <pc:sldChg chg="modSp new mod ord">
-        <pc:chgData name="Daniel King" userId="d67d4e4b1d981c1e" providerId="LiveId" clId="{EDB28789-DC59-48B5-A91F-7AF1E920CF22}" dt="2024-07-22T21:53:22.841" v="4057" actId="20577"/>
-        <pc:sldMkLst>
-          <pc:docMk/>
-          <pc:sldMk cId="3885554045" sldId="310"/>
-        </pc:sldMkLst>
-        <pc:spChg chg="mod">
-          <ac:chgData name="Daniel King" userId="d67d4e4b1d981c1e" providerId="LiveId" clId="{EDB28789-DC59-48B5-A91F-7AF1E920CF22}" dt="2024-07-22T21:53:22.841" v="4057" actId="20577"/>
-          <ac:spMkLst>
-            <pc:docMk/>
-            <pc:sldMk cId="3885554045" sldId="310"/>
-            <ac:spMk id="2" creationId="{C0B2A189-9B65-71C8-DAA7-226B9D53805A}"/>
-          </ac:spMkLst>
-        </pc:spChg>
-        <pc:spChg chg="mod">
-          <ac:chgData name="Daniel King" userId="d67d4e4b1d981c1e" providerId="LiveId" clId="{EDB28789-DC59-48B5-A91F-7AF1E920CF22}" dt="2024-07-22T21:53:13.717" v="4036" actId="20577"/>
-          <ac:spMkLst>
-            <pc:docMk/>
-            <pc:sldMk cId="3885554045" sldId="310"/>
-            <ac:spMk id="3" creationId="{2D46A413-1C14-DC7E-C899-D51BA47F7552}"/>
-          </ac:spMkLst>
-        </pc:spChg>
-      </pc:sldChg>
-      <pc:sldChg chg="modSp new mod">
-        <pc:chgData name="Daniel King" userId="d67d4e4b1d981c1e" providerId="LiveId" clId="{EDB28789-DC59-48B5-A91F-7AF1E920CF22}" dt="2024-07-22T21:58:26.001" v="4262" actId="5793"/>
-        <pc:sldMkLst>
-          <pc:docMk/>
-          <pc:sldMk cId="3492375364" sldId="311"/>
-        </pc:sldMkLst>
-        <pc:spChg chg="mod">
-          <ac:chgData name="Daniel King" userId="d67d4e4b1d981c1e" providerId="LiveId" clId="{EDB28789-DC59-48B5-A91F-7AF1E920CF22}" dt="2024-07-22T21:57:42.646" v="4197" actId="20577"/>
-          <ac:spMkLst>
-            <pc:docMk/>
-            <pc:sldMk cId="3492375364" sldId="311"/>
-            <ac:spMk id="2" creationId="{33784FEA-4E61-7DAB-E80B-2AE544EB0C8C}"/>
-          </ac:spMkLst>
-        </pc:spChg>
-        <pc:spChg chg="mod">
-          <ac:chgData name="Daniel King" userId="d67d4e4b1d981c1e" providerId="LiveId" clId="{EDB28789-DC59-48B5-A91F-7AF1E920CF22}" dt="2024-07-22T21:58:26.001" v="4262" actId="5793"/>
-          <ac:spMkLst>
-            <pc:docMk/>
-            <pc:sldMk cId="3492375364" sldId="311"/>
-            <ac:spMk id="3" creationId="{AC4CCAE9-F5F5-ADDB-7B1F-FB02AB295C29}"/>
+            <pc:sldMk cId="3713546765" sldId="323"/>
+            <ac:spMk id="3" creationId="{1B29526B-3047-B9C8-FC68-00229DF5BCD7}"/>
           </ac:spMkLst>
         </pc:spChg>
       </pc:sldChg>
@@ -986,7 +688,7 @@
           <a:p>
             <a:fld id="{C6A4C14F-B755-48F9-B228-E6F1FB90EABE}" type="slidenum">
               <a:rPr lang="zh-CN" altLang="en-US" smtClean="0"/>
-              <a:t>‹#›</a:t>
+              <a:t>‹N°›</a:t>
             </a:fld>
             <a:endParaRPr lang="zh-CN" altLang="en-US"/>
           </a:p>
@@ -1183,7 +885,7 @@
           <a:p>
             <a:fld id="{C6A4C14F-B755-48F9-B228-E6F1FB90EABE}" type="slidenum">
               <a:rPr lang="zh-CN" altLang="en-US" smtClean="0"/>
-              <a:t>12</a:t>
+              <a:t>14</a:t>
             </a:fld>
             <a:endParaRPr lang="zh-CN" altLang="en-US"/>
           </a:p>
@@ -1407,7 +1109,7 @@
           <a:p>
             <a:fld id="{E9C91435-F2FF-4A2E-9510-278D0336CB48}" type="slidenum">
               <a:rPr lang="en-US" smtClean="0"/>
-              <a:t>‹#›</a:t>
+              <a:t>‹N°›</a:t>
             </a:fld>
             <a:endParaRPr lang="en-US"/>
           </a:p>
@@ -1608,7 +1310,7 @@
           <a:p>
             <a:fld id="{E9C91435-F2FF-4A2E-9510-278D0336CB48}" type="slidenum">
               <a:rPr lang="en-US" smtClean="0"/>
-              <a:t>‹#›</a:t>
+              <a:t>‹N°›</a:t>
             </a:fld>
             <a:endParaRPr lang="en-US"/>
           </a:p>
@@ -1819,7 +1521,7 @@
           <a:p>
             <a:fld id="{E9C91435-F2FF-4A2E-9510-278D0336CB48}" type="slidenum">
               <a:rPr lang="en-US" smtClean="0"/>
-              <a:t>‹#›</a:t>
+              <a:t>‹N°›</a:t>
             </a:fld>
             <a:endParaRPr lang="en-US"/>
           </a:p>
@@ -2021,7 +1723,7 @@
           <a:p>
             <a:fld id="{E9C91435-F2FF-4A2E-9510-278D0336CB48}" type="slidenum">
               <a:rPr lang="en-US" smtClean="0"/>
-              <a:t>‹#›</a:t>
+              <a:t>‹N°›</a:t>
             </a:fld>
             <a:endParaRPr lang="en-US"/>
           </a:p>
@@ -2299,7 +2001,7 @@
           <a:p>
             <a:fld id="{E9C91435-F2FF-4A2E-9510-278D0336CB48}" type="slidenum">
               <a:rPr lang="en-US" smtClean="0"/>
-              <a:t>‹#›</a:t>
+              <a:t>‹N°›</a:t>
             </a:fld>
             <a:endParaRPr lang="en-US"/>
           </a:p>
@@ -2567,7 +2269,7 @@
           <a:p>
             <a:fld id="{E9C91435-F2FF-4A2E-9510-278D0336CB48}" type="slidenum">
               <a:rPr lang="en-US" smtClean="0"/>
-              <a:t>‹#›</a:t>
+              <a:t>‹N°›</a:t>
             </a:fld>
             <a:endParaRPr lang="en-US"/>
           </a:p>
@@ -2982,7 +2684,7 @@
           <a:p>
             <a:fld id="{E9C91435-F2FF-4A2E-9510-278D0336CB48}" type="slidenum">
               <a:rPr lang="en-US" smtClean="0"/>
-              <a:t>‹#›</a:t>
+              <a:t>‹N°›</a:t>
             </a:fld>
             <a:endParaRPr lang="en-US"/>
           </a:p>
@@ -3126,7 +2828,7 @@
           <a:p>
             <a:fld id="{E9C91435-F2FF-4A2E-9510-278D0336CB48}" type="slidenum">
               <a:rPr lang="en-US" smtClean="0"/>
-              <a:t>‹#›</a:t>
+              <a:t>‹N°›</a:t>
             </a:fld>
             <a:endParaRPr lang="en-US"/>
           </a:p>
@@ -3242,7 +2944,7 @@
           <a:p>
             <a:fld id="{E9C91435-F2FF-4A2E-9510-278D0336CB48}" type="slidenum">
               <a:rPr lang="en-US" smtClean="0"/>
-              <a:t>‹#›</a:t>
+              <a:t>‹N°›</a:t>
             </a:fld>
             <a:endParaRPr lang="en-US"/>
           </a:p>
@@ -3556,7 +3258,7 @@
           <a:p>
             <a:fld id="{E9C91435-F2FF-4A2E-9510-278D0336CB48}" type="slidenum">
               <a:rPr lang="en-US" smtClean="0"/>
-              <a:t>‹#›</a:t>
+              <a:t>‹N°›</a:t>
             </a:fld>
             <a:endParaRPr lang="en-US" dirty="0"/>
           </a:p>
@@ -3847,7 +3549,7 @@
           <a:p>
             <a:fld id="{E9C91435-F2FF-4A2E-9510-278D0336CB48}" type="slidenum">
               <a:rPr lang="en-US" smtClean="0"/>
-              <a:t>‹#›</a:t>
+              <a:t>‹N°›</a:t>
             </a:fld>
             <a:endParaRPr lang="en-US"/>
           </a:p>
@@ -4128,7 +3830,7 @@
           <a:p>
             <a:fld id="{E9C91435-F2FF-4A2E-9510-278D0336CB48}" type="slidenum">
               <a:rPr lang="en-US" smtClean="0"/>
-              <a:t>‹#›</a:t>
+              <a:t>‹N°›</a:t>
             </a:fld>
             <a:endParaRPr lang="en-US"/>
           </a:p>
@@ -4474,7 +4176,7 @@
         </p:nvSpPr>
         <p:spPr>
           <a:xfrm>
-            <a:off x="1920782" y="342010"/>
+            <a:off x="1920782" y="1382024"/>
             <a:ext cx="8350435" cy="1177162"/>
           </a:xfrm>
         </p:spPr>
@@ -4612,7 +4314,7 @@
         </p:nvSpPr>
         <p:spPr>
           <a:xfrm>
-            <a:off x="3104081" y="1918611"/>
+            <a:off x="3016169" y="3303606"/>
             <a:ext cx="2044862" cy="2308324"/>
           </a:xfrm>
           <a:prstGeom prst="rect">
@@ -4753,7 +4455,7 @@
         </p:nvSpPr>
         <p:spPr>
           <a:xfrm>
-            <a:off x="6752284" y="1918611"/>
+            <a:off x="6689480" y="3028156"/>
             <a:ext cx="3842240" cy="3693319"/>
           </a:xfrm>
           <a:prstGeom prst="rect">
@@ -5056,7 +4758,7 @@
           <a:p>
             <a:r>
               <a:rPr lang="en-GB" dirty="0"/>
-              <a:t>Schedule Database </a:t>
+              <a:t>Time Synchronization </a:t>
             </a:r>
           </a:p>
         </p:txBody>
@@ -5079,122 +4781,116 @@
         </p:nvSpPr>
         <p:spPr>
           <a:xfrm>
-            <a:off x="838200" y="1825625"/>
-            <a:ext cx="10515600" cy="4667250"/>
+            <a:off x="838200" y="1825624"/>
+            <a:ext cx="10515600" cy="4449280"/>
           </a:xfrm>
         </p:spPr>
         <p:txBody>
           <a:bodyPr>
-            <a:normAutofit fontScale="92500" lnSpcReduction="10000"/>
+            <a:normAutofit/>
           </a:bodyPr>
           <a:lstStyle/>
           <a:p>
             <a:r>
-              <a:rPr lang="en-GB" dirty="0"/>
-              <a:t>Data Structure</a:t>
-            </a:r>
-          </a:p>
-          <a:p>
-            <a:pPr marL="0" indent="0">
-              <a:buNone/>
-            </a:pPr>
-            <a:r>
-              <a:rPr lang="en-US" sz="2300" dirty="0"/>
-              <a:t>Based on TVR YANG, the schedule database should contain four types of schedule entries.</a:t>
+              <a:rPr lang="en-GB" sz="2400" dirty="0"/>
+              <a:t>Hardware-based protocols</a:t>
             </a:r>
           </a:p>
           <a:p>
             <a:pPr lvl="1"/>
             <a:r>
-              <a:rPr lang="en-US" sz="2300" b="1" dirty="0">
+              <a:rPr lang="en-US" sz="2000" b="1" i="1" dirty="0">
                 <a:solidFill>
-                  <a:schemeClr val="accent6"/>
+                  <a:srgbClr val="00B0F0"/>
                 </a:solidFill>
               </a:rPr>
-              <a:t>Node power schedule</a:t>
-            </a:r>
-            <a:r>
-              <a:rPr lang="en-US" sz="2300" dirty="0"/>
-              <a:t> entry;</a:t>
+              <a:t>Rely upon dedicated hardware </a:t>
+            </a:r>
+            <a:r>
+              <a:rPr lang="en-US" sz="2000" dirty="0"/>
+              <a:t>to ensure clock synchronization, such as GPS and Precision Time Protocol (PTP)</a:t>
             </a:r>
           </a:p>
           <a:p>
             <a:pPr lvl="1"/>
             <a:r>
-              <a:rPr lang="en-US" sz="2300" b="1" dirty="0">
+              <a:rPr lang="en-US" sz="2000" b="1" i="1" dirty="0">
                 <a:solidFill>
-                  <a:schemeClr val="accent6"/>
+                  <a:srgbClr val="00B0F0"/>
                 </a:solidFill>
               </a:rPr>
-              <a:t>Interface schedule </a:t>
-            </a:r>
-            <a:r>
-              <a:rPr lang="en-US" sz="2300" dirty="0"/>
-              <a:t>entry;</a:t>
+              <a:t>Have higher precision and stability</a:t>
+            </a:r>
+            <a:r>
+              <a:rPr lang="en-US" sz="2000" dirty="0"/>
+              <a:t>, but also have higher cost due to the dedicated Hardware </a:t>
             </a:r>
           </a:p>
           <a:p>
             <a:pPr lvl="1"/>
             <a:r>
-              <a:rPr lang="en-US" sz="2300" b="1" dirty="0">
+              <a:rPr lang="en-GB" sz="2000" dirty="0"/>
+              <a:t>Appropriate for networks with critical time synchronization scenarios</a:t>
+            </a:r>
+          </a:p>
+          <a:p>
+            <a:endParaRPr lang="en-GB" sz="2400" dirty="0"/>
+          </a:p>
+          <a:p>
+            <a:r>
+              <a:rPr lang="en-GB" sz="2400" dirty="0"/>
+              <a:t>Software-based protocols</a:t>
+            </a:r>
+          </a:p>
+          <a:p>
+            <a:pPr lvl="1"/>
+            <a:r>
+              <a:rPr lang="en-US" sz="2000" b="1" i="1" dirty="0">
                 <a:solidFill>
-                  <a:schemeClr val="accent6"/>
+                  <a:srgbClr val="00B0F0"/>
                 </a:solidFill>
               </a:rPr>
-              <a:t>Node schedule </a:t>
-            </a:r>
-            <a:r>
-              <a:rPr lang="en-US" sz="2300" dirty="0"/>
-              <a:t>entry;</a:t>
+              <a:t>Synchronize clocks through software packages running on systems</a:t>
+            </a:r>
+            <a:r>
+              <a:rPr lang="en-US" sz="2000" dirty="0"/>
+              <a:t>, such as Network Time Protocol (NTP) and Simple Network Time Protocol (SNTP)</a:t>
             </a:r>
           </a:p>
           <a:p>
             <a:pPr lvl="1"/>
             <a:r>
-              <a:rPr lang="en-US" sz="2300" b="1" dirty="0">
+              <a:rPr lang="en-US" sz="2000" b="1" i="1" dirty="0">
                 <a:solidFill>
-                  <a:schemeClr val="accent6"/>
+                  <a:srgbClr val="00B0F0"/>
                 </a:solidFill>
               </a:rPr>
-              <a:t>Links schedule </a:t>
-            </a:r>
-            <a:r>
-              <a:rPr lang="en-US" sz="2300" dirty="0"/>
-              <a:t>entry;</a:t>
-            </a:r>
-            <a:endParaRPr lang="en-GB" sz="2300" dirty="0"/>
-          </a:p>
-          <a:p>
-            <a:r>
-              <a:rPr lang="en-GB" dirty="0"/>
-              <a:t>Schedule Database Requirements</a:t>
+              <a:t>Simple and applicable to common hardware devices</a:t>
+            </a:r>
+            <a:r>
+              <a:rPr lang="en-US" sz="2000" dirty="0"/>
+              <a:t> but have </a:t>
+            </a:r>
+            <a:r>
+              <a:rPr lang="en-US" sz="2000" b="1" i="1" dirty="0">
+                <a:solidFill>
+                  <a:srgbClr val="00B0F0"/>
+                </a:solidFill>
+              </a:rPr>
+              <a:t>lower precision</a:t>
+            </a:r>
+            <a:r>
+              <a:rPr lang="en-US" sz="2000" dirty="0"/>
+              <a:t> </a:t>
             </a:r>
           </a:p>
           <a:p>
             <a:pPr lvl="1"/>
             <a:r>
-              <a:rPr lang="en-US" altLang="zh-CN" dirty="0"/>
-              <a:t>S</a:t>
-            </a:r>
-            <a:r>
-              <a:rPr lang="en-US" dirty="0"/>
-              <a:t>chedule database should support the add, update, and delete operations.</a:t>
-            </a:r>
-          </a:p>
-          <a:p>
-            <a:pPr lvl="1"/>
-            <a:r>
-              <a:rPr lang="en-US" dirty="0"/>
-              <a:t>When adding or updating a schedule entry, the execution node needs to check whether resource conflicts exist between the current schedule and existing schedules.</a:t>
-            </a:r>
-          </a:p>
-          <a:p>
-            <a:pPr lvl="1"/>
-            <a:r>
-              <a:rPr lang="en-US" dirty="0"/>
-              <a:t>Schedules are updated and deleted based on schedule IDs. Schedule IDs must be unique in a time-variant domain.</a:t>
-            </a:r>
-            <a:endParaRPr lang="en-GB" dirty="0"/>
+              <a:rPr lang="en-US" sz="2000" dirty="0"/>
+              <a:t>Appropriate for most of the TVR use cases</a:t>
+            </a:r>
+            <a:endParaRPr lang="en-GB" sz="2000" dirty="0"/>
           </a:p>
         </p:txBody>
       </p:sp>
@@ -5203,7 +4899,7 @@
           <p:cNvPr id="4" name="页脚占位符 3">
             <a:extLst>
               <a:ext uri="{FF2B5EF4-FFF2-40B4-BE49-F238E27FC236}">
-                <a16:creationId xmlns:a16="http://schemas.microsoft.com/office/drawing/2014/main" id="{023C0183-CB74-4DCA-836C-DCFD011F5E1A}"/>
+                <a16:creationId xmlns:a16="http://schemas.microsoft.com/office/drawing/2014/main" id="{3ADE44E1-4D4F-40A3-9752-5A43AF614F8D}"/>
               </a:ext>
             </a:extLst>
           </p:cNvPr>
@@ -5232,7 +4928,7 @@
           <p:cNvPr id="5" name="灯片编号占位符 4">
             <a:extLst>
               <a:ext uri="{FF2B5EF4-FFF2-40B4-BE49-F238E27FC236}">
-                <a16:creationId xmlns:a16="http://schemas.microsoft.com/office/drawing/2014/main" id="{A0741711-D6A4-478A-BDE8-0D98267DBE97}"/>
+                <a16:creationId xmlns:a16="http://schemas.microsoft.com/office/drawing/2014/main" id="{AF83543F-7480-47C4-8E62-86FD97800103}"/>
               </a:ext>
             </a:extLst>
           </p:cNvPr>
@@ -5259,7 +4955,7 @@
     </p:spTree>
     <p:extLst>
       <p:ext uri="{BB962C8B-B14F-4D97-AF65-F5344CB8AC3E}">
-        <p14:creationId xmlns:p14="http://schemas.microsoft.com/office/powerpoint/2010/main" val="3653553375"/>
+        <p14:creationId xmlns:p14="http://schemas.microsoft.com/office/powerpoint/2010/main" val="2560202612"/>
       </p:ext>
     </p:extLst>
   </p:cSld>
@@ -5309,7 +5005,7 @@
           <a:p>
             <a:r>
               <a:rPr lang="en-GB" dirty="0"/>
-              <a:t>Operational Considerations</a:t>
+              <a:t>Time Synchronization in Tidal Network </a:t>
             </a:r>
           </a:p>
         </p:txBody>
@@ -5333,88 +5029,233 @@
         <p:spPr>
           <a:xfrm>
             <a:off x="838200" y="1825624"/>
-            <a:ext cx="10515600" cy="4667251"/>
+            <a:ext cx="10515600" cy="4449280"/>
           </a:xfrm>
         </p:spPr>
         <p:txBody>
           <a:bodyPr>
-            <a:normAutofit fontScale="92500" lnSpcReduction="10000"/>
+            <a:normAutofit lnSpcReduction="10000"/>
           </a:bodyPr>
           <a:lstStyle/>
           <a:p>
-            <a:pPr marL="228600" lvl="1">
-              <a:spcBef>
-                <a:spcPts val="1000"/>
-              </a:spcBef>
-            </a:pPr>
-            <a:r>
-              <a:rPr lang="en-US" sz="2800" dirty="0"/>
-              <a:t>Coordinated Network Events: TVR often coordinates routing changes anticipating events like predictable link downtimes.</a:t>
-            </a:r>
-          </a:p>
-          <a:p>
-            <a:pPr marL="228600" lvl="1">
-              <a:spcBef>
-                <a:spcPts val="1000"/>
-              </a:spcBef>
-            </a:pPr>
-            <a:r>
-              <a:rPr lang="en-US" sz="2800" dirty="0"/>
-              <a:t>Accurate Scheduling of Paths: TVR schedule capable nodes will dynamically adjust forwarding paths based on planned changes.</a:t>
-            </a:r>
-          </a:p>
-          <a:p>
-            <a:pPr marL="228600" lvl="1">
-              <a:spcBef>
-                <a:spcPts val="1000"/>
-              </a:spcBef>
-            </a:pPr>
-            <a:r>
-              <a:rPr lang="en-US" sz="2800" dirty="0"/>
-              <a:t>Time-Stamped Data Models: TVR will require the use time-stamped data to make interface management decisions.</a:t>
-            </a:r>
-          </a:p>
-          <a:p>
-            <a:pPr marL="228600" lvl="1">
-              <a:spcBef>
-                <a:spcPts val="1000"/>
-              </a:spcBef>
-            </a:pPr>
-            <a:r>
-              <a:rPr lang="en-US" sz="2800" dirty="0"/>
-              <a:t>Schedule Execution Considerations</a:t>
-            </a:r>
-          </a:p>
-          <a:p>
-            <a:pPr lvl="1">
-              <a:lnSpc>
-                <a:spcPct val="100000"/>
-              </a:lnSpc>
-            </a:pPr>
-            <a:r>
-              <a:rPr lang="en-US" dirty="0"/>
-              <a:t>A link coming up or a node joining a topology should not have any functional change until the change is proven to be fully operational</a:t>
-            </a:r>
-          </a:p>
-          <a:p>
-            <a:pPr lvl="1">
-              <a:lnSpc>
-                <a:spcPct val="100000"/>
-              </a:lnSpc>
-            </a:pPr>
-            <a:r>
-              <a:rPr lang="en-US" dirty="0"/>
-              <a:t>A link or node is to be removed from the topology, then the network should act before the anticipated change to route traffic around the expected topological change.</a:t>
-            </a:r>
+            <a:r>
+              <a:rPr lang="en-US" sz="1800" dirty="0"/>
+              <a:t>Time synchronization precision requirements of tidal network : </a:t>
+            </a:r>
+            <a:r>
+              <a:rPr lang="en-US" sz="1800" b="1" i="1" dirty="0">
+                <a:solidFill>
+                  <a:srgbClr val="00B0F0"/>
+                </a:solidFill>
+              </a:rPr>
+              <a:t>Second level</a:t>
+            </a:r>
+            <a:endParaRPr lang="en-GB" sz="1800" b="1" i="1" dirty="0">
+              <a:solidFill>
+                <a:srgbClr val="00B0F0"/>
+              </a:solidFill>
+            </a:endParaRPr>
+          </a:p>
+          <a:p>
+            <a:r>
+              <a:rPr lang="en-GB" sz="1800" dirty="0"/>
+              <a:t>NTP</a:t>
+            </a:r>
+          </a:p>
+          <a:p>
+            <a:pPr lvl="1"/>
+            <a:r>
+              <a:rPr lang="en-US" sz="1600" dirty="0"/>
+              <a:t>Uses a hierarchical structure of time sources. Each level of this hierarchy is termed a stratum</a:t>
+            </a:r>
+          </a:p>
+          <a:p>
+            <a:pPr lvl="1"/>
+            <a:r>
+              <a:rPr lang="en-US" sz="1600" dirty="0"/>
+              <a:t>Have </a:t>
+            </a:r>
+            <a:r>
+              <a:rPr lang="en-US" sz="1600" b="1" i="1" dirty="0">
+                <a:solidFill>
+                  <a:srgbClr val="00B0F0"/>
+                </a:solidFill>
+              </a:rPr>
+              <a:t>higher precision:</a:t>
+            </a:r>
+            <a:r>
+              <a:rPr lang="en-US" sz="1600" dirty="0"/>
+              <a:t> it can realize the synchronization at tens of milliseconds level.</a:t>
+            </a:r>
+          </a:p>
+          <a:p>
+            <a:pPr lvl="1"/>
+            <a:endParaRPr lang="en-GB" sz="1800" dirty="0"/>
+          </a:p>
+          <a:p>
+            <a:pPr lvl="1"/>
+            <a:endParaRPr lang="en-GB" sz="1800" dirty="0"/>
+          </a:p>
+          <a:p>
+            <a:pPr lvl="1"/>
+            <a:endParaRPr lang="en-GB" sz="1800" dirty="0"/>
+          </a:p>
+          <a:p>
+            <a:pPr lvl="1"/>
+            <a:endParaRPr lang="en-GB" sz="1800" dirty="0"/>
+          </a:p>
+          <a:p>
+            <a:pPr lvl="1"/>
+            <a:endParaRPr lang="en-GB" sz="1800" dirty="0"/>
+          </a:p>
+          <a:p>
+            <a:pPr lvl="1"/>
+            <a:endParaRPr lang="en-GB" sz="1800" dirty="0"/>
+          </a:p>
+          <a:p>
+            <a:r>
+              <a:rPr lang="en-GB" sz="2000" dirty="0"/>
+              <a:t>SNTP</a:t>
+            </a:r>
+          </a:p>
+          <a:p>
+            <a:pPr lvl="1"/>
+            <a:r>
+              <a:rPr lang="en-US" sz="1800" dirty="0"/>
+              <a:t>Simplifies the complex NTP synchronization function and is </a:t>
+            </a:r>
+            <a:r>
+              <a:rPr lang="en-US" sz="1800" b="1" i="1" dirty="0">
+                <a:solidFill>
+                  <a:srgbClr val="00B0F0"/>
+                </a:solidFill>
+              </a:rPr>
+              <a:t>suitable for networks with limited resources and loose precision requirements</a:t>
+            </a:r>
+            <a:r>
+              <a:rPr lang="en-US" sz="1800" dirty="0"/>
+              <a:t>. The synchronization precision still can be guarded under seconds</a:t>
+            </a:r>
+          </a:p>
+          <a:p>
+            <a:pPr lvl="1"/>
+            <a:r>
+              <a:rPr lang="en-US" sz="1800" dirty="0"/>
+              <a:t>Can be used as</a:t>
+            </a:r>
+            <a:r>
+              <a:rPr lang="en-US" sz="1800" b="1" dirty="0">
+                <a:solidFill>
+                  <a:schemeClr val="accent6"/>
+                </a:solidFill>
+              </a:rPr>
+              <a:t> </a:t>
+            </a:r>
+            <a:r>
+              <a:rPr lang="en-US" sz="1800" b="1" i="1" dirty="0">
+                <a:solidFill>
+                  <a:srgbClr val="00B0F0"/>
+                </a:solidFill>
+              </a:rPr>
+              <a:t>an alternative clock synchronization protocol for Tidal Network</a:t>
+            </a:r>
+            <a:endParaRPr lang="en-GB" sz="1800" dirty="0"/>
           </a:p>
         </p:txBody>
       </p:sp>
+      <p:grpSp>
+        <p:nvGrpSpPr>
+          <p:cNvPr id="6" name="组合 5">
+            <a:extLst>
+              <a:ext uri="{FF2B5EF4-FFF2-40B4-BE49-F238E27FC236}">
+                <a16:creationId xmlns:a16="http://schemas.microsoft.com/office/drawing/2014/main" id="{BCA4319D-8C87-4EF4-880E-0D0769418E0A}"/>
+              </a:ext>
+            </a:extLst>
+          </p:cNvPr>
+          <p:cNvGrpSpPr/>
+          <p:nvPr/>
+        </p:nvGrpSpPr>
+        <p:grpSpPr>
+          <a:xfrm>
+            <a:off x="3050072" y="3001618"/>
+            <a:ext cx="4463911" cy="1897835"/>
+            <a:chOff x="2904298" y="2885798"/>
+            <a:chExt cx="4854851" cy="2175018"/>
+          </a:xfrm>
+        </p:grpSpPr>
+        <p:pic>
+          <p:nvPicPr>
+            <p:cNvPr id="4" name="图片 3">
+              <a:extLst>
+                <a:ext uri="{FF2B5EF4-FFF2-40B4-BE49-F238E27FC236}">
+                  <a16:creationId xmlns:a16="http://schemas.microsoft.com/office/drawing/2014/main" id="{921298B4-E22E-4AC0-8191-155DFF7177F0}"/>
+                </a:ext>
+              </a:extLst>
+            </p:cNvPr>
+            <p:cNvPicPr>
+              <a:picLocks noChangeAspect="1"/>
+            </p:cNvPicPr>
+            <p:nvPr/>
+          </p:nvPicPr>
+          <p:blipFill>
+            <a:blip r:embed="rId2"/>
+            <a:stretch>
+              <a:fillRect/>
+            </a:stretch>
+          </p:blipFill>
+          <p:spPr>
+            <a:xfrm>
+              <a:off x="2904298" y="2885798"/>
+              <a:ext cx="4854851" cy="1871013"/>
+            </a:xfrm>
+            <a:prstGeom prst="rect">
+              <a:avLst/>
+            </a:prstGeom>
+          </p:spPr>
+        </p:pic>
+        <p:sp>
+          <p:nvSpPr>
+            <p:cNvPr id="5" name="文本框 4">
+              <a:extLst>
+                <a:ext uri="{FF2B5EF4-FFF2-40B4-BE49-F238E27FC236}">
+                  <a16:creationId xmlns:a16="http://schemas.microsoft.com/office/drawing/2014/main" id="{6281B7B5-172B-41BA-89C7-D316567B6D9B}"/>
+                </a:ext>
+              </a:extLst>
+            </p:cNvPr>
+            <p:cNvSpPr txBox="1"/>
+            <p:nvPr/>
+          </p:nvSpPr>
+          <p:spPr>
+            <a:xfrm>
+              <a:off x="3332922" y="4637542"/>
+              <a:ext cx="4101938" cy="423274"/>
+            </a:xfrm>
+            <a:prstGeom prst="rect">
+              <a:avLst/>
+            </a:prstGeom>
+            <a:noFill/>
+          </p:spPr>
+          <p:txBody>
+            <a:bodyPr wrap="square" rtlCol="0">
+              <a:spAutoFit/>
+            </a:bodyPr>
+            <a:lstStyle/>
+            <a:p>
+              <a:r>
+                <a:rPr lang="en-US" altLang="zh-CN" dirty="0"/>
+                <a:t>NTP deployment case in tidal network</a:t>
+              </a:r>
+              <a:endParaRPr lang="zh-CN" altLang="en-US" dirty="0"/>
+            </a:p>
+          </p:txBody>
+        </p:sp>
+      </p:grpSp>
       <p:sp>
         <p:nvSpPr>
-          <p:cNvPr id="4" name="页脚占位符 3">
+          <p:cNvPr id="7" name="页脚占位符 6">
             <a:extLst>
               <a:ext uri="{FF2B5EF4-FFF2-40B4-BE49-F238E27FC236}">
-                <a16:creationId xmlns:a16="http://schemas.microsoft.com/office/drawing/2014/main" id="{8769B28A-7483-4A35-92D8-20808FDD36A8}"/>
+                <a16:creationId xmlns:a16="http://schemas.microsoft.com/office/drawing/2014/main" id="{39E0C012-72B2-4307-9A1D-6FF6AFD7D8F5}"/>
               </a:ext>
             </a:extLst>
           </p:cNvPr>
@@ -5440,10 +5281,10 @@
       </p:sp>
       <p:sp>
         <p:nvSpPr>
-          <p:cNvPr id="5" name="灯片编号占位符 4">
+          <p:cNvPr id="8" name="灯片编号占位符 7">
             <a:extLst>
               <a:ext uri="{FF2B5EF4-FFF2-40B4-BE49-F238E27FC236}">
-                <a16:creationId xmlns:a16="http://schemas.microsoft.com/office/drawing/2014/main" id="{B952B493-017D-4C82-9B58-98A6DC90AAA7}"/>
+                <a16:creationId xmlns:a16="http://schemas.microsoft.com/office/drawing/2014/main" id="{00232D0D-F09B-4DBF-9A6F-0238C7BA1F1E}"/>
               </a:ext>
             </a:extLst>
           </p:cNvPr>
@@ -5470,7 +5311,7 @@
     </p:spTree>
     <p:extLst>
       <p:ext uri="{BB962C8B-B14F-4D97-AF65-F5344CB8AC3E}">
-        <p14:creationId xmlns:p14="http://schemas.microsoft.com/office/powerpoint/2010/main" val="2487813509"/>
+        <p14:creationId xmlns:p14="http://schemas.microsoft.com/office/powerpoint/2010/main" val="1824383405"/>
       </p:ext>
     </p:extLst>
   </p:cSld>
@@ -5520,6 +5361,629 @@
           <a:p>
             <a:r>
               <a:rPr lang="en-GB" dirty="0"/>
+              <a:t>Schedule Database </a:t>
+            </a:r>
+          </a:p>
+        </p:txBody>
+      </p:sp>
+      <p:sp>
+        <p:nvSpPr>
+          <p:cNvPr id="3" name="Content Placeholder 2">
+            <a:extLst>
+              <a:ext uri="{FF2B5EF4-FFF2-40B4-BE49-F238E27FC236}">
+                <a16:creationId xmlns:a16="http://schemas.microsoft.com/office/drawing/2014/main" id="{B110B442-9329-C26D-7CBD-9FFBDB5CDF21}"/>
+              </a:ext>
+            </a:extLst>
+          </p:cNvPr>
+          <p:cNvSpPr>
+            <a:spLocks noGrp="1"/>
+          </p:cNvSpPr>
+          <p:nvPr>
+            <p:ph idx="1"/>
+          </p:nvPr>
+        </p:nvSpPr>
+        <p:spPr>
+          <a:xfrm>
+            <a:off x="838200" y="1825625"/>
+            <a:ext cx="10515600" cy="4667250"/>
+          </a:xfrm>
+        </p:spPr>
+        <p:txBody>
+          <a:bodyPr>
+            <a:normAutofit fontScale="85000" lnSpcReduction="10000"/>
+          </a:bodyPr>
+          <a:lstStyle/>
+          <a:p>
+            <a:r>
+              <a:rPr lang="en-GB" dirty="0"/>
+              <a:t>Data Structure</a:t>
+            </a:r>
+          </a:p>
+          <a:p>
+            <a:pPr marL="0" indent="0">
+              <a:buNone/>
+            </a:pPr>
+            <a:endParaRPr lang="en-GB" dirty="0"/>
+          </a:p>
+          <a:p>
+            <a:pPr marL="0" indent="0">
+              <a:buNone/>
+            </a:pPr>
+            <a:r>
+              <a:rPr lang="en-US" sz="2300" dirty="0"/>
+              <a:t>Based on TVR YANG modules, the schedule database should contain four types of schedule entries:</a:t>
+            </a:r>
+          </a:p>
+          <a:p>
+            <a:pPr lvl="1"/>
+            <a:r>
+              <a:rPr lang="en-US" sz="2300" b="1" i="1" dirty="0">
+                <a:solidFill>
+                  <a:srgbClr val="00B0F0"/>
+                </a:solidFill>
+              </a:rPr>
+              <a:t>Node power schedule</a:t>
+            </a:r>
+            <a:r>
+              <a:rPr lang="en-US" sz="2300" i="1" dirty="0">
+                <a:solidFill>
+                  <a:srgbClr val="00B0F0"/>
+                </a:solidFill>
+              </a:rPr>
+              <a:t> </a:t>
+            </a:r>
+            <a:r>
+              <a:rPr lang="en-US" sz="2300" dirty="0"/>
+              <a:t>entry</a:t>
+            </a:r>
+          </a:p>
+          <a:p>
+            <a:pPr lvl="1"/>
+            <a:r>
+              <a:rPr lang="en-US" sz="2300" b="1" i="1" dirty="0">
+                <a:solidFill>
+                  <a:srgbClr val="00B0F0"/>
+                </a:solidFill>
+              </a:rPr>
+              <a:t>Interface schedule </a:t>
+            </a:r>
+            <a:r>
+              <a:rPr lang="en-US" sz="2300" dirty="0"/>
+              <a:t>entry</a:t>
+            </a:r>
+          </a:p>
+          <a:p>
+            <a:pPr lvl="1"/>
+            <a:r>
+              <a:rPr lang="en-US" sz="2300" b="1" i="1" dirty="0">
+                <a:solidFill>
+                  <a:srgbClr val="00B0F0"/>
+                </a:solidFill>
+              </a:rPr>
+              <a:t>Node schedule </a:t>
+            </a:r>
+            <a:r>
+              <a:rPr lang="en-US" sz="2300" dirty="0"/>
+              <a:t>entry</a:t>
+            </a:r>
+          </a:p>
+          <a:p>
+            <a:pPr lvl="1"/>
+            <a:r>
+              <a:rPr lang="en-US" sz="2300" b="1" i="1" dirty="0">
+                <a:solidFill>
+                  <a:srgbClr val="00B0F0"/>
+                </a:solidFill>
+              </a:rPr>
+              <a:t>Links schedule </a:t>
+            </a:r>
+            <a:r>
+              <a:rPr lang="en-US" sz="2300" dirty="0"/>
+              <a:t>entry</a:t>
+            </a:r>
+          </a:p>
+          <a:p>
+            <a:pPr marL="457200" lvl="1" indent="0">
+              <a:buNone/>
+            </a:pPr>
+            <a:endParaRPr lang="en-GB" sz="2300" dirty="0"/>
+          </a:p>
+          <a:p>
+            <a:r>
+              <a:rPr lang="en-GB" dirty="0"/>
+              <a:t>Schedule Database Requirements</a:t>
+            </a:r>
+          </a:p>
+          <a:p>
+            <a:pPr lvl="1"/>
+            <a:r>
+              <a:rPr lang="en-US" altLang="zh-CN" dirty="0"/>
+              <a:t>S</a:t>
+            </a:r>
+            <a:r>
+              <a:rPr lang="en-US" dirty="0"/>
+              <a:t>chedule database should support “add”, “update”, and “delete” operations</a:t>
+            </a:r>
+          </a:p>
+          <a:p>
+            <a:pPr lvl="1"/>
+            <a:r>
+              <a:rPr lang="en-US" dirty="0"/>
+              <a:t>When adding or updating a schedule entry, the execution node needs to check whether resource </a:t>
+            </a:r>
+            <a:r>
+              <a:rPr lang="en-US" b="1" i="1" dirty="0">
+                <a:solidFill>
+                  <a:srgbClr val="00B0F0"/>
+                </a:solidFill>
+              </a:rPr>
+              <a:t>conflicts</a:t>
+            </a:r>
+            <a:r>
+              <a:rPr lang="en-US" dirty="0"/>
+              <a:t> exist between the current schedule and existing schedules</a:t>
+            </a:r>
+          </a:p>
+          <a:p>
+            <a:pPr lvl="1"/>
+            <a:r>
+              <a:rPr lang="en-US" dirty="0"/>
+              <a:t>Schedules are updated and deleted based on schedule IDs</a:t>
+            </a:r>
+          </a:p>
+          <a:p>
+            <a:pPr lvl="2"/>
+            <a:r>
+              <a:rPr lang="en-US" dirty="0"/>
+              <a:t>Schedule IDs must be </a:t>
+            </a:r>
+            <a:r>
+              <a:rPr lang="en-US" b="1" i="1" dirty="0">
+                <a:solidFill>
+                  <a:srgbClr val="00B0F0"/>
+                </a:solidFill>
+              </a:rPr>
+              <a:t>unique</a:t>
+            </a:r>
+            <a:r>
+              <a:rPr lang="en-US" dirty="0"/>
+              <a:t> in a time-variant domain</a:t>
+            </a:r>
+            <a:endParaRPr lang="en-GB" dirty="0"/>
+          </a:p>
+        </p:txBody>
+      </p:sp>
+      <p:sp>
+        <p:nvSpPr>
+          <p:cNvPr id="4" name="页脚占位符 3">
+            <a:extLst>
+              <a:ext uri="{FF2B5EF4-FFF2-40B4-BE49-F238E27FC236}">
+                <a16:creationId xmlns:a16="http://schemas.microsoft.com/office/drawing/2014/main" id="{023C0183-CB74-4DCA-836C-DCFD011F5E1A}"/>
+              </a:ext>
+            </a:extLst>
+          </p:cNvPr>
+          <p:cNvSpPr>
+            <a:spLocks noGrp="1"/>
+          </p:cNvSpPr>
+          <p:nvPr>
+            <p:ph type="ftr" sz="quarter" idx="11"/>
+          </p:nvPr>
+        </p:nvSpPr>
+        <p:spPr/>
+        <p:txBody>
+          <a:bodyPr/>
+          <a:lstStyle/>
+          <a:p>
+            <a:r>
+              <a:rPr lang="en-US"/>
+              <a:t>IETF 121 - TVR - Dublin - Nov 2023</a:t>
+            </a:r>
+            <a:endParaRPr lang="en-US" dirty="0"/>
+          </a:p>
+        </p:txBody>
+      </p:sp>
+      <p:sp>
+        <p:nvSpPr>
+          <p:cNvPr id="5" name="灯片编号占位符 4">
+            <a:extLst>
+              <a:ext uri="{FF2B5EF4-FFF2-40B4-BE49-F238E27FC236}">
+                <a16:creationId xmlns:a16="http://schemas.microsoft.com/office/drawing/2014/main" id="{A0741711-D6A4-478A-BDE8-0D98267DBE97}"/>
+              </a:ext>
+            </a:extLst>
+          </p:cNvPr>
+          <p:cNvSpPr>
+            <a:spLocks noGrp="1"/>
+          </p:cNvSpPr>
+          <p:nvPr>
+            <p:ph type="sldNum" sz="quarter" idx="12"/>
+          </p:nvPr>
+        </p:nvSpPr>
+        <p:spPr/>
+        <p:txBody>
+          <a:bodyPr/>
+          <a:lstStyle/>
+          <a:p>
+            <a:fld id="{E9C91435-F2FF-4A2E-9510-278D0336CB48}" type="slidenum">
+              <a:rPr lang="en-US" smtClean="0"/>
+              <a:t>12</a:t>
+            </a:fld>
+            <a:endParaRPr lang="en-US"/>
+          </a:p>
+        </p:txBody>
+      </p:sp>
+    </p:spTree>
+    <p:extLst>
+      <p:ext uri="{BB962C8B-B14F-4D97-AF65-F5344CB8AC3E}">
+        <p14:creationId xmlns:p14="http://schemas.microsoft.com/office/powerpoint/2010/main" val="3653553375"/>
+      </p:ext>
+    </p:extLst>
+  </p:cSld>
+  <p:clrMapOvr>
+    <a:masterClrMapping/>
+  </p:clrMapOvr>
+</p:sld>
+</file>
+
+<file path=ppt/slides/slide13.xml><?xml version="1.0" encoding="utf-8"?>
+<p:sld xmlns:a="http://schemas.openxmlformats.org/drawingml/2006/main" xmlns:r="http://schemas.openxmlformats.org/officeDocument/2006/relationships" xmlns:p="http://schemas.openxmlformats.org/presentationml/2006/main">
+  <p:cSld>
+    <p:spTree>
+      <p:nvGrpSpPr>
+        <p:cNvPr id="1" name=""/>
+        <p:cNvGrpSpPr/>
+        <p:nvPr/>
+      </p:nvGrpSpPr>
+      <p:grpSpPr>
+        <a:xfrm>
+          <a:off x="0" y="0"/>
+          <a:ext cx="0" cy="0"/>
+          <a:chOff x="0" y="0"/>
+          <a:chExt cx="0" cy="0"/>
+        </a:xfrm>
+      </p:grpSpPr>
+      <p:sp>
+        <p:nvSpPr>
+          <p:cNvPr id="2" name="Title 1">
+            <a:extLst>
+              <a:ext uri="{FF2B5EF4-FFF2-40B4-BE49-F238E27FC236}">
+                <a16:creationId xmlns:a16="http://schemas.microsoft.com/office/drawing/2014/main" id="{B90F9818-D930-6F0A-D073-ACF3975F4683}"/>
+              </a:ext>
+            </a:extLst>
+          </p:cNvPr>
+          <p:cNvSpPr>
+            <a:spLocks noGrp="1"/>
+          </p:cNvSpPr>
+          <p:nvPr>
+            <p:ph type="title"/>
+          </p:nvPr>
+        </p:nvSpPr>
+        <p:spPr/>
+        <p:txBody>
+          <a:bodyPr/>
+          <a:lstStyle/>
+          <a:p>
+            <a:r>
+              <a:rPr lang="en-GB" dirty="0"/>
+              <a:t>Sample Operational Considerations</a:t>
+            </a:r>
+          </a:p>
+        </p:txBody>
+      </p:sp>
+      <p:sp>
+        <p:nvSpPr>
+          <p:cNvPr id="3" name="Content Placeholder 2">
+            <a:extLst>
+              <a:ext uri="{FF2B5EF4-FFF2-40B4-BE49-F238E27FC236}">
+                <a16:creationId xmlns:a16="http://schemas.microsoft.com/office/drawing/2014/main" id="{B110B442-9329-C26D-7CBD-9FFBDB5CDF21}"/>
+              </a:ext>
+            </a:extLst>
+          </p:cNvPr>
+          <p:cNvSpPr>
+            <a:spLocks noGrp="1"/>
+          </p:cNvSpPr>
+          <p:nvPr>
+            <p:ph idx="1"/>
+          </p:nvPr>
+        </p:nvSpPr>
+        <p:spPr>
+          <a:xfrm>
+            <a:off x="838200" y="1825624"/>
+            <a:ext cx="10515600" cy="4667251"/>
+          </a:xfrm>
+        </p:spPr>
+        <p:txBody>
+          <a:bodyPr>
+            <a:normAutofit fontScale="70000" lnSpcReduction="20000"/>
+          </a:bodyPr>
+          <a:lstStyle/>
+          <a:p>
+            <a:pPr marL="228600" lvl="1">
+              <a:spcBef>
+                <a:spcPts val="1000"/>
+              </a:spcBef>
+            </a:pPr>
+            <a:r>
+              <a:rPr lang="en-US" sz="2800" b="1" i="1" dirty="0">
+                <a:solidFill>
+                  <a:srgbClr val="00B0F0"/>
+                </a:solidFill>
+              </a:rPr>
+              <a:t>Coordinated Network Events</a:t>
+            </a:r>
+          </a:p>
+          <a:p>
+            <a:pPr marL="685800" lvl="2">
+              <a:spcBef>
+                <a:spcPts val="1000"/>
+              </a:spcBef>
+            </a:pPr>
+            <a:r>
+              <a:rPr lang="en-US" sz="2400" dirty="0"/>
+              <a:t>TVR often coordinates routing changes </a:t>
+            </a:r>
+            <a:r>
+              <a:rPr lang="en-US" sz="2400" b="1" i="1" dirty="0"/>
+              <a:t>anticipating events </a:t>
+            </a:r>
+            <a:r>
+              <a:rPr lang="en-US" sz="2400" dirty="0"/>
+              <a:t>like predictable link downtimes</a:t>
+            </a:r>
+          </a:p>
+          <a:p>
+            <a:pPr marL="228600" lvl="1">
+              <a:spcBef>
+                <a:spcPts val="1000"/>
+              </a:spcBef>
+            </a:pPr>
+            <a:endParaRPr lang="en-US" sz="2800" dirty="0"/>
+          </a:p>
+          <a:p>
+            <a:pPr marL="228600" lvl="1">
+              <a:spcBef>
+                <a:spcPts val="1000"/>
+              </a:spcBef>
+            </a:pPr>
+            <a:r>
+              <a:rPr lang="en-US" sz="2800" b="1" i="1" dirty="0">
+                <a:solidFill>
+                  <a:srgbClr val="00B0F0"/>
+                </a:solidFill>
+              </a:rPr>
+              <a:t>Accurate Scheduling of Paths</a:t>
+            </a:r>
+          </a:p>
+          <a:p>
+            <a:pPr marL="685800" lvl="2">
+              <a:spcBef>
+                <a:spcPts val="1000"/>
+              </a:spcBef>
+            </a:pPr>
+            <a:r>
+              <a:rPr lang="en-US" sz="2400" dirty="0"/>
+              <a:t>‘TVR schedule’-capable nodes will </a:t>
+            </a:r>
+            <a:r>
+              <a:rPr lang="en-US" sz="2400" b="1" i="1" dirty="0"/>
+              <a:t>dynamically adjust forwarding paths </a:t>
+            </a:r>
+            <a:r>
+              <a:rPr lang="en-US" sz="2400" dirty="0"/>
+              <a:t>based on planned changes</a:t>
+            </a:r>
+          </a:p>
+          <a:p>
+            <a:pPr marL="228600" lvl="1">
+              <a:spcBef>
+                <a:spcPts val="1000"/>
+              </a:spcBef>
+            </a:pPr>
+            <a:endParaRPr lang="en-US" sz="2800" dirty="0"/>
+          </a:p>
+          <a:p>
+            <a:pPr marL="228600" lvl="1">
+              <a:spcBef>
+                <a:spcPts val="1000"/>
+              </a:spcBef>
+            </a:pPr>
+            <a:r>
+              <a:rPr lang="en-US" sz="2800" b="1" i="1" dirty="0">
+                <a:solidFill>
+                  <a:srgbClr val="00B0F0"/>
+                </a:solidFill>
+              </a:rPr>
+              <a:t>Time-Stamped Data Models</a:t>
+            </a:r>
+          </a:p>
+          <a:p>
+            <a:pPr marL="685800" lvl="2">
+              <a:spcBef>
+                <a:spcPts val="1000"/>
+              </a:spcBef>
+            </a:pPr>
+            <a:r>
+              <a:rPr lang="en-US" sz="2400" dirty="0"/>
+              <a:t>TVR will require the use </a:t>
+            </a:r>
+            <a:r>
+              <a:rPr lang="en-US" sz="2400" b="1" i="1" dirty="0"/>
+              <a:t>time-stamped data </a:t>
+            </a:r>
+            <a:r>
+              <a:rPr lang="en-US" sz="2400" dirty="0"/>
+              <a:t>to make interface management decisions</a:t>
+            </a:r>
+          </a:p>
+          <a:p>
+            <a:pPr marL="228600" lvl="1">
+              <a:spcBef>
+                <a:spcPts val="1000"/>
+              </a:spcBef>
+            </a:pPr>
+            <a:endParaRPr lang="en-US" sz="2800" dirty="0"/>
+          </a:p>
+          <a:p>
+            <a:pPr marL="228600" lvl="1">
+              <a:spcBef>
+                <a:spcPts val="1000"/>
+              </a:spcBef>
+            </a:pPr>
+            <a:r>
+              <a:rPr lang="en-US" sz="2800" b="1" i="1" dirty="0">
+                <a:solidFill>
+                  <a:srgbClr val="00B0F0"/>
+                </a:solidFill>
+              </a:rPr>
+              <a:t>Schedule Execution Considerations</a:t>
+            </a:r>
+          </a:p>
+          <a:p>
+            <a:pPr lvl="1">
+              <a:lnSpc>
+                <a:spcPct val="100000"/>
+              </a:lnSpc>
+            </a:pPr>
+            <a:r>
+              <a:rPr lang="en-US" dirty="0"/>
+              <a:t>A link coming up or a node joining a topology should not have any functional change until the change is </a:t>
+            </a:r>
+            <a:r>
+              <a:rPr lang="en-US" b="1" i="1" dirty="0"/>
+              <a:t>proven to be fully operational</a:t>
+            </a:r>
+          </a:p>
+          <a:p>
+            <a:pPr lvl="1">
+              <a:lnSpc>
+                <a:spcPct val="100000"/>
+              </a:lnSpc>
+            </a:pPr>
+            <a:r>
+              <a:rPr lang="en-US" dirty="0"/>
+              <a:t>A link or node is to be removed from the topology, then the network should </a:t>
+            </a:r>
+            <a:r>
+              <a:rPr lang="en-US" b="1" i="1" dirty="0"/>
+              <a:t>act before the anticipated change</a:t>
+            </a:r>
+            <a:r>
+              <a:rPr lang="en-US" dirty="0"/>
+              <a:t> to route traffic around the expected topological change.</a:t>
+            </a:r>
+          </a:p>
+        </p:txBody>
+      </p:sp>
+      <p:sp>
+        <p:nvSpPr>
+          <p:cNvPr id="4" name="页脚占位符 3">
+            <a:extLst>
+              <a:ext uri="{FF2B5EF4-FFF2-40B4-BE49-F238E27FC236}">
+                <a16:creationId xmlns:a16="http://schemas.microsoft.com/office/drawing/2014/main" id="{8769B28A-7483-4A35-92D8-20808FDD36A8}"/>
+              </a:ext>
+            </a:extLst>
+          </p:cNvPr>
+          <p:cNvSpPr>
+            <a:spLocks noGrp="1"/>
+          </p:cNvSpPr>
+          <p:nvPr>
+            <p:ph type="ftr" sz="quarter" idx="11"/>
+          </p:nvPr>
+        </p:nvSpPr>
+        <p:spPr/>
+        <p:txBody>
+          <a:bodyPr/>
+          <a:lstStyle/>
+          <a:p>
+            <a:r>
+              <a:rPr lang="en-US"/>
+              <a:t>IETF 121 - TVR - Dublin - Nov 2023</a:t>
+            </a:r>
+            <a:endParaRPr lang="en-US" dirty="0"/>
+          </a:p>
+        </p:txBody>
+      </p:sp>
+      <p:sp>
+        <p:nvSpPr>
+          <p:cNvPr id="5" name="灯片编号占位符 4">
+            <a:extLst>
+              <a:ext uri="{FF2B5EF4-FFF2-40B4-BE49-F238E27FC236}">
+                <a16:creationId xmlns:a16="http://schemas.microsoft.com/office/drawing/2014/main" id="{B952B493-017D-4C82-9B58-98A6DC90AAA7}"/>
+              </a:ext>
+            </a:extLst>
+          </p:cNvPr>
+          <p:cNvSpPr>
+            <a:spLocks noGrp="1"/>
+          </p:cNvSpPr>
+          <p:nvPr>
+            <p:ph type="sldNum" sz="quarter" idx="12"/>
+          </p:nvPr>
+        </p:nvSpPr>
+        <p:spPr/>
+        <p:txBody>
+          <a:bodyPr/>
+          <a:lstStyle/>
+          <a:p>
+            <a:fld id="{E9C91435-F2FF-4A2E-9510-278D0336CB48}" type="slidenum">
+              <a:rPr lang="en-US" smtClean="0"/>
+              <a:t>13</a:t>
+            </a:fld>
+            <a:endParaRPr lang="en-US"/>
+          </a:p>
+        </p:txBody>
+      </p:sp>
+    </p:spTree>
+    <p:extLst>
+      <p:ext uri="{BB962C8B-B14F-4D97-AF65-F5344CB8AC3E}">
+        <p14:creationId xmlns:p14="http://schemas.microsoft.com/office/powerpoint/2010/main" val="2487813509"/>
+      </p:ext>
+    </p:extLst>
+  </p:cSld>
+  <p:clrMapOvr>
+    <a:masterClrMapping/>
+  </p:clrMapOvr>
+</p:sld>
+</file>
+
+<file path=ppt/slides/slide14.xml><?xml version="1.0" encoding="utf-8"?>
+<p:sld xmlns:a="http://schemas.openxmlformats.org/drawingml/2006/main" xmlns:r="http://schemas.openxmlformats.org/officeDocument/2006/relationships" xmlns:p="http://schemas.openxmlformats.org/presentationml/2006/main" show="0">
+  <p:cSld>
+    <p:spTree>
+      <p:nvGrpSpPr>
+        <p:cNvPr id="1" name=""/>
+        <p:cNvGrpSpPr/>
+        <p:nvPr/>
+      </p:nvGrpSpPr>
+      <p:grpSpPr>
+        <a:xfrm>
+          <a:off x="0" y="0"/>
+          <a:ext cx="0" cy="0"/>
+          <a:chOff x="0" y="0"/>
+          <a:chExt cx="0" cy="0"/>
+        </a:xfrm>
+      </p:grpSpPr>
+      <p:sp>
+        <p:nvSpPr>
+          <p:cNvPr id="2" name="Title 1">
+            <a:extLst>
+              <a:ext uri="{FF2B5EF4-FFF2-40B4-BE49-F238E27FC236}">
+                <a16:creationId xmlns:a16="http://schemas.microsoft.com/office/drawing/2014/main" id="{B90F9818-D930-6F0A-D073-ACF3975F4683}"/>
+              </a:ext>
+            </a:extLst>
+          </p:cNvPr>
+          <p:cNvSpPr>
+            <a:spLocks noGrp="1"/>
+          </p:cNvSpPr>
+          <p:nvPr>
+            <p:ph type="title"/>
+          </p:nvPr>
+        </p:nvSpPr>
+        <p:spPr/>
+        <p:txBody>
+          <a:bodyPr/>
+          <a:lstStyle/>
+          <a:p>
+            <a:r>
+              <a:rPr lang="en-GB" dirty="0"/>
               <a:t>Security Considerations</a:t>
             </a:r>
           </a:p>
@@ -5650,7 +6114,7 @@
           <a:p>
             <a:fld id="{E9C91435-F2FF-4A2E-9510-278D0336CB48}" type="slidenum">
               <a:rPr lang="en-US" smtClean="0"/>
-              <a:t>12</a:t>
+              <a:t>14</a:t>
             </a:fld>
             <a:endParaRPr lang="en-US"/>
           </a:p>
@@ -5669,7 +6133,7 @@
 </p:sld>
 </file>
 
-<file path=ppt/slides/slide13.xml><?xml version="1.0" encoding="utf-8"?>
+<file path=ppt/slides/slide15.xml><?xml version="1.0" encoding="utf-8"?>
 <p:sld xmlns:a="http://schemas.openxmlformats.org/drawingml/2006/main" xmlns:r="http://schemas.openxmlformats.org/officeDocument/2006/relationships" xmlns:p="http://schemas.openxmlformats.org/presentationml/2006/main">
   <p:cSld>
     <p:spTree>
@@ -5739,32 +6203,33 @@
           <a:p>
             <a:r>
               <a:rPr lang="en-GB" dirty="0"/>
-              <a:t>Is only one case sufficient? </a:t>
-            </a:r>
+              <a:t>Suggestions for other use cases to assess the applicability are welcome</a:t>
+            </a:r>
+          </a:p>
+          <a:p>
+            <a:endParaRPr lang="en-GB" dirty="0"/>
           </a:p>
           <a:p>
             <a:r>
               <a:rPr lang="en-GB" dirty="0"/>
-              <a:t>Is there any unanswered questions(when, how)?</a:t>
-            </a:r>
+              <a:t>Likewise, we welcome contributions to the operation and security considerations</a:t>
+            </a:r>
+          </a:p>
+          <a:p>
+            <a:endParaRPr lang="en-GB" dirty="0"/>
           </a:p>
           <a:p>
             <a:r>
               <a:rPr lang="en-GB" dirty="0"/>
-              <a:t>Welcome for contribution to the operation and security considerations.</a:t>
-            </a:r>
-          </a:p>
-          <a:p>
+              <a:t>Is the document a good start for the applicability item?</a:t>
+            </a:r>
+          </a:p>
+          <a:p>
+            <a:pPr lvl="1"/>
             <a:r>
               <a:rPr lang="en-GB" dirty="0"/>
-              <a:t>Any other questions or suggestions? </a:t>
-            </a:r>
-          </a:p>
-          <a:p>
-            <a:pPr marL="457200" lvl="1" indent="0">
-              <a:buNone/>
-            </a:pPr>
-            <a:endParaRPr lang="en-GB" dirty="0"/>
+              <a:t>If so, we request to consider WG adoption</a:t>
+            </a:r>
           </a:p>
         </p:txBody>
       </p:sp>
@@ -5791,7 +6256,7 @@
           <a:p>
             <a:fld id="{E9C91435-F2FF-4A2E-9510-278D0336CB48}" type="slidenum">
               <a:rPr lang="en-US" smtClean="0"/>
-              <a:t>13</a:t>
+              <a:t>15</a:t>
             </a:fld>
             <a:endParaRPr lang="en-US"/>
           </a:p>
@@ -5841,6 +6306,1427 @@
 
 <file path=ppt/slides/slide2.xml><?xml version="1.0" encoding="utf-8"?>
 <p:sld xmlns:a="http://schemas.openxmlformats.org/drawingml/2006/main" xmlns:r="http://schemas.openxmlformats.org/officeDocument/2006/relationships" xmlns:p="http://schemas.openxmlformats.org/presentationml/2006/main">
+  <p:cSld>
+    <p:spTree>
+      <p:nvGrpSpPr>
+        <p:cNvPr id="1" name=""/>
+        <p:cNvGrpSpPr/>
+        <p:nvPr/>
+      </p:nvGrpSpPr>
+      <p:grpSpPr>
+        <a:xfrm>
+          <a:off x="0" y="0"/>
+          <a:ext cx="0" cy="0"/>
+          <a:chOff x="0" y="0"/>
+          <a:chExt cx="0" cy="0"/>
+        </a:xfrm>
+      </p:grpSpPr>
+      <p:sp>
+        <p:nvSpPr>
+          <p:cNvPr id="2" name="Titre 1">
+            <a:extLst>
+              <a:ext uri="{FF2B5EF4-FFF2-40B4-BE49-F238E27FC236}">
+                <a16:creationId xmlns:a16="http://schemas.microsoft.com/office/drawing/2014/main" id="{6CF986CF-B45F-89B3-64E0-1B3ADF4ECDAD}"/>
+              </a:ext>
+            </a:extLst>
+          </p:cNvPr>
+          <p:cNvSpPr>
+            <a:spLocks noGrp="1"/>
+          </p:cNvSpPr>
+          <p:nvPr>
+            <p:ph type="title"/>
+          </p:nvPr>
+        </p:nvSpPr>
+        <p:spPr/>
+        <p:txBody>
+          <a:bodyPr/>
+          <a:lstStyle/>
+          <a:p>
+            <a:r>
+              <a:rPr lang="fr-FR" dirty="0" err="1"/>
+              <a:t>Why</a:t>
+            </a:r>
+            <a:r>
+              <a:rPr lang="fr-FR" dirty="0"/>
+              <a:t> This Document in TVR WG?</a:t>
+            </a:r>
+          </a:p>
+        </p:txBody>
+      </p:sp>
+      <p:sp>
+        <p:nvSpPr>
+          <p:cNvPr id="4" name="Espace réservé du numéro de diapositive 3">
+            <a:extLst>
+              <a:ext uri="{FF2B5EF4-FFF2-40B4-BE49-F238E27FC236}">
+                <a16:creationId xmlns:a16="http://schemas.microsoft.com/office/drawing/2014/main" id="{65770EF4-C4DC-2255-9042-0B97C65DEF3F}"/>
+              </a:ext>
+            </a:extLst>
+          </p:cNvPr>
+          <p:cNvSpPr>
+            <a:spLocks noGrp="1"/>
+          </p:cNvSpPr>
+          <p:nvPr>
+            <p:ph type="sldNum" sz="quarter" idx="12"/>
+          </p:nvPr>
+        </p:nvSpPr>
+        <p:spPr/>
+        <p:txBody>
+          <a:bodyPr/>
+          <a:lstStyle/>
+          <a:p>
+            <a:fld id="{CAFE867F-79D7-480B-9C23-CFE3FA0E2F1A}" type="slidenum">
+              <a:rPr lang="fr-FR" smtClean="0"/>
+              <a:t>2</a:t>
+            </a:fld>
+            <a:endParaRPr lang="fr-FR"/>
+          </a:p>
+        </p:txBody>
+      </p:sp>
+      <p:sp>
+        <p:nvSpPr>
+          <p:cNvPr id="8" name="ZoneTexte 7">
+            <a:extLst>
+              <a:ext uri="{FF2B5EF4-FFF2-40B4-BE49-F238E27FC236}">
+                <a16:creationId xmlns:a16="http://schemas.microsoft.com/office/drawing/2014/main" id="{AB27210E-5233-ED01-C4B2-3770FF006613}"/>
+              </a:ext>
+            </a:extLst>
+          </p:cNvPr>
+          <p:cNvSpPr txBox="1"/>
+          <p:nvPr/>
+        </p:nvSpPr>
+        <p:spPr>
+          <a:xfrm>
+            <a:off x="838200" y="1833563"/>
+            <a:ext cx="10515600" cy="4247317"/>
+          </a:xfrm>
+          <a:custGeom>
+            <a:avLst/>
+            <a:gdLst>
+              <a:gd name="connsiteX0" fmla="*/ 0 w 10515600"/>
+              <a:gd name="connsiteY0" fmla="*/ 0 h 4247317"/>
+              <a:gd name="connsiteX1" fmla="*/ 584200 w 10515600"/>
+              <a:gd name="connsiteY1" fmla="*/ 0 h 4247317"/>
+              <a:gd name="connsiteX2" fmla="*/ 1273556 w 10515600"/>
+              <a:gd name="connsiteY2" fmla="*/ 0 h 4247317"/>
+              <a:gd name="connsiteX3" fmla="*/ 1962912 w 10515600"/>
+              <a:gd name="connsiteY3" fmla="*/ 0 h 4247317"/>
+              <a:gd name="connsiteX4" fmla="*/ 2336800 w 10515600"/>
+              <a:gd name="connsiteY4" fmla="*/ 0 h 4247317"/>
+              <a:gd name="connsiteX5" fmla="*/ 3131312 w 10515600"/>
+              <a:gd name="connsiteY5" fmla="*/ 0 h 4247317"/>
+              <a:gd name="connsiteX6" fmla="*/ 3610356 w 10515600"/>
+              <a:gd name="connsiteY6" fmla="*/ 0 h 4247317"/>
+              <a:gd name="connsiteX7" fmla="*/ 4194556 w 10515600"/>
+              <a:gd name="connsiteY7" fmla="*/ 0 h 4247317"/>
+              <a:gd name="connsiteX8" fmla="*/ 4463288 w 10515600"/>
+              <a:gd name="connsiteY8" fmla="*/ 0 h 4247317"/>
+              <a:gd name="connsiteX9" fmla="*/ 5152644 w 10515600"/>
+              <a:gd name="connsiteY9" fmla="*/ 0 h 4247317"/>
+              <a:gd name="connsiteX10" fmla="*/ 5736844 w 10515600"/>
+              <a:gd name="connsiteY10" fmla="*/ 0 h 4247317"/>
+              <a:gd name="connsiteX11" fmla="*/ 6005576 w 10515600"/>
+              <a:gd name="connsiteY11" fmla="*/ 0 h 4247317"/>
+              <a:gd name="connsiteX12" fmla="*/ 6800088 w 10515600"/>
+              <a:gd name="connsiteY12" fmla="*/ 0 h 4247317"/>
+              <a:gd name="connsiteX13" fmla="*/ 7279132 w 10515600"/>
+              <a:gd name="connsiteY13" fmla="*/ 0 h 4247317"/>
+              <a:gd name="connsiteX14" fmla="*/ 7758176 w 10515600"/>
+              <a:gd name="connsiteY14" fmla="*/ 0 h 4247317"/>
+              <a:gd name="connsiteX15" fmla="*/ 8447532 w 10515600"/>
+              <a:gd name="connsiteY15" fmla="*/ 0 h 4247317"/>
+              <a:gd name="connsiteX16" fmla="*/ 9242044 w 10515600"/>
+              <a:gd name="connsiteY16" fmla="*/ 0 h 4247317"/>
+              <a:gd name="connsiteX17" fmla="*/ 9826244 w 10515600"/>
+              <a:gd name="connsiteY17" fmla="*/ 0 h 4247317"/>
+              <a:gd name="connsiteX18" fmla="*/ 10515600 w 10515600"/>
+              <a:gd name="connsiteY18" fmla="*/ 0 h 4247317"/>
+              <a:gd name="connsiteX19" fmla="*/ 10515600 w 10515600"/>
+              <a:gd name="connsiteY19" fmla="*/ 488441 h 4247317"/>
+              <a:gd name="connsiteX20" fmla="*/ 10515600 w 10515600"/>
+              <a:gd name="connsiteY20" fmla="*/ 934410 h 4247317"/>
+              <a:gd name="connsiteX21" fmla="*/ 10515600 w 10515600"/>
+              <a:gd name="connsiteY21" fmla="*/ 1507798 h 4247317"/>
+              <a:gd name="connsiteX22" fmla="*/ 10515600 w 10515600"/>
+              <a:gd name="connsiteY22" fmla="*/ 1996239 h 4247317"/>
+              <a:gd name="connsiteX23" fmla="*/ 10515600 w 10515600"/>
+              <a:gd name="connsiteY23" fmla="*/ 2484680 h 4247317"/>
+              <a:gd name="connsiteX24" fmla="*/ 10515600 w 10515600"/>
+              <a:gd name="connsiteY24" fmla="*/ 3015595 h 4247317"/>
+              <a:gd name="connsiteX25" fmla="*/ 10515600 w 10515600"/>
+              <a:gd name="connsiteY25" fmla="*/ 3461563 h 4247317"/>
+              <a:gd name="connsiteX26" fmla="*/ 10515600 w 10515600"/>
+              <a:gd name="connsiteY26" fmla="*/ 4247317 h 4247317"/>
+              <a:gd name="connsiteX27" fmla="*/ 10246868 w 10515600"/>
+              <a:gd name="connsiteY27" fmla="*/ 4247317 h 4247317"/>
+              <a:gd name="connsiteX28" fmla="*/ 9872980 w 10515600"/>
+              <a:gd name="connsiteY28" fmla="*/ 4247317 h 4247317"/>
+              <a:gd name="connsiteX29" fmla="*/ 9499092 w 10515600"/>
+              <a:gd name="connsiteY29" fmla="*/ 4247317 h 4247317"/>
+              <a:gd name="connsiteX30" fmla="*/ 9230360 w 10515600"/>
+              <a:gd name="connsiteY30" fmla="*/ 4247317 h 4247317"/>
+              <a:gd name="connsiteX31" fmla="*/ 8435848 w 10515600"/>
+              <a:gd name="connsiteY31" fmla="*/ 4247317 h 4247317"/>
+              <a:gd name="connsiteX32" fmla="*/ 7641336 w 10515600"/>
+              <a:gd name="connsiteY32" fmla="*/ 4247317 h 4247317"/>
+              <a:gd name="connsiteX33" fmla="*/ 7372604 w 10515600"/>
+              <a:gd name="connsiteY33" fmla="*/ 4247317 h 4247317"/>
+              <a:gd name="connsiteX34" fmla="*/ 6998716 w 10515600"/>
+              <a:gd name="connsiteY34" fmla="*/ 4247317 h 4247317"/>
+              <a:gd name="connsiteX35" fmla="*/ 6309360 w 10515600"/>
+              <a:gd name="connsiteY35" fmla="*/ 4247317 h 4247317"/>
+              <a:gd name="connsiteX36" fmla="*/ 5830316 w 10515600"/>
+              <a:gd name="connsiteY36" fmla="*/ 4247317 h 4247317"/>
+              <a:gd name="connsiteX37" fmla="*/ 5035804 w 10515600"/>
+              <a:gd name="connsiteY37" fmla="*/ 4247317 h 4247317"/>
+              <a:gd name="connsiteX38" fmla="*/ 4767072 w 10515600"/>
+              <a:gd name="connsiteY38" fmla="*/ 4247317 h 4247317"/>
+              <a:gd name="connsiteX39" fmla="*/ 4077716 w 10515600"/>
+              <a:gd name="connsiteY39" fmla="*/ 4247317 h 4247317"/>
+              <a:gd name="connsiteX40" fmla="*/ 3283204 w 10515600"/>
+              <a:gd name="connsiteY40" fmla="*/ 4247317 h 4247317"/>
+              <a:gd name="connsiteX41" fmla="*/ 2804160 w 10515600"/>
+              <a:gd name="connsiteY41" fmla="*/ 4247317 h 4247317"/>
+              <a:gd name="connsiteX42" fmla="*/ 2430272 w 10515600"/>
+              <a:gd name="connsiteY42" fmla="*/ 4247317 h 4247317"/>
+              <a:gd name="connsiteX43" fmla="*/ 1951228 w 10515600"/>
+              <a:gd name="connsiteY43" fmla="*/ 4247317 h 4247317"/>
+              <a:gd name="connsiteX44" fmla="*/ 1367028 w 10515600"/>
+              <a:gd name="connsiteY44" fmla="*/ 4247317 h 4247317"/>
+              <a:gd name="connsiteX45" fmla="*/ 782828 w 10515600"/>
+              <a:gd name="connsiteY45" fmla="*/ 4247317 h 4247317"/>
+              <a:gd name="connsiteX46" fmla="*/ 0 w 10515600"/>
+              <a:gd name="connsiteY46" fmla="*/ 4247317 h 4247317"/>
+              <a:gd name="connsiteX47" fmla="*/ 0 w 10515600"/>
+              <a:gd name="connsiteY47" fmla="*/ 3673929 h 4247317"/>
+              <a:gd name="connsiteX48" fmla="*/ 0 w 10515600"/>
+              <a:gd name="connsiteY48" fmla="*/ 3058068 h 4247317"/>
+              <a:gd name="connsiteX49" fmla="*/ 0 w 10515600"/>
+              <a:gd name="connsiteY49" fmla="*/ 2527154 h 4247317"/>
+              <a:gd name="connsiteX50" fmla="*/ 0 w 10515600"/>
+              <a:gd name="connsiteY50" fmla="*/ 1953766 h 4247317"/>
+              <a:gd name="connsiteX51" fmla="*/ 0 w 10515600"/>
+              <a:gd name="connsiteY51" fmla="*/ 1380378 h 4247317"/>
+              <a:gd name="connsiteX52" fmla="*/ 0 w 10515600"/>
+              <a:gd name="connsiteY52" fmla="*/ 976883 h 4247317"/>
+              <a:gd name="connsiteX53" fmla="*/ 0 w 10515600"/>
+              <a:gd name="connsiteY53" fmla="*/ 530915 h 4247317"/>
+              <a:gd name="connsiteX54" fmla="*/ 0 w 10515600"/>
+              <a:gd name="connsiteY54" fmla="*/ 0 h 4247317"/>
+            </a:gdLst>
+            <a:ahLst/>
+            <a:cxnLst>
+              <a:cxn ang="0">
+                <a:pos x="connsiteX0" y="connsiteY0"/>
+              </a:cxn>
+              <a:cxn ang="0">
+                <a:pos x="connsiteX1" y="connsiteY1"/>
+              </a:cxn>
+              <a:cxn ang="0">
+                <a:pos x="connsiteX2" y="connsiteY2"/>
+              </a:cxn>
+              <a:cxn ang="0">
+                <a:pos x="connsiteX3" y="connsiteY3"/>
+              </a:cxn>
+              <a:cxn ang="0">
+                <a:pos x="connsiteX4" y="connsiteY4"/>
+              </a:cxn>
+              <a:cxn ang="0">
+                <a:pos x="connsiteX5" y="connsiteY5"/>
+              </a:cxn>
+              <a:cxn ang="0">
+                <a:pos x="connsiteX6" y="connsiteY6"/>
+              </a:cxn>
+              <a:cxn ang="0">
+                <a:pos x="connsiteX7" y="connsiteY7"/>
+              </a:cxn>
+              <a:cxn ang="0">
+                <a:pos x="connsiteX8" y="connsiteY8"/>
+              </a:cxn>
+              <a:cxn ang="0">
+                <a:pos x="connsiteX9" y="connsiteY9"/>
+              </a:cxn>
+              <a:cxn ang="0">
+                <a:pos x="connsiteX10" y="connsiteY10"/>
+              </a:cxn>
+              <a:cxn ang="0">
+                <a:pos x="connsiteX11" y="connsiteY11"/>
+              </a:cxn>
+              <a:cxn ang="0">
+                <a:pos x="connsiteX12" y="connsiteY12"/>
+              </a:cxn>
+              <a:cxn ang="0">
+                <a:pos x="connsiteX13" y="connsiteY13"/>
+              </a:cxn>
+              <a:cxn ang="0">
+                <a:pos x="connsiteX14" y="connsiteY14"/>
+              </a:cxn>
+              <a:cxn ang="0">
+                <a:pos x="connsiteX15" y="connsiteY15"/>
+              </a:cxn>
+              <a:cxn ang="0">
+                <a:pos x="connsiteX16" y="connsiteY16"/>
+              </a:cxn>
+              <a:cxn ang="0">
+                <a:pos x="connsiteX17" y="connsiteY17"/>
+              </a:cxn>
+              <a:cxn ang="0">
+                <a:pos x="connsiteX18" y="connsiteY18"/>
+              </a:cxn>
+              <a:cxn ang="0">
+                <a:pos x="connsiteX19" y="connsiteY19"/>
+              </a:cxn>
+              <a:cxn ang="0">
+                <a:pos x="connsiteX20" y="connsiteY20"/>
+              </a:cxn>
+              <a:cxn ang="0">
+                <a:pos x="connsiteX21" y="connsiteY21"/>
+              </a:cxn>
+              <a:cxn ang="0">
+                <a:pos x="connsiteX22" y="connsiteY22"/>
+              </a:cxn>
+              <a:cxn ang="0">
+                <a:pos x="connsiteX23" y="connsiteY23"/>
+              </a:cxn>
+              <a:cxn ang="0">
+                <a:pos x="connsiteX24" y="connsiteY24"/>
+              </a:cxn>
+              <a:cxn ang="0">
+                <a:pos x="connsiteX25" y="connsiteY25"/>
+              </a:cxn>
+              <a:cxn ang="0">
+                <a:pos x="connsiteX26" y="connsiteY26"/>
+              </a:cxn>
+              <a:cxn ang="0">
+                <a:pos x="connsiteX27" y="connsiteY27"/>
+              </a:cxn>
+              <a:cxn ang="0">
+                <a:pos x="connsiteX28" y="connsiteY28"/>
+              </a:cxn>
+              <a:cxn ang="0">
+                <a:pos x="connsiteX29" y="connsiteY29"/>
+              </a:cxn>
+              <a:cxn ang="0">
+                <a:pos x="connsiteX30" y="connsiteY30"/>
+              </a:cxn>
+              <a:cxn ang="0">
+                <a:pos x="connsiteX31" y="connsiteY31"/>
+              </a:cxn>
+              <a:cxn ang="0">
+                <a:pos x="connsiteX32" y="connsiteY32"/>
+              </a:cxn>
+              <a:cxn ang="0">
+                <a:pos x="connsiteX33" y="connsiteY33"/>
+              </a:cxn>
+              <a:cxn ang="0">
+                <a:pos x="connsiteX34" y="connsiteY34"/>
+              </a:cxn>
+              <a:cxn ang="0">
+                <a:pos x="connsiteX35" y="connsiteY35"/>
+              </a:cxn>
+              <a:cxn ang="0">
+                <a:pos x="connsiteX36" y="connsiteY36"/>
+              </a:cxn>
+              <a:cxn ang="0">
+                <a:pos x="connsiteX37" y="connsiteY37"/>
+              </a:cxn>
+              <a:cxn ang="0">
+                <a:pos x="connsiteX38" y="connsiteY38"/>
+              </a:cxn>
+              <a:cxn ang="0">
+                <a:pos x="connsiteX39" y="connsiteY39"/>
+              </a:cxn>
+              <a:cxn ang="0">
+                <a:pos x="connsiteX40" y="connsiteY40"/>
+              </a:cxn>
+              <a:cxn ang="0">
+                <a:pos x="connsiteX41" y="connsiteY41"/>
+              </a:cxn>
+              <a:cxn ang="0">
+                <a:pos x="connsiteX42" y="connsiteY42"/>
+              </a:cxn>
+              <a:cxn ang="0">
+                <a:pos x="connsiteX43" y="connsiteY43"/>
+              </a:cxn>
+              <a:cxn ang="0">
+                <a:pos x="connsiteX44" y="connsiteY44"/>
+              </a:cxn>
+              <a:cxn ang="0">
+                <a:pos x="connsiteX45" y="connsiteY45"/>
+              </a:cxn>
+              <a:cxn ang="0">
+                <a:pos x="connsiteX46" y="connsiteY46"/>
+              </a:cxn>
+              <a:cxn ang="0">
+                <a:pos x="connsiteX47" y="connsiteY47"/>
+              </a:cxn>
+              <a:cxn ang="0">
+                <a:pos x="connsiteX48" y="connsiteY48"/>
+              </a:cxn>
+              <a:cxn ang="0">
+                <a:pos x="connsiteX49" y="connsiteY49"/>
+              </a:cxn>
+              <a:cxn ang="0">
+                <a:pos x="connsiteX50" y="connsiteY50"/>
+              </a:cxn>
+              <a:cxn ang="0">
+                <a:pos x="connsiteX51" y="connsiteY51"/>
+              </a:cxn>
+              <a:cxn ang="0">
+                <a:pos x="connsiteX52" y="connsiteY52"/>
+              </a:cxn>
+              <a:cxn ang="0">
+                <a:pos x="connsiteX53" y="connsiteY53"/>
+              </a:cxn>
+              <a:cxn ang="0">
+                <a:pos x="connsiteX54" y="connsiteY54"/>
+              </a:cxn>
+            </a:cxnLst>
+            <a:rect l="l" t="t" r="r" b="b"/>
+            <a:pathLst>
+              <a:path w="10515600" h="4247317" fill="none" extrusionOk="0">
+                <a:moveTo>
+                  <a:pt x="0" y="0"/>
+                </a:moveTo>
+                <a:cubicBezTo>
+                  <a:pt x="209904" y="-69527"/>
+                  <a:pt x="357272" y="26371"/>
+                  <a:pt x="584200" y="0"/>
+                </a:cubicBezTo>
+                <a:cubicBezTo>
+                  <a:pt x="811128" y="-26371"/>
+                  <a:pt x="1053471" y="75439"/>
+                  <a:pt x="1273556" y="0"/>
+                </a:cubicBezTo>
+                <a:cubicBezTo>
+                  <a:pt x="1493641" y="-75439"/>
+                  <a:pt x="1678111" y="73853"/>
+                  <a:pt x="1962912" y="0"/>
+                </a:cubicBezTo>
+                <a:cubicBezTo>
+                  <a:pt x="2247713" y="-73853"/>
+                  <a:pt x="2234543" y="11155"/>
+                  <a:pt x="2336800" y="0"/>
+                </a:cubicBezTo>
+                <a:cubicBezTo>
+                  <a:pt x="2439057" y="-11155"/>
+                  <a:pt x="2743530" y="14704"/>
+                  <a:pt x="3131312" y="0"/>
+                </a:cubicBezTo>
+                <a:cubicBezTo>
+                  <a:pt x="3519094" y="-14704"/>
+                  <a:pt x="3467217" y="49919"/>
+                  <a:pt x="3610356" y="0"/>
+                </a:cubicBezTo>
+                <a:cubicBezTo>
+                  <a:pt x="3753495" y="-49919"/>
+                  <a:pt x="4042229" y="54687"/>
+                  <a:pt x="4194556" y="0"/>
+                </a:cubicBezTo>
+                <a:cubicBezTo>
+                  <a:pt x="4346883" y="-54687"/>
+                  <a:pt x="4360117" y="9712"/>
+                  <a:pt x="4463288" y="0"/>
+                </a:cubicBezTo>
+                <a:cubicBezTo>
+                  <a:pt x="4566459" y="-9712"/>
+                  <a:pt x="4994266" y="49584"/>
+                  <a:pt x="5152644" y="0"/>
+                </a:cubicBezTo>
+                <a:cubicBezTo>
+                  <a:pt x="5311022" y="-49584"/>
+                  <a:pt x="5463339" y="44592"/>
+                  <a:pt x="5736844" y="0"/>
+                </a:cubicBezTo>
+                <a:cubicBezTo>
+                  <a:pt x="6010349" y="-44592"/>
+                  <a:pt x="5931654" y="1566"/>
+                  <a:pt x="6005576" y="0"/>
+                </a:cubicBezTo>
+                <a:cubicBezTo>
+                  <a:pt x="6079498" y="-1566"/>
+                  <a:pt x="6463569" y="49674"/>
+                  <a:pt x="6800088" y="0"/>
+                </a:cubicBezTo>
+                <a:cubicBezTo>
+                  <a:pt x="7136607" y="-49674"/>
+                  <a:pt x="7169582" y="30758"/>
+                  <a:pt x="7279132" y="0"/>
+                </a:cubicBezTo>
+                <a:cubicBezTo>
+                  <a:pt x="7388682" y="-30758"/>
+                  <a:pt x="7586329" y="29469"/>
+                  <a:pt x="7758176" y="0"/>
+                </a:cubicBezTo>
+                <a:cubicBezTo>
+                  <a:pt x="7930023" y="-29469"/>
+                  <a:pt x="8301399" y="10508"/>
+                  <a:pt x="8447532" y="0"/>
+                </a:cubicBezTo>
+                <a:cubicBezTo>
+                  <a:pt x="8593665" y="-10508"/>
+                  <a:pt x="8849066" y="52441"/>
+                  <a:pt x="9242044" y="0"/>
+                </a:cubicBezTo>
+                <a:cubicBezTo>
+                  <a:pt x="9635022" y="-52441"/>
+                  <a:pt x="9556699" y="58466"/>
+                  <a:pt x="9826244" y="0"/>
+                </a:cubicBezTo>
+                <a:cubicBezTo>
+                  <a:pt x="10095789" y="-58466"/>
+                  <a:pt x="10261501" y="78295"/>
+                  <a:pt x="10515600" y="0"/>
+                </a:cubicBezTo>
+                <a:cubicBezTo>
+                  <a:pt x="10520091" y="165003"/>
+                  <a:pt x="10503651" y="277254"/>
+                  <a:pt x="10515600" y="488441"/>
+                </a:cubicBezTo>
+                <a:cubicBezTo>
+                  <a:pt x="10527549" y="699628"/>
+                  <a:pt x="10495646" y="730611"/>
+                  <a:pt x="10515600" y="934410"/>
+                </a:cubicBezTo>
+                <a:cubicBezTo>
+                  <a:pt x="10535554" y="1138209"/>
+                  <a:pt x="10490045" y="1342446"/>
+                  <a:pt x="10515600" y="1507798"/>
+                </a:cubicBezTo>
+                <a:cubicBezTo>
+                  <a:pt x="10541155" y="1673150"/>
+                  <a:pt x="10496011" y="1772721"/>
+                  <a:pt x="10515600" y="1996239"/>
+                </a:cubicBezTo>
+                <a:cubicBezTo>
+                  <a:pt x="10535189" y="2219757"/>
+                  <a:pt x="10459807" y="2336215"/>
+                  <a:pt x="10515600" y="2484680"/>
+                </a:cubicBezTo>
+                <a:cubicBezTo>
+                  <a:pt x="10571393" y="2633145"/>
+                  <a:pt x="10508061" y="2791855"/>
+                  <a:pt x="10515600" y="3015595"/>
+                </a:cubicBezTo>
+                <a:cubicBezTo>
+                  <a:pt x="10523139" y="3239335"/>
+                  <a:pt x="10486201" y="3315958"/>
+                  <a:pt x="10515600" y="3461563"/>
+                </a:cubicBezTo>
+                <a:cubicBezTo>
+                  <a:pt x="10544999" y="3607168"/>
+                  <a:pt x="10429901" y="3931491"/>
+                  <a:pt x="10515600" y="4247317"/>
+                </a:cubicBezTo>
+                <a:cubicBezTo>
+                  <a:pt x="10418526" y="4259753"/>
+                  <a:pt x="10363101" y="4237090"/>
+                  <a:pt x="10246868" y="4247317"/>
+                </a:cubicBezTo>
+                <a:cubicBezTo>
+                  <a:pt x="10130635" y="4257544"/>
+                  <a:pt x="10051834" y="4203591"/>
+                  <a:pt x="9872980" y="4247317"/>
+                </a:cubicBezTo>
+                <a:cubicBezTo>
+                  <a:pt x="9694126" y="4291043"/>
+                  <a:pt x="9617197" y="4208436"/>
+                  <a:pt x="9499092" y="4247317"/>
+                </a:cubicBezTo>
+                <a:cubicBezTo>
+                  <a:pt x="9380987" y="4286198"/>
+                  <a:pt x="9306332" y="4225747"/>
+                  <a:pt x="9230360" y="4247317"/>
+                </a:cubicBezTo>
+                <a:cubicBezTo>
+                  <a:pt x="9154388" y="4268887"/>
+                  <a:pt x="8783603" y="4174077"/>
+                  <a:pt x="8435848" y="4247317"/>
+                </a:cubicBezTo>
+                <a:cubicBezTo>
+                  <a:pt x="8088093" y="4320557"/>
+                  <a:pt x="7906044" y="4201829"/>
+                  <a:pt x="7641336" y="4247317"/>
+                </a:cubicBezTo>
+                <a:cubicBezTo>
+                  <a:pt x="7376628" y="4292805"/>
+                  <a:pt x="7456080" y="4230535"/>
+                  <a:pt x="7372604" y="4247317"/>
+                </a:cubicBezTo>
+                <a:cubicBezTo>
+                  <a:pt x="7289128" y="4264099"/>
+                  <a:pt x="7151775" y="4241280"/>
+                  <a:pt x="6998716" y="4247317"/>
+                </a:cubicBezTo>
+                <a:cubicBezTo>
+                  <a:pt x="6845657" y="4253354"/>
+                  <a:pt x="6641225" y="4187038"/>
+                  <a:pt x="6309360" y="4247317"/>
+                </a:cubicBezTo>
+                <a:cubicBezTo>
+                  <a:pt x="5977495" y="4307596"/>
+                  <a:pt x="5989188" y="4221752"/>
+                  <a:pt x="5830316" y="4247317"/>
+                </a:cubicBezTo>
+                <a:cubicBezTo>
+                  <a:pt x="5671444" y="4272882"/>
+                  <a:pt x="5280247" y="4157312"/>
+                  <a:pt x="5035804" y="4247317"/>
+                </a:cubicBezTo>
+                <a:cubicBezTo>
+                  <a:pt x="4791361" y="4337322"/>
+                  <a:pt x="4892762" y="4240044"/>
+                  <a:pt x="4767072" y="4247317"/>
+                </a:cubicBezTo>
+                <a:cubicBezTo>
+                  <a:pt x="4641382" y="4254590"/>
+                  <a:pt x="4278873" y="4191705"/>
+                  <a:pt x="4077716" y="4247317"/>
+                </a:cubicBezTo>
+                <a:cubicBezTo>
+                  <a:pt x="3876559" y="4302929"/>
+                  <a:pt x="3670610" y="4233669"/>
+                  <a:pt x="3283204" y="4247317"/>
+                </a:cubicBezTo>
+                <a:cubicBezTo>
+                  <a:pt x="2895798" y="4260965"/>
+                  <a:pt x="3041053" y="4203059"/>
+                  <a:pt x="2804160" y="4247317"/>
+                </a:cubicBezTo>
+                <a:cubicBezTo>
+                  <a:pt x="2567267" y="4291575"/>
+                  <a:pt x="2506876" y="4237427"/>
+                  <a:pt x="2430272" y="4247317"/>
+                </a:cubicBezTo>
+                <a:cubicBezTo>
+                  <a:pt x="2353668" y="4257207"/>
+                  <a:pt x="2116544" y="4192318"/>
+                  <a:pt x="1951228" y="4247317"/>
+                </a:cubicBezTo>
+                <a:cubicBezTo>
+                  <a:pt x="1785912" y="4302316"/>
+                  <a:pt x="1555400" y="4240517"/>
+                  <a:pt x="1367028" y="4247317"/>
+                </a:cubicBezTo>
+                <a:cubicBezTo>
+                  <a:pt x="1178656" y="4254117"/>
+                  <a:pt x="901236" y="4181283"/>
+                  <a:pt x="782828" y="4247317"/>
+                </a:cubicBezTo>
+                <a:cubicBezTo>
+                  <a:pt x="664420" y="4313351"/>
+                  <a:pt x="388746" y="4190671"/>
+                  <a:pt x="0" y="4247317"/>
+                </a:cubicBezTo>
+                <a:cubicBezTo>
+                  <a:pt x="-35556" y="4018422"/>
+                  <a:pt x="62389" y="3861841"/>
+                  <a:pt x="0" y="3673929"/>
+                </a:cubicBezTo>
+                <a:cubicBezTo>
+                  <a:pt x="-62389" y="3486017"/>
+                  <a:pt x="20099" y="3202298"/>
+                  <a:pt x="0" y="3058068"/>
+                </a:cubicBezTo>
+                <a:cubicBezTo>
+                  <a:pt x="-20099" y="2913838"/>
+                  <a:pt x="12629" y="2707731"/>
+                  <a:pt x="0" y="2527154"/>
+                </a:cubicBezTo>
+                <a:cubicBezTo>
+                  <a:pt x="-12629" y="2346577"/>
+                  <a:pt x="10819" y="2166513"/>
+                  <a:pt x="0" y="1953766"/>
+                </a:cubicBezTo>
+                <a:cubicBezTo>
+                  <a:pt x="-10819" y="1741019"/>
+                  <a:pt x="28862" y="1499569"/>
+                  <a:pt x="0" y="1380378"/>
+                </a:cubicBezTo>
+                <a:cubicBezTo>
+                  <a:pt x="-28862" y="1261187"/>
+                  <a:pt x="2109" y="1086572"/>
+                  <a:pt x="0" y="976883"/>
+                </a:cubicBezTo>
+                <a:cubicBezTo>
+                  <a:pt x="-2109" y="867195"/>
+                  <a:pt x="8869" y="752960"/>
+                  <a:pt x="0" y="530915"/>
+                </a:cubicBezTo>
+                <a:cubicBezTo>
+                  <a:pt x="-8869" y="308870"/>
+                  <a:pt x="57688" y="194587"/>
+                  <a:pt x="0" y="0"/>
+                </a:cubicBezTo>
+                <a:close/>
+              </a:path>
+              <a:path w="10515600" h="4247317" stroke="0" extrusionOk="0">
+                <a:moveTo>
+                  <a:pt x="0" y="0"/>
+                </a:moveTo>
+                <a:cubicBezTo>
+                  <a:pt x="229663" y="-90357"/>
+                  <a:pt x="620569" y="66844"/>
+                  <a:pt x="794512" y="0"/>
+                </a:cubicBezTo>
+                <a:cubicBezTo>
+                  <a:pt x="968455" y="-66844"/>
+                  <a:pt x="959297" y="21260"/>
+                  <a:pt x="1063244" y="0"/>
+                </a:cubicBezTo>
+                <a:cubicBezTo>
+                  <a:pt x="1167191" y="-21260"/>
+                  <a:pt x="1256094" y="5850"/>
+                  <a:pt x="1331976" y="0"/>
+                </a:cubicBezTo>
+                <a:cubicBezTo>
+                  <a:pt x="1407858" y="-5850"/>
+                  <a:pt x="1849043" y="65970"/>
+                  <a:pt x="2126488" y="0"/>
+                </a:cubicBezTo>
+                <a:cubicBezTo>
+                  <a:pt x="2403933" y="-65970"/>
+                  <a:pt x="2507189" y="54502"/>
+                  <a:pt x="2710688" y="0"/>
+                </a:cubicBezTo>
+                <a:cubicBezTo>
+                  <a:pt x="2914187" y="-54502"/>
+                  <a:pt x="2958211" y="39675"/>
+                  <a:pt x="3084576" y="0"/>
+                </a:cubicBezTo>
+                <a:cubicBezTo>
+                  <a:pt x="3210941" y="-39675"/>
+                  <a:pt x="3511364" y="25156"/>
+                  <a:pt x="3773932" y="0"/>
+                </a:cubicBezTo>
+                <a:cubicBezTo>
+                  <a:pt x="4036500" y="-25156"/>
+                  <a:pt x="4228425" y="21131"/>
+                  <a:pt x="4358132" y="0"/>
+                </a:cubicBezTo>
+                <a:cubicBezTo>
+                  <a:pt x="4487839" y="-21131"/>
+                  <a:pt x="4890657" y="82543"/>
+                  <a:pt x="5152644" y="0"/>
+                </a:cubicBezTo>
+                <a:cubicBezTo>
+                  <a:pt x="5414631" y="-82543"/>
+                  <a:pt x="5602166" y="34493"/>
+                  <a:pt x="5842000" y="0"/>
+                </a:cubicBezTo>
+                <a:cubicBezTo>
+                  <a:pt x="6081834" y="-34493"/>
+                  <a:pt x="6151499" y="49812"/>
+                  <a:pt x="6321044" y="0"/>
+                </a:cubicBezTo>
+                <a:cubicBezTo>
+                  <a:pt x="6490589" y="-49812"/>
+                  <a:pt x="6665422" y="60150"/>
+                  <a:pt x="6905244" y="0"/>
+                </a:cubicBezTo>
+                <a:cubicBezTo>
+                  <a:pt x="7145066" y="-60150"/>
+                  <a:pt x="7502807" y="30731"/>
+                  <a:pt x="7699756" y="0"/>
+                </a:cubicBezTo>
+                <a:cubicBezTo>
+                  <a:pt x="7896705" y="-30731"/>
+                  <a:pt x="7973640" y="37752"/>
+                  <a:pt x="8178800" y="0"/>
+                </a:cubicBezTo>
+                <a:cubicBezTo>
+                  <a:pt x="8383960" y="-37752"/>
+                  <a:pt x="8354188" y="2702"/>
+                  <a:pt x="8447532" y="0"/>
+                </a:cubicBezTo>
+                <a:cubicBezTo>
+                  <a:pt x="8540876" y="-2702"/>
+                  <a:pt x="8824143" y="14934"/>
+                  <a:pt x="8926576" y="0"/>
+                </a:cubicBezTo>
+                <a:cubicBezTo>
+                  <a:pt x="9029009" y="-14934"/>
+                  <a:pt x="9467305" y="81868"/>
+                  <a:pt x="9721088" y="0"/>
+                </a:cubicBezTo>
+                <a:cubicBezTo>
+                  <a:pt x="9974871" y="-81868"/>
+                  <a:pt x="10281703" y="52553"/>
+                  <a:pt x="10515600" y="0"/>
+                </a:cubicBezTo>
+                <a:cubicBezTo>
+                  <a:pt x="10527478" y="210645"/>
+                  <a:pt x="10502266" y="317904"/>
+                  <a:pt x="10515600" y="488441"/>
+                </a:cubicBezTo>
+                <a:cubicBezTo>
+                  <a:pt x="10528934" y="658978"/>
+                  <a:pt x="10508518" y="942407"/>
+                  <a:pt x="10515600" y="1061829"/>
+                </a:cubicBezTo>
+                <a:cubicBezTo>
+                  <a:pt x="10522682" y="1181251"/>
+                  <a:pt x="10499563" y="1374325"/>
+                  <a:pt x="10515600" y="1507798"/>
+                </a:cubicBezTo>
+                <a:cubicBezTo>
+                  <a:pt x="10531637" y="1641271"/>
+                  <a:pt x="10486702" y="1864607"/>
+                  <a:pt x="10515600" y="2123659"/>
+                </a:cubicBezTo>
+                <a:cubicBezTo>
+                  <a:pt x="10544498" y="2382711"/>
+                  <a:pt x="10481937" y="2398040"/>
+                  <a:pt x="10515600" y="2612100"/>
+                </a:cubicBezTo>
+                <a:cubicBezTo>
+                  <a:pt x="10549263" y="2826160"/>
+                  <a:pt x="10514472" y="2988396"/>
+                  <a:pt x="10515600" y="3227961"/>
+                </a:cubicBezTo>
+                <a:cubicBezTo>
+                  <a:pt x="10516728" y="3467526"/>
+                  <a:pt x="10488126" y="3459202"/>
+                  <a:pt x="10515600" y="3631456"/>
+                </a:cubicBezTo>
+                <a:cubicBezTo>
+                  <a:pt x="10543074" y="3803711"/>
+                  <a:pt x="10505917" y="4004694"/>
+                  <a:pt x="10515600" y="4247317"/>
+                </a:cubicBezTo>
+                <a:cubicBezTo>
+                  <a:pt x="10359604" y="4282417"/>
+                  <a:pt x="10232791" y="4212870"/>
+                  <a:pt x="10141712" y="4247317"/>
+                </a:cubicBezTo>
+                <a:cubicBezTo>
+                  <a:pt x="10050633" y="4281764"/>
+                  <a:pt x="9838516" y="4213590"/>
+                  <a:pt x="9662668" y="4247317"/>
+                </a:cubicBezTo>
+                <a:cubicBezTo>
+                  <a:pt x="9486820" y="4281044"/>
+                  <a:pt x="9222925" y="4187407"/>
+                  <a:pt x="8973312" y="4247317"/>
+                </a:cubicBezTo>
+                <a:cubicBezTo>
+                  <a:pt x="8723699" y="4307227"/>
+                  <a:pt x="8759729" y="4240478"/>
+                  <a:pt x="8599424" y="4247317"/>
+                </a:cubicBezTo>
+                <a:cubicBezTo>
+                  <a:pt x="8439119" y="4254156"/>
+                  <a:pt x="8103762" y="4187316"/>
+                  <a:pt x="7804912" y="4247317"/>
+                </a:cubicBezTo>
+                <a:cubicBezTo>
+                  <a:pt x="7506062" y="4307318"/>
+                  <a:pt x="7601701" y="4244590"/>
+                  <a:pt x="7536180" y="4247317"/>
+                </a:cubicBezTo>
+                <a:cubicBezTo>
+                  <a:pt x="7470659" y="4250044"/>
+                  <a:pt x="7155357" y="4223460"/>
+                  <a:pt x="7057136" y="4247317"/>
+                </a:cubicBezTo>
+                <a:cubicBezTo>
+                  <a:pt x="6958915" y="4271174"/>
+                  <a:pt x="6798756" y="4222982"/>
+                  <a:pt x="6683248" y="4247317"/>
+                </a:cubicBezTo>
+                <a:cubicBezTo>
+                  <a:pt x="6567740" y="4271652"/>
+                  <a:pt x="6484237" y="4234308"/>
+                  <a:pt x="6414516" y="4247317"/>
+                </a:cubicBezTo>
+                <a:cubicBezTo>
+                  <a:pt x="6344795" y="4260326"/>
+                  <a:pt x="6048836" y="4191120"/>
+                  <a:pt x="5725160" y="4247317"/>
+                </a:cubicBezTo>
+                <a:cubicBezTo>
+                  <a:pt x="5401484" y="4303514"/>
+                  <a:pt x="5289295" y="4216663"/>
+                  <a:pt x="5035804" y="4247317"/>
+                </a:cubicBezTo>
+                <a:cubicBezTo>
+                  <a:pt x="4782313" y="4277971"/>
+                  <a:pt x="4586618" y="4247087"/>
+                  <a:pt x="4241292" y="4247317"/>
+                </a:cubicBezTo>
+                <a:cubicBezTo>
+                  <a:pt x="3895966" y="4247547"/>
+                  <a:pt x="4085659" y="4223491"/>
+                  <a:pt x="3972560" y="4247317"/>
+                </a:cubicBezTo>
+                <a:cubicBezTo>
+                  <a:pt x="3859461" y="4271143"/>
+                  <a:pt x="3619434" y="4204346"/>
+                  <a:pt x="3388360" y="4247317"/>
+                </a:cubicBezTo>
+                <a:cubicBezTo>
+                  <a:pt x="3157286" y="4290288"/>
+                  <a:pt x="2882256" y="4241073"/>
+                  <a:pt x="2699004" y="4247317"/>
+                </a:cubicBezTo>
+                <a:cubicBezTo>
+                  <a:pt x="2515752" y="4253561"/>
+                  <a:pt x="2302668" y="4210047"/>
+                  <a:pt x="2114804" y="4247317"/>
+                </a:cubicBezTo>
+                <a:cubicBezTo>
+                  <a:pt x="1926940" y="4284587"/>
+                  <a:pt x="1912255" y="4241772"/>
+                  <a:pt x="1740916" y="4247317"/>
+                </a:cubicBezTo>
+                <a:cubicBezTo>
+                  <a:pt x="1569577" y="4252862"/>
+                  <a:pt x="1423944" y="4209012"/>
+                  <a:pt x="1156716" y="4247317"/>
+                </a:cubicBezTo>
+                <a:cubicBezTo>
+                  <a:pt x="889488" y="4285622"/>
+                  <a:pt x="800693" y="4190716"/>
+                  <a:pt x="677672" y="4247317"/>
+                </a:cubicBezTo>
+                <a:cubicBezTo>
+                  <a:pt x="554651" y="4303918"/>
+                  <a:pt x="195265" y="4178080"/>
+                  <a:pt x="0" y="4247317"/>
+                </a:cubicBezTo>
+                <a:cubicBezTo>
+                  <a:pt x="-24046" y="4012540"/>
+                  <a:pt x="5042" y="3947412"/>
+                  <a:pt x="0" y="3716402"/>
+                </a:cubicBezTo>
+                <a:cubicBezTo>
+                  <a:pt x="-5042" y="3485392"/>
+                  <a:pt x="20447" y="3472021"/>
+                  <a:pt x="0" y="3312907"/>
+                </a:cubicBezTo>
+                <a:cubicBezTo>
+                  <a:pt x="-20447" y="3153793"/>
+                  <a:pt x="27059" y="2893452"/>
+                  <a:pt x="0" y="2739519"/>
+                </a:cubicBezTo>
+                <a:cubicBezTo>
+                  <a:pt x="-27059" y="2585586"/>
+                  <a:pt x="46445" y="2305898"/>
+                  <a:pt x="0" y="2123659"/>
+                </a:cubicBezTo>
+                <a:cubicBezTo>
+                  <a:pt x="-46445" y="1941420"/>
+                  <a:pt x="20479" y="1818889"/>
+                  <a:pt x="0" y="1550271"/>
+                </a:cubicBezTo>
+                <a:cubicBezTo>
+                  <a:pt x="-20479" y="1281653"/>
+                  <a:pt x="31568" y="1138593"/>
+                  <a:pt x="0" y="1019356"/>
+                </a:cubicBezTo>
+                <a:cubicBezTo>
+                  <a:pt x="-31568" y="900119"/>
+                  <a:pt x="42610" y="630426"/>
+                  <a:pt x="0" y="488441"/>
+                </a:cubicBezTo>
+                <a:cubicBezTo>
+                  <a:pt x="-42610" y="346456"/>
+                  <a:pt x="38303" y="227419"/>
+                  <a:pt x="0" y="0"/>
+                </a:cubicBezTo>
+                <a:close/>
+              </a:path>
+            </a:pathLst>
+          </a:custGeom>
+          <a:solidFill>
+            <a:schemeClr val="bg1">
+              <a:lumMod val="85000"/>
+            </a:schemeClr>
+          </a:solidFill>
+          <a:ln>
+            <a:solidFill>
+              <a:schemeClr val="tx1"/>
+            </a:solidFill>
+            <a:extLst>
+              <a:ext uri="{C807C97D-BFC1-408E-A445-0C87EB9F89A2}">
+                <ask:lineSketchStyleProps xmlns:ask="http://schemas.microsoft.com/office/drawing/2018/sketchyshapes" sd="3773247103">
+                  <a:prstGeom prst="rect">
+                    <a:avLst/>
+                  </a:prstGeom>
+                  <ask:type>
+                    <ask:lineSketchScribble/>
+                  </ask:type>
+                </ask:lineSketchStyleProps>
+              </a:ext>
+            </a:extLst>
+          </a:ln>
+        </p:spPr>
+        <p:txBody>
+          <a:bodyPr wrap="square">
+            <a:spAutoFit/>
+          </a:bodyPr>
+          <a:lstStyle/>
+          <a:p>
+            <a:r>
+              <a:rPr lang="en-US" dirty="0">
+                <a:latin typeface="Courier New" panose="02070309020205020404" pitchFamily="49" charset="0"/>
+                <a:cs typeface="Courier New" panose="02070309020205020404" pitchFamily="49" charset="0"/>
+              </a:rPr>
+              <a:t>Specifically, the TVR WG will work on these items:</a:t>
+            </a:r>
+          </a:p>
+          <a:p>
+            <a:endParaRPr lang="en-US" dirty="0">
+              <a:latin typeface="Courier New" panose="02070309020205020404" pitchFamily="49" charset="0"/>
+              <a:cs typeface="Courier New" panose="02070309020205020404" pitchFamily="49" charset="0"/>
+            </a:endParaRPr>
+          </a:p>
+          <a:p>
+            <a:r>
+              <a:rPr lang="en-US" dirty="0">
+                <a:latin typeface="Courier New" panose="02070309020205020404" pitchFamily="49" charset="0"/>
+                <a:cs typeface="Courier New" panose="02070309020205020404" pitchFamily="49" charset="0"/>
+              </a:rPr>
+              <a:t>(1) Problem Statement and Use cases</a:t>
+            </a:r>
+          </a:p>
+          <a:p>
+            <a:r>
+              <a:rPr lang="en-US" dirty="0">
+                <a:latin typeface="Courier New" panose="02070309020205020404" pitchFamily="49" charset="0"/>
+                <a:cs typeface="Courier New" panose="02070309020205020404" pitchFamily="49" charset="0"/>
+              </a:rPr>
+              <a:t>…</a:t>
+            </a:r>
+          </a:p>
+          <a:p>
+            <a:r>
+              <a:rPr lang="en-US" dirty="0">
+                <a:latin typeface="Courier New" panose="02070309020205020404" pitchFamily="49" charset="0"/>
+                <a:cs typeface="Courier New" panose="02070309020205020404" pitchFamily="49" charset="0"/>
+              </a:rPr>
+              <a:t>(2) Requirements</a:t>
+            </a:r>
+          </a:p>
+          <a:p>
+            <a:r>
+              <a:rPr lang="en-US" dirty="0">
+                <a:latin typeface="Courier New" panose="02070309020205020404" pitchFamily="49" charset="0"/>
+                <a:cs typeface="Courier New" panose="02070309020205020404" pitchFamily="49" charset="0"/>
+              </a:rPr>
+              <a:t>…</a:t>
+            </a:r>
+          </a:p>
+          <a:p>
+            <a:r>
+              <a:rPr lang="en-US" dirty="0">
+                <a:latin typeface="Courier New" panose="02070309020205020404" pitchFamily="49" charset="0"/>
+                <a:cs typeface="Courier New" panose="02070309020205020404" pitchFamily="49" charset="0"/>
+              </a:rPr>
+              <a:t>(3) Information Model</a:t>
+            </a:r>
+          </a:p>
+          <a:p>
+            <a:r>
+              <a:rPr lang="en-US" dirty="0">
+                <a:latin typeface="Courier New" panose="02070309020205020404" pitchFamily="49" charset="0"/>
+                <a:cs typeface="Courier New" panose="02070309020205020404" pitchFamily="49" charset="0"/>
+              </a:rPr>
+              <a:t>…</a:t>
+            </a:r>
+          </a:p>
+          <a:p>
+            <a:r>
+              <a:rPr lang="en-US" dirty="0">
+                <a:latin typeface="Courier New" panose="02070309020205020404" pitchFamily="49" charset="0"/>
+                <a:cs typeface="Courier New" panose="02070309020205020404" pitchFamily="49" charset="0"/>
+              </a:rPr>
+              <a:t>(4) Data Model</a:t>
+            </a:r>
+          </a:p>
+          <a:p>
+            <a:r>
+              <a:rPr lang="en-US" dirty="0">
+                <a:latin typeface="Courier New" panose="02070309020205020404" pitchFamily="49" charset="0"/>
+                <a:cs typeface="Courier New" panose="02070309020205020404" pitchFamily="49" charset="0"/>
+              </a:rPr>
+              <a:t>..</a:t>
+            </a:r>
+          </a:p>
+          <a:p>
+            <a:r>
+              <a:rPr lang="en-US" dirty="0">
+                <a:latin typeface="Courier New" panose="02070309020205020404" pitchFamily="49" charset="0"/>
+                <a:cs typeface="Courier New" panose="02070309020205020404" pitchFamily="49" charset="0"/>
+              </a:rPr>
+              <a:t>(5) </a:t>
+            </a:r>
+            <a:r>
+              <a:rPr lang="en-US" b="1" i="1" dirty="0">
+                <a:solidFill>
+                  <a:srgbClr val="00B0F0"/>
+                </a:solidFill>
+                <a:latin typeface="Courier New" panose="02070309020205020404" pitchFamily="49" charset="0"/>
+                <a:cs typeface="Courier New" panose="02070309020205020404" pitchFamily="49" charset="0"/>
+              </a:rPr>
+              <a:t>Applicability Statement</a:t>
+            </a:r>
+          </a:p>
+          <a:p>
+            <a:endParaRPr lang="en-US" dirty="0">
+              <a:latin typeface="Courier New" panose="02070309020205020404" pitchFamily="49" charset="0"/>
+              <a:cs typeface="Courier New" panose="02070309020205020404" pitchFamily="49" charset="0"/>
+            </a:endParaRPr>
+          </a:p>
+          <a:p>
+            <a:r>
+              <a:rPr lang="en-US" dirty="0">
+                <a:latin typeface="Courier New" panose="02070309020205020404" pitchFamily="49" charset="0"/>
+                <a:cs typeface="Courier New" panose="02070309020205020404" pitchFamily="49" charset="0"/>
+              </a:rPr>
+              <a:t>This document should provide an applicability statement </a:t>
+            </a:r>
+            <a:r>
+              <a:rPr lang="en-US" b="1" i="1" dirty="0">
+                <a:solidFill>
+                  <a:srgbClr val="00B0F0"/>
+                </a:solidFill>
+                <a:latin typeface="Courier New" panose="02070309020205020404" pitchFamily="49" charset="0"/>
+                <a:cs typeface="Courier New" panose="02070309020205020404" pitchFamily="49" charset="0"/>
+              </a:rPr>
+              <a:t>on how the information and data models may be used, along with required ancillary IETF technology, to solve the use cases and requirements</a:t>
+            </a:r>
+            <a:r>
+              <a:rPr lang="en-US" dirty="0">
+                <a:latin typeface="Courier New" panose="02070309020205020404" pitchFamily="49" charset="0"/>
+                <a:cs typeface="Courier New" panose="02070309020205020404" pitchFamily="49" charset="0"/>
+              </a:rPr>
+              <a:t>.</a:t>
+            </a:r>
+            <a:endParaRPr lang="fr-FR" dirty="0">
+              <a:latin typeface="Courier New" panose="02070309020205020404" pitchFamily="49" charset="0"/>
+              <a:cs typeface="Courier New" panose="02070309020205020404" pitchFamily="49" charset="0"/>
+            </a:endParaRPr>
+          </a:p>
+        </p:txBody>
+      </p:sp>
+      <p:sp>
+        <p:nvSpPr>
+          <p:cNvPr id="9" name="ZoneTexte 8">
+            <a:extLst>
+              <a:ext uri="{FF2B5EF4-FFF2-40B4-BE49-F238E27FC236}">
+                <a16:creationId xmlns:a16="http://schemas.microsoft.com/office/drawing/2014/main" id="{7CEF1E77-B904-81AF-C1BB-64124F9D9EE9}"/>
+              </a:ext>
+            </a:extLst>
+          </p:cNvPr>
+          <p:cNvSpPr txBox="1"/>
+          <p:nvPr/>
+        </p:nvSpPr>
+        <p:spPr>
+          <a:xfrm>
+            <a:off x="8016540" y="6169580"/>
+            <a:ext cx="3337260" cy="369332"/>
+          </a:xfrm>
+          <a:prstGeom prst="rect">
+            <a:avLst/>
+          </a:prstGeom>
+          <a:noFill/>
+        </p:spPr>
+        <p:txBody>
+          <a:bodyPr wrap="none" rtlCol="0">
+            <a:spAutoFit/>
+          </a:bodyPr>
+          <a:lstStyle/>
+          <a:p>
+            <a:r>
+              <a:rPr lang="fr-FR" dirty="0" err="1"/>
+              <a:t>Excerpt</a:t>
+            </a:r>
+            <a:r>
+              <a:rPr lang="fr-FR" dirty="0"/>
+              <a:t> </a:t>
+            </a:r>
+            <a:r>
+              <a:rPr lang="fr-FR" dirty="0" err="1"/>
+              <a:t>from</a:t>
+            </a:r>
+            <a:r>
+              <a:rPr lang="fr-FR" dirty="0"/>
+              <a:t> the TVR WG Charter</a:t>
+            </a:r>
+          </a:p>
+        </p:txBody>
+      </p:sp>
+      <p:sp>
+        <p:nvSpPr>
+          <p:cNvPr id="3" name="Espace réservé du pied de page 3">
+            <a:extLst>
+              <a:ext uri="{FF2B5EF4-FFF2-40B4-BE49-F238E27FC236}">
+                <a16:creationId xmlns:a16="http://schemas.microsoft.com/office/drawing/2014/main" id="{7F8A4E4E-05FF-FB44-96DF-4383D946D973}"/>
+              </a:ext>
+            </a:extLst>
+          </p:cNvPr>
+          <p:cNvSpPr>
+            <a:spLocks noGrp="1"/>
+          </p:cNvSpPr>
+          <p:nvPr>
+            <p:ph type="ftr" sz="quarter" idx="11"/>
+          </p:nvPr>
+        </p:nvSpPr>
+        <p:spPr>
+          <a:xfrm>
+            <a:off x="4038600" y="6356350"/>
+            <a:ext cx="4114800" cy="365125"/>
+          </a:xfrm>
+        </p:spPr>
+        <p:txBody>
+          <a:bodyPr/>
+          <a:lstStyle/>
+          <a:p>
+            <a:r>
+              <a:rPr lang="en-US" dirty="0"/>
+              <a:t>IETF 121 - TVR - Dublin - Nov 2023</a:t>
+            </a:r>
+          </a:p>
+        </p:txBody>
+      </p:sp>
+    </p:spTree>
+    <p:extLst>
+      <p:ext uri="{BB962C8B-B14F-4D97-AF65-F5344CB8AC3E}">
+        <p14:creationId xmlns:p14="http://schemas.microsoft.com/office/powerpoint/2010/main" val="2785766838"/>
+      </p:ext>
+    </p:extLst>
+  </p:cSld>
+  <p:clrMapOvr>
+    <a:masterClrMapping/>
+  </p:clrMapOvr>
+</p:sld>
+</file>
+
+<file path=ppt/slides/slide3.xml><?xml version="1.0" encoding="utf-8"?>
+<p:sld xmlns:a="http://schemas.openxmlformats.org/drawingml/2006/main" xmlns:r="http://schemas.openxmlformats.org/officeDocument/2006/relationships" xmlns:p="http://schemas.openxmlformats.org/presentationml/2006/main">
+  <p:cSld>
+    <p:spTree>
+      <p:nvGrpSpPr>
+        <p:cNvPr id="1" name=""/>
+        <p:cNvGrpSpPr/>
+        <p:nvPr/>
+      </p:nvGrpSpPr>
+      <p:grpSpPr>
+        <a:xfrm>
+          <a:off x="0" y="0"/>
+          <a:ext cx="0" cy="0"/>
+          <a:chOff x="0" y="0"/>
+          <a:chExt cx="0" cy="0"/>
+        </a:xfrm>
+      </p:grpSpPr>
+      <p:sp>
+        <p:nvSpPr>
+          <p:cNvPr id="2" name="Titre 1">
+            <a:extLst>
+              <a:ext uri="{FF2B5EF4-FFF2-40B4-BE49-F238E27FC236}">
+                <a16:creationId xmlns:a16="http://schemas.microsoft.com/office/drawing/2014/main" id="{AA2765CF-C56A-958E-9CB6-FAEC4578B70C}"/>
+              </a:ext>
+            </a:extLst>
+          </p:cNvPr>
+          <p:cNvSpPr>
+            <a:spLocks noGrp="1"/>
+          </p:cNvSpPr>
+          <p:nvPr>
+            <p:ph type="title"/>
+          </p:nvPr>
+        </p:nvSpPr>
+        <p:spPr/>
+        <p:txBody>
+          <a:bodyPr/>
+          <a:lstStyle/>
+          <a:p>
+            <a:r>
+              <a:rPr lang="fr-FR" dirty="0"/>
+              <a:t>Main Document Contributions</a:t>
+            </a:r>
+          </a:p>
+        </p:txBody>
+      </p:sp>
+      <p:sp>
+        <p:nvSpPr>
+          <p:cNvPr id="3" name="Espace réservé du contenu 2">
+            <a:extLst>
+              <a:ext uri="{FF2B5EF4-FFF2-40B4-BE49-F238E27FC236}">
+                <a16:creationId xmlns:a16="http://schemas.microsoft.com/office/drawing/2014/main" id="{1B29526B-3047-B9C8-FC68-00229DF5BCD7}"/>
+              </a:ext>
+            </a:extLst>
+          </p:cNvPr>
+          <p:cNvSpPr>
+            <a:spLocks noGrp="1"/>
+          </p:cNvSpPr>
+          <p:nvPr>
+            <p:ph idx="1"/>
+          </p:nvPr>
+        </p:nvSpPr>
+        <p:spPr/>
+        <p:txBody>
+          <a:bodyPr/>
+          <a:lstStyle/>
+          <a:p>
+            <a:r>
+              <a:rPr lang="en-US" dirty="0"/>
+              <a:t>Identify and walk through using a </a:t>
+            </a:r>
+            <a:r>
+              <a:rPr lang="en-US" b="1" i="1" dirty="0">
+                <a:solidFill>
+                  <a:srgbClr val="00B0F0"/>
+                </a:solidFill>
+              </a:rPr>
+              <a:t>concrete use case</a:t>
+            </a:r>
+          </a:p>
+          <a:p>
+            <a:endParaRPr lang="en-US" dirty="0"/>
+          </a:p>
+          <a:p>
+            <a:r>
+              <a:rPr lang="en-US" dirty="0"/>
+              <a:t>Document the </a:t>
+            </a:r>
+            <a:r>
+              <a:rPr lang="en-US" b="1" i="1" dirty="0">
+                <a:solidFill>
+                  <a:srgbClr val="00B0F0"/>
+                </a:solidFill>
+              </a:rPr>
+              <a:t>applicability of TVR YANG modules </a:t>
+            </a:r>
+            <a:r>
+              <a:rPr lang="en-US" dirty="0"/>
+              <a:t>(and other related ones)</a:t>
+            </a:r>
+          </a:p>
+          <a:p>
+            <a:endParaRPr lang="en-US" dirty="0"/>
+          </a:p>
+          <a:p>
+            <a:r>
+              <a:rPr lang="en-US" dirty="0"/>
+              <a:t>Discussion </a:t>
+            </a:r>
+            <a:r>
+              <a:rPr lang="en-US" b="1" i="1" dirty="0">
+                <a:solidFill>
+                  <a:srgbClr val="00B0F0"/>
+                </a:solidFill>
+              </a:rPr>
+              <a:t>time synchronization and protocol</a:t>
+            </a:r>
+            <a:r>
+              <a:rPr lang="en-US" dirty="0">
+                <a:solidFill>
+                  <a:srgbClr val="00B0F0"/>
+                </a:solidFill>
+              </a:rPr>
+              <a:t> </a:t>
+            </a:r>
+            <a:r>
+              <a:rPr lang="en-US" dirty="0"/>
+              <a:t>applicability</a:t>
+            </a:r>
+          </a:p>
+          <a:p>
+            <a:endParaRPr lang="en-US" dirty="0"/>
+          </a:p>
+          <a:p>
+            <a:r>
+              <a:rPr lang="en-US" dirty="0"/>
+              <a:t>Identify and discuss </a:t>
+            </a:r>
+            <a:r>
+              <a:rPr lang="en-US" b="1" i="1" dirty="0">
+                <a:solidFill>
+                  <a:srgbClr val="00B0F0"/>
+                </a:solidFill>
+              </a:rPr>
+              <a:t>operational</a:t>
+            </a:r>
+            <a:r>
+              <a:rPr lang="en-US" dirty="0"/>
+              <a:t> considerations</a:t>
+            </a:r>
+          </a:p>
+        </p:txBody>
+      </p:sp>
+      <p:sp>
+        <p:nvSpPr>
+          <p:cNvPr id="4" name="Espace réservé du pied de page 3">
+            <a:extLst>
+              <a:ext uri="{FF2B5EF4-FFF2-40B4-BE49-F238E27FC236}">
+                <a16:creationId xmlns:a16="http://schemas.microsoft.com/office/drawing/2014/main" id="{71C91850-1FFF-59A3-C5CB-4E80A5B88609}"/>
+              </a:ext>
+            </a:extLst>
+          </p:cNvPr>
+          <p:cNvSpPr>
+            <a:spLocks noGrp="1"/>
+          </p:cNvSpPr>
+          <p:nvPr>
+            <p:ph type="ftr" sz="quarter" idx="11"/>
+          </p:nvPr>
+        </p:nvSpPr>
+        <p:spPr/>
+        <p:txBody>
+          <a:bodyPr/>
+          <a:lstStyle/>
+          <a:p>
+            <a:r>
+              <a:rPr lang="en-US"/>
+              <a:t>IETF 121 - TVR - Dublin - Nov 2023</a:t>
+            </a:r>
+            <a:endParaRPr lang="en-US" dirty="0"/>
+          </a:p>
+        </p:txBody>
+      </p:sp>
+      <p:sp>
+        <p:nvSpPr>
+          <p:cNvPr id="5" name="Espace réservé du numéro de diapositive 4">
+            <a:extLst>
+              <a:ext uri="{FF2B5EF4-FFF2-40B4-BE49-F238E27FC236}">
+                <a16:creationId xmlns:a16="http://schemas.microsoft.com/office/drawing/2014/main" id="{1BE669E9-6F81-C2B3-72AC-D38AAABFFB3C}"/>
+              </a:ext>
+            </a:extLst>
+          </p:cNvPr>
+          <p:cNvSpPr>
+            <a:spLocks noGrp="1"/>
+          </p:cNvSpPr>
+          <p:nvPr>
+            <p:ph type="sldNum" sz="quarter" idx="12"/>
+          </p:nvPr>
+        </p:nvSpPr>
+        <p:spPr/>
+        <p:txBody>
+          <a:bodyPr/>
+          <a:lstStyle/>
+          <a:p>
+            <a:fld id="{E9C91435-F2FF-4A2E-9510-278D0336CB48}" type="slidenum">
+              <a:rPr lang="en-US" smtClean="0"/>
+              <a:t>3</a:t>
+            </a:fld>
+            <a:endParaRPr lang="en-US"/>
+          </a:p>
+        </p:txBody>
+      </p:sp>
+    </p:spTree>
+    <p:extLst>
+      <p:ext uri="{BB962C8B-B14F-4D97-AF65-F5344CB8AC3E}">
+        <p14:creationId xmlns:p14="http://schemas.microsoft.com/office/powerpoint/2010/main" val="3713546765"/>
+      </p:ext>
+    </p:extLst>
+  </p:cSld>
+  <p:clrMapOvr>
+    <a:masterClrMapping/>
+  </p:clrMapOvr>
+</p:sld>
+</file>
+
+<file path=ppt/slides/slide4.xml><?xml version="1.0" encoding="utf-8"?>
+<p:sld xmlns:a="http://schemas.openxmlformats.org/drawingml/2006/main" xmlns:r="http://schemas.openxmlformats.org/officeDocument/2006/relationships" xmlns:p="http://schemas.openxmlformats.org/presentationml/2006/main" show="0">
   <p:cSld>
     <p:spTree>
       <p:nvGrpSpPr>
@@ -5881,7 +7767,7 @@
           <a:p>
             <a:r>
               <a:rPr lang="en-GB" dirty="0"/>
-              <a:t>What’ new in this version?</a:t>
+              <a:t>What’s New in This Version?</a:t>
             </a:r>
           </a:p>
         </p:txBody>
@@ -5930,14 +7816,14 @@
             <a:pPr lvl="1"/>
             <a:r>
               <a:rPr lang="en-GB" dirty="0"/>
-              <a:t>In which scenarios TVR data model is applicable?</a:t>
+              <a:t>In which scenarios TVR data models are applicable?</a:t>
             </a:r>
           </a:p>
           <a:p>
             <a:pPr lvl="1"/>
             <a:r>
               <a:rPr lang="en-GB" dirty="0"/>
-              <a:t>How to use TVR data model in these scenarios?</a:t>
+              <a:t>How to use TVR data models in these scenarios?</a:t>
             </a:r>
           </a:p>
           <a:p>
@@ -6027,7 +7913,7 @@
           <a:p>
             <a:fld id="{E9C91435-F2FF-4A2E-9510-278D0336CB48}" type="slidenum">
               <a:rPr lang="en-US" smtClean="0"/>
-              <a:t>2</a:t>
+              <a:t>4</a:t>
             </a:fld>
             <a:endParaRPr lang="en-US"/>
           </a:p>
@@ -6046,7 +7932,7 @@
 </p:sld>
 </file>
 
-<file path=ppt/slides/slide3.xml><?xml version="1.0" encoding="utf-8"?>
+<file path=ppt/slides/slide5.xml><?xml version="1.0" encoding="utf-8"?>
 <p:sld xmlns:a="http://schemas.openxmlformats.org/drawingml/2006/main" xmlns:r="http://schemas.openxmlformats.org/officeDocument/2006/relationships" xmlns:p="http://schemas.openxmlformats.org/presentationml/2006/main">
   <p:cSld>
     <p:spTree>
@@ -6319,7 +8205,7 @@
           <a:p>
             <a:fld id="{E9C91435-F2FF-4A2E-9510-278D0336CB48}" type="slidenum">
               <a:rPr lang="en-US" smtClean="0"/>
-              <a:t>3</a:t>
+              <a:t>5</a:t>
             </a:fld>
             <a:endParaRPr lang="en-US"/>
           </a:p>
@@ -6338,7 +8224,7 @@
 </p:sld>
 </file>
 
-<file path=ppt/slides/slide4.xml><?xml version="1.0" encoding="utf-8"?>
+<file path=ppt/slides/slide6.xml><?xml version="1.0" encoding="utf-8"?>
 <p:sld xmlns:a="http://schemas.openxmlformats.org/drawingml/2006/main" xmlns:r="http://schemas.openxmlformats.org/officeDocument/2006/relationships" xmlns:p="http://schemas.openxmlformats.org/presentationml/2006/main">
   <p:cSld>
     <p:spTree>
@@ -6492,7 +8378,7 @@
           <p:nvPr>
             <p:extLst>
               <p:ext uri="{D42A27DB-BD31-4B8C-83A1-F6EECF244321}">
-                <p14:modId xmlns:p14="http://schemas.microsoft.com/office/powerpoint/2010/main" val="2361550361"/>
+                <p14:modId xmlns:p14="http://schemas.microsoft.com/office/powerpoint/2010/main" val="3045080329"/>
               </p:ext>
             </p:extLst>
           </p:nvPr>
@@ -6633,10 +8519,10 @@
                       <a:r>
                         <a:rPr lang="en-US" altLang="zh-CN" dirty="0">
                           <a:solidFill>
-                            <a:srgbClr val="FF0000"/>
+                            <a:srgbClr val="00B050"/>
                           </a:solidFill>
                         </a:rPr>
-                        <a:t>No</a:t>
+                        <a:t>Yes</a:t>
                       </a:r>
                       <a:endParaRPr lang="zh-CN" altLang="en-US" dirty="0">
                         <a:solidFill>
@@ -14275,7 +16161,7 @@
           <a:p>
             <a:fld id="{E9C91435-F2FF-4A2E-9510-278D0336CB48}" type="slidenum">
               <a:rPr lang="en-US" smtClean="0"/>
-              <a:t>4</a:t>
+              <a:t>6</a:t>
             </a:fld>
             <a:endParaRPr lang="en-US"/>
           </a:p>
@@ -14294,7 +16180,7 @@
 </p:sld>
 </file>
 
-<file path=ppt/slides/slide5.xml><?xml version="1.0" encoding="utf-8"?>
+<file path=ppt/slides/slide7.xml><?xml version="1.0" encoding="utf-8"?>
 <p:sld xmlns:a="http://schemas.openxmlformats.org/drawingml/2006/main" xmlns:r="http://schemas.openxmlformats.org/officeDocument/2006/relationships" xmlns:p="http://schemas.openxmlformats.org/presentationml/2006/main">
   <p:cSld>
     <p:spTree>
@@ -14662,7 +16548,7 @@
             </a:pPr>
             <a:r>
               <a:rPr lang="en-US" altLang="zh-CN" dirty="0"/>
-              <a:t>Interactions: </a:t>
+              <a:t>Interactions</a:t>
             </a:r>
           </a:p>
           <a:p>
@@ -14672,7 +16558,7 @@
             </a:pPr>
             <a:r>
               <a:rPr lang="en-US" altLang="zh-CN" sz="1600" dirty="0"/>
-              <a:t>Managing device delivers schedules to managed Devices by TVR YANG model.</a:t>
+              <a:t>Managing devices deliver schedules to managed devices using the TVR YANG model</a:t>
             </a:r>
             <a:endParaRPr lang="zh-CN" altLang="en-US" sz="1600" dirty="0"/>
           </a:p>
@@ -14712,7 +16598,7 @@
             </a:pPr>
             <a:r>
               <a:rPr lang="en-US" altLang="zh-CN" dirty="0"/>
-              <a:t>Interactions:</a:t>
+              <a:t>Interactions</a:t>
             </a:r>
           </a:p>
           <a:p>
@@ -14722,7 +16608,7 @@
             </a:pPr>
             <a:r>
               <a:rPr lang="en-US" altLang="zh-CN" sz="1600" dirty="0"/>
-              <a:t>Managing device delivers node-specific schedules to network devices by TVR Node YANG module;</a:t>
+              <a:t>Managing devices deliver node-specific schedules to network devices using the TVR Node YANG module</a:t>
             </a:r>
           </a:p>
           <a:p>
@@ -14732,7 +16618,7 @@
             </a:pPr>
             <a:r>
               <a:rPr lang="en-US" altLang="zh-CN" sz="1600" dirty="0"/>
-              <a:t>Managing device delivers topology schedules controller by TVR Topology YANG module;</a:t>
+              <a:t>Managing devices deliver topology schedules controller using the TVR Topology YANG module</a:t>
             </a:r>
           </a:p>
           <a:p>
@@ -14742,7 +16628,7 @@
             </a:pPr>
             <a:r>
               <a:rPr lang="en-US" altLang="zh-CN" sz="1600" dirty="0"/>
-              <a:t>Network controller delivers routing results to network devices.</a:t>
+              <a:t>Network controllers deliver routing decisions to network devices using dedicated YANG modules</a:t>
             </a:r>
           </a:p>
         </p:txBody>
@@ -15180,7 +17066,7 @@
           <a:p>
             <a:fld id="{E9C91435-F2FF-4A2E-9510-278D0336CB48}" type="slidenum">
               <a:rPr lang="en-US" smtClean="0"/>
-              <a:t>5</a:t>
+              <a:t>7</a:t>
             </a:fld>
             <a:endParaRPr lang="en-US" dirty="0"/>
           </a:p>
@@ -15190,619 +17076,6 @@
     <p:extLst>
       <p:ext uri="{BB962C8B-B14F-4D97-AF65-F5344CB8AC3E}">
         <p14:creationId xmlns:p14="http://schemas.microsoft.com/office/powerpoint/2010/main" val="3999957502"/>
-      </p:ext>
-    </p:extLst>
-  </p:cSld>
-  <p:clrMapOvr>
-    <a:masterClrMapping/>
-  </p:clrMapOvr>
-</p:sld>
-</file>
-
-<file path=ppt/slides/slide6.xml><?xml version="1.0" encoding="utf-8"?>
-<p:sld xmlns:a="http://schemas.openxmlformats.org/drawingml/2006/main" xmlns:r="http://schemas.openxmlformats.org/officeDocument/2006/relationships" xmlns:p="http://schemas.openxmlformats.org/presentationml/2006/main">
-  <p:cSld>
-    <p:spTree>
-      <p:nvGrpSpPr>
-        <p:cNvPr id="1" name=""/>
-        <p:cNvGrpSpPr/>
-        <p:nvPr/>
-      </p:nvGrpSpPr>
-      <p:grpSpPr>
-        <a:xfrm>
-          <a:off x="0" y="0"/>
-          <a:ext cx="0" cy="0"/>
-          <a:chOff x="0" y="0"/>
-          <a:chExt cx="0" cy="0"/>
-        </a:xfrm>
-      </p:grpSpPr>
-      <p:sp>
-        <p:nvSpPr>
-          <p:cNvPr id="2" name="Title 1">
-            <a:extLst>
-              <a:ext uri="{FF2B5EF4-FFF2-40B4-BE49-F238E27FC236}">
-                <a16:creationId xmlns:a16="http://schemas.microsoft.com/office/drawing/2014/main" id="{B90F9818-D930-6F0A-D073-ACF3975F4683}"/>
-              </a:ext>
-            </a:extLst>
-          </p:cNvPr>
-          <p:cNvSpPr>
-            <a:spLocks noGrp="1"/>
-          </p:cNvSpPr>
-          <p:nvPr>
-            <p:ph type="title"/>
-          </p:nvPr>
-        </p:nvSpPr>
-        <p:spPr/>
-        <p:txBody>
-          <a:bodyPr/>
-          <a:lstStyle/>
-          <a:p>
-            <a:r>
-              <a:rPr lang="en-GB" dirty="0"/>
-              <a:t>Applicability of TVR YANG Model in Tidal Network(3/3)</a:t>
-            </a:r>
-          </a:p>
-        </p:txBody>
-      </p:sp>
-      <p:sp>
-        <p:nvSpPr>
-          <p:cNvPr id="3" name="Content Placeholder 2">
-            <a:extLst>
-              <a:ext uri="{FF2B5EF4-FFF2-40B4-BE49-F238E27FC236}">
-                <a16:creationId xmlns:a16="http://schemas.microsoft.com/office/drawing/2014/main" id="{B110B442-9329-C26D-7CBD-9FFBDB5CDF21}"/>
-              </a:ext>
-            </a:extLst>
-          </p:cNvPr>
-          <p:cNvSpPr>
-            <a:spLocks noGrp="1"/>
-          </p:cNvSpPr>
-          <p:nvPr>
-            <p:ph idx="1"/>
-          </p:nvPr>
-        </p:nvSpPr>
-        <p:spPr>
-          <a:xfrm>
-            <a:off x="838200" y="1825625"/>
-            <a:ext cx="10515600" cy="592898"/>
-          </a:xfrm>
-        </p:spPr>
-        <p:txBody>
-          <a:bodyPr>
-            <a:normAutofit/>
-          </a:bodyPr>
-          <a:lstStyle/>
-          <a:p>
-            <a:r>
-              <a:rPr lang="en-GB" dirty="0"/>
-              <a:t>Encoding of TVR YANG Model</a:t>
-            </a:r>
-          </a:p>
-          <a:p>
-            <a:endParaRPr lang="en-GB" dirty="0"/>
-          </a:p>
-        </p:txBody>
-      </p:sp>
-      <p:sp>
-        <p:nvSpPr>
-          <p:cNvPr id="8" name="文本框 7">
-            <a:extLst>
-              <a:ext uri="{FF2B5EF4-FFF2-40B4-BE49-F238E27FC236}">
-                <a16:creationId xmlns:a16="http://schemas.microsoft.com/office/drawing/2014/main" id="{8396F063-EB02-4D0D-B85A-6A6C815D78BE}"/>
-              </a:ext>
-            </a:extLst>
-          </p:cNvPr>
-          <p:cNvSpPr txBox="1"/>
-          <p:nvPr/>
-        </p:nvSpPr>
-        <p:spPr>
-          <a:xfrm>
-            <a:off x="980661" y="2610678"/>
-            <a:ext cx="4996069" cy="3416320"/>
-          </a:xfrm>
-          <a:prstGeom prst="rect">
-            <a:avLst/>
-          </a:prstGeom>
-          <a:noFill/>
-        </p:spPr>
-        <p:txBody>
-          <a:bodyPr wrap="square" rtlCol="0">
-            <a:spAutoFit/>
-          </a:bodyPr>
-          <a:lstStyle/>
-          <a:p>
-            <a:r>
-              <a:rPr lang="en-US" altLang="zh-CN" dirty="0"/>
-              <a:t>TVR data model defines the following modules:</a:t>
-            </a:r>
-          </a:p>
-          <a:p>
-            <a:pPr marL="285750" indent="-285750">
-              <a:buFont typeface="Arial" panose="020B0604020202020204" pitchFamily="34" charset="0"/>
-              <a:buChar char="•"/>
-            </a:pPr>
-            <a:r>
-              <a:rPr lang="en-US" altLang="zh-CN" dirty="0"/>
-              <a:t> “</a:t>
-            </a:r>
-            <a:r>
-              <a:rPr lang="en-US" altLang="zh-CN" dirty="0" err="1"/>
-              <a:t>ietf</a:t>
-            </a:r>
-            <a:r>
-              <a:rPr lang="en-US" altLang="zh-CN" dirty="0"/>
-              <a:t>-</a:t>
-            </a:r>
-            <a:r>
-              <a:rPr lang="en-US" altLang="zh-CN" dirty="0" err="1"/>
-              <a:t>tvr</a:t>
-            </a:r>
-            <a:r>
-              <a:rPr lang="en-US" altLang="zh-CN" dirty="0"/>
-              <a:t>-schedule” module contains the schedule YANG definitions;</a:t>
-            </a:r>
-          </a:p>
-          <a:p>
-            <a:pPr marL="285750" indent="-285750">
-              <a:buFont typeface="Arial" panose="020B0604020202020204" pitchFamily="34" charset="0"/>
-              <a:buChar char="•"/>
-            </a:pPr>
-            <a:r>
-              <a:rPr lang="en-US" altLang="zh-CN" dirty="0"/>
-              <a:t>“</a:t>
-            </a:r>
-            <a:r>
-              <a:rPr lang="en-US" altLang="zh-CN" dirty="0" err="1"/>
-              <a:t>ietf</a:t>
-            </a:r>
-            <a:r>
-              <a:rPr lang="en-US" altLang="zh-CN" dirty="0"/>
-              <a:t>-</a:t>
-            </a:r>
-            <a:r>
-              <a:rPr lang="en-US" altLang="zh-CN" dirty="0" err="1"/>
-              <a:t>tvr</a:t>
-            </a:r>
-            <a:r>
-              <a:rPr lang="en-US" altLang="zh-CN" dirty="0"/>
-              <a:t>-topology” module defines a network topology with a time-variant availability schedule;</a:t>
-            </a:r>
-          </a:p>
-          <a:p>
-            <a:pPr marL="285750" indent="-285750">
-              <a:buFont typeface="Arial" panose="020B0604020202020204" pitchFamily="34" charset="0"/>
-              <a:buChar char="•"/>
-            </a:pPr>
-            <a:r>
-              <a:rPr lang="en-US" altLang="zh-CN" dirty="0"/>
-              <a:t>“</a:t>
-            </a:r>
-            <a:r>
-              <a:rPr lang="en-US" altLang="zh-CN" dirty="0" err="1"/>
-              <a:t>ietf</a:t>
-            </a:r>
-            <a:r>
-              <a:rPr lang="en-US" altLang="zh-CN" dirty="0"/>
-              <a:t>-</a:t>
-            </a:r>
-            <a:r>
-              <a:rPr lang="en-US" altLang="zh-CN" dirty="0" err="1"/>
-              <a:t>tvr</a:t>
-            </a:r>
-            <a:r>
-              <a:rPr lang="en-US" altLang="zh-CN" dirty="0"/>
-              <a:t>-node” module is to be used to manage the scheduled attributes of a single node.</a:t>
-            </a:r>
-          </a:p>
-          <a:p>
-            <a:endParaRPr lang="en-US" altLang="zh-CN" dirty="0"/>
-          </a:p>
-          <a:p>
-            <a:r>
-              <a:rPr lang="en-US" altLang="zh-CN" b="1" dirty="0"/>
-              <a:t>All of these modules are applicable in Tidal Network to manage devices and deliver topology information.</a:t>
-            </a:r>
-          </a:p>
-        </p:txBody>
-      </p:sp>
-      <p:pic>
-        <p:nvPicPr>
-          <p:cNvPr id="9" name="图片 8">
-            <a:extLst>
-              <a:ext uri="{FF2B5EF4-FFF2-40B4-BE49-F238E27FC236}">
-                <a16:creationId xmlns:a16="http://schemas.microsoft.com/office/drawing/2014/main" id="{FA07732A-F5DE-4AFF-99A6-231B18DC0CD2}"/>
-              </a:ext>
-            </a:extLst>
-          </p:cNvPr>
-          <p:cNvPicPr>
-            <a:picLocks noChangeAspect="1"/>
-          </p:cNvPicPr>
-          <p:nvPr/>
-        </p:nvPicPr>
-        <p:blipFill>
-          <a:blip r:embed="rId2"/>
-          <a:stretch>
-            <a:fillRect/>
-          </a:stretch>
-        </p:blipFill>
-        <p:spPr>
-          <a:xfrm>
-            <a:off x="6557053" y="2398645"/>
-            <a:ext cx="4157329" cy="3771649"/>
-          </a:xfrm>
-          <a:prstGeom prst="rect">
-            <a:avLst/>
-          </a:prstGeom>
-        </p:spPr>
-      </p:pic>
-      <p:sp>
-        <p:nvSpPr>
-          <p:cNvPr id="10" name="文本框 9">
-            <a:extLst>
-              <a:ext uri="{FF2B5EF4-FFF2-40B4-BE49-F238E27FC236}">
-                <a16:creationId xmlns:a16="http://schemas.microsoft.com/office/drawing/2014/main" id="{9794D893-94AA-4F75-9701-5757E1683BBD}"/>
-              </a:ext>
-            </a:extLst>
-          </p:cNvPr>
-          <p:cNvSpPr txBox="1"/>
-          <p:nvPr/>
-        </p:nvSpPr>
-        <p:spPr>
-          <a:xfrm>
-            <a:off x="6241774" y="1633470"/>
-            <a:ext cx="5579165" cy="646331"/>
-          </a:xfrm>
-          <a:prstGeom prst="rect">
-            <a:avLst/>
-          </a:prstGeom>
-          <a:noFill/>
-        </p:spPr>
-        <p:txBody>
-          <a:bodyPr wrap="square" rtlCol="0">
-            <a:spAutoFit/>
-          </a:bodyPr>
-          <a:lstStyle/>
-          <a:p>
-            <a:r>
-              <a:rPr lang="en-US" altLang="zh-CN" dirty="0"/>
-              <a:t>An JSON example on using “</a:t>
-            </a:r>
-            <a:r>
-              <a:rPr lang="en-US" altLang="zh-CN" dirty="0" err="1"/>
-              <a:t>ietf</a:t>
-            </a:r>
-            <a:r>
-              <a:rPr lang="en-US" altLang="zh-CN" dirty="0"/>
-              <a:t>-</a:t>
-            </a:r>
-            <a:r>
-              <a:rPr lang="en-US" altLang="zh-CN" dirty="0" err="1"/>
-              <a:t>tvr</a:t>
-            </a:r>
-            <a:r>
-              <a:rPr lang="en-US" altLang="zh-CN" dirty="0"/>
-              <a:t>-node” to shut down a wireless link from 19:00 to 7:00 every day.</a:t>
-            </a:r>
-            <a:endParaRPr lang="zh-CN" altLang="en-US" dirty="0"/>
-          </a:p>
-        </p:txBody>
-      </p:sp>
-      <p:sp>
-        <p:nvSpPr>
-          <p:cNvPr id="11" name="页脚占位符 10">
-            <a:extLst>
-              <a:ext uri="{FF2B5EF4-FFF2-40B4-BE49-F238E27FC236}">
-                <a16:creationId xmlns:a16="http://schemas.microsoft.com/office/drawing/2014/main" id="{F199D818-77B8-4978-B6DD-0FC8BA381BF3}"/>
-              </a:ext>
-            </a:extLst>
-          </p:cNvPr>
-          <p:cNvSpPr>
-            <a:spLocks noGrp="1"/>
-          </p:cNvSpPr>
-          <p:nvPr>
-            <p:ph type="ftr" sz="quarter" idx="11"/>
-          </p:nvPr>
-        </p:nvSpPr>
-        <p:spPr/>
-        <p:txBody>
-          <a:bodyPr/>
-          <a:lstStyle/>
-          <a:p>
-            <a:r>
-              <a:rPr lang="en-US"/>
-              <a:t>IETF 121 - TVR - Dublin - Nov 2023</a:t>
-            </a:r>
-            <a:endParaRPr lang="en-US" dirty="0"/>
-          </a:p>
-        </p:txBody>
-      </p:sp>
-      <p:sp>
-        <p:nvSpPr>
-          <p:cNvPr id="12" name="灯片编号占位符 11">
-            <a:extLst>
-              <a:ext uri="{FF2B5EF4-FFF2-40B4-BE49-F238E27FC236}">
-                <a16:creationId xmlns:a16="http://schemas.microsoft.com/office/drawing/2014/main" id="{4FE4CF7F-E8CF-4F01-AB49-33ADD8186825}"/>
-              </a:ext>
-            </a:extLst>
-          </p:cNvPr>
-          <p:cNvSpPr>
-            <a:spLocks noGrp="1"/>
-          </p:cNvSpPr>
-          <p:nvPr>
-            <p:ph type="sldNum" sz="quarter" idx="12"/>
-          </p:nvPr>
-        </p:nvSpPr>
-        <p:spPr/>
-        <p:txBody>
-          <a:bodyPr/>
-          <a:lstStyle/>
-          <a:p>
-            <a:fld id="{E9C91435-F2FF-4A2E-9510-278D0336CB48}" type="slidenum">
-              <a:rPr lang="en-US" smtClean="0"/>
-              <a:t>6</a:t>
-            </a:fld>
-            <a:endParaRPr lang="en-US"/>
-          </a:p>
-        </p:txBody>
-      </p:sp>
-    </p:spTree>
-    <p:extLst>
-      <p:ext uri="{BB962C8B-B14F-4D97-AF65-F5344CB8AC3E}">
-        <p14:creationId xmlns:p14="http://schemas.microsoft.com/office/powerpoint/2010/main" val="2208989126"/>
-      </p:ext>
-    </p:extLst>
-  </p:cSld>
-  <p:clrMapOvr>
-    <a:masterClrMapping/>
-  </p:clrMapOvr>
-</p:sld>
-</file>
-
-<file path=ppt/slides/slide7.xml><?xml version="1.0" encoding="utf-8"?>
-<p:sld xmlns:a="http://schemas.openxmlformats.org/drawingml/2006/main" xmlns:r="http://schemas.openxmlformats.org/officeDocument/2006/relationships" xmlns:p="http://schemas.openxmlformats.org/presentationml/2006/main">
-  <p:cSld>
-    <p:spTree>
-      <p:nvGrpSpPr>
-        <p:cNvPr id="1" name=""/>
-        <p:cNvGrpSpPr/>
-        <p:nvPr/>
-      </p:nvGrpSpPr>
-      <p:grpSpPr>
-        <a:xfrm>
-          <a:off x="0" y="0"/>
-          <a:ext cx="0" cy="0"/>
-          <a:chOff x="0" y="0"/>
-          <a:chExt cx="0" cy="0"/>
-        </a:xfrm>
-      </p:grpSpPr>
-      <p:sp>
-        <p:nvSpPr>
-          <p:cNvPr id="2" name="Title 1">
-            <a:extLst>
-              <a:ext uri="{FF2B5EF4-FFF2-40B4-BE49-F238E27FC236}">
-                <a16:creationId xmlns:a16="http://schemas.microsoft.com/office/drawing/2014/main" id="{B90F9818-D930-6F0A-D073-ACF3975F4683}"/>
-              </a:ext>
-            </a:extLst>
-          </p:cNvPr>
-          <p:cNvSpPr>
-            <a:spLocks noGrp="1"/>
-          </p:cNvSpPr>
-          <p:nvPr>
-            <p:ph type="title"/>
-          </p:nvPr>
-        </p:nvSpPr>
-        <p:spPr/>
-        <p:txBody>
-          <a:bodyPr/>
-          <a:lstStyle/>
-          <a:p>
-            <a:r>
-              <a:rPr lang="en-GB" dirty="0"/>
-              <a:t>Management Protocols </a:t>
-            </a:r>
-          </a:p>
-        </p:txBody>
-      </p:sp>
-      <p:sp>
-        <p:nvSpPr>
-          <p:cNvPr id="3" name="Content Placeholder 2">
-            <a:extLst>
-              <a:ext uri="{FF2B5EF4-FFF2-40B4-BE49-F238E27FC236}">
-                <a16:creationId xmlns:a16="http://schemas.microsoft.com/office/drawing/2014/main" id="{B110B442-9329-C26D-7CBD-9FFBDB5CDF21}"/>
-              </a:ext>
-            </a:extLst>
-          </p:cNvPr>
-          <p:cNvSpPr>
-            <a:spLocks noGrp="1"/>
-          </p:cNvSpPr>
-          <p:nvPr>
-            <p:ph idx="1"/>
-          </p:nvPr>
-        </p:nvSpPr>
-        <p:spPr>
-          <a:xfrm>
-            <a:off x="838200" y="1825625"/>
-            <a:ext cx="10515600" cy="4667250"/>
-          </a:xfrm>
-        </p:spPr>
-        <p:txBody>
-          <a:bodyPr>
-            <a:normAutofit fontScale="85000" lnSpcReduction="20000"/>
-          </a:bodyPr>
-          <a:lstStyle/>
-          <a:p>
-            <a:r>
-              <a:rPr lang="en-GB" dirty="0"/>
-              <a:t>NETCONF</a:t>
-            </a:r>
-          </a:p>
-          <a:p>
-            <a:pPr marL="453600" lvl="1"/>
-            <a:r>
-              <a:rPr lang="en-US" sz="2100" dirty="0"/>
-              <a:t>Provides a robust mechanism for managing complex network configurations;</a:t>
-            </a:r>
-          </a:p>
-          <a:p>
-            <a:pPr marL="453600" lvl="1"/>
-            <a:r>
-              <a:rPr lang="en-US" sz="2100" dirty="0"/>
-              <a:t>Supports atomic transactions, which ensures schedules involving multiple resources are applied fully, preventing partial updates that could lead to configuration inconsistencies. This is important for TVR environments.</a:t>
-            </a:r>
-          </a:p>
-          <a:p>
-            <a:pPr marL="453600" lvl="1"/>
-            <a:r>
-              <a:rPr lang="en-US" sz="2100" dirty="0"/>
-              <a:t>Supports the validation of configurations prior to commitment, allowing operators to verify the correctness of schedules before they are applied;</a:t>
-            </a:r>
-            <a:endParaRPr lang="en-GB" dirty="0"/>
-          </a:p>
-          <a:p>
-            <a:r>
-              <a:rPr lang="en-GB" dirty="0"/>
-              <a:t>RESTCONF</a:t>
-            </a:r>
-          </a:p>
-          <a:p>
-            <a:pPr marL="453600" lvl="1"/>
-            <a:r>
-              <a:rPr lang="en-US" altLang="zh-CN" sz="2100" dirty="0"/>
-              <a:t>Provides a simpler, stateless method for interacting with network devices, suitable for use cases requiring lightweight, rapid configuration;</a:t>
-            </a:r>
-          </a:p>
-          <a:p>
-            <a:pPr marL="453600" lvl="1"/>
-            <a:r>
-              <a:rPr lang="en-US" altLang="zh-CN" sz="2100" dirty="0"/>
-              <a:t>Provides a streamlined approach to network configuration and management by RESTful interface over HTTP. It has advantages in scenarios where quick adjustments to schedules are needed or where integration with web-based or cloud-native systems is a priority;</a:t>
-            </a:r>
-          </a:p>
-          <a:p>
-            <a:pPr marL="228600" lvl="1">
-              <a:spcBef>
-                <a:spcPts val="1000"/>
-              </a:spcBef>
-            </a:pPr>
-            <a:r>
-              <a:rPr lang="en-GB" altLang="zh-CN" sz="2800" dirty="0"/>
-              <a:t>Summary</a:t>
-            </a:r>
-          </a:p>
-          <a:p>
-            <a:pPr marL="453600" lvl="1"/>
-            <a:r>
-              <a:rPr lang="en-US" altLang="zh-CN" sz="2100" dirty="0"/>
-              <a:t>NETCONF would be the preferred protocol for </a:t>
-            </a:r>
-            <a:r>
-              <a:rPr lang="en-US" altLang="zh-CN" sz="2100" b="1" dirty="0">
-                <a:solidFill>
-                  <a:schemeClr val="accent6"/>
-                </a:solidFill>
-              </a:rPr>
-              <a:t>large-scale</a:t>
-            </a:r>
-            <a:r>
-              <a:rPr lang="en-US" altLang="zh-CN" sz="2100" dirty="0"/>
-              <a:t>, </a:t>
-            </a:r>
-            <a:r>
-              <a:rPr lang="en-US" altLang="zh-CN" sz="2100" b="1" dirty="0">
-                <a:solidFill>
-                  <a:schemeClr val="accent6"/>
-                </a:solidFill>
-              </a:rPr>
-              <a:t>critical scheduling operations requiring validation and rollback mechanisms</a:t>
-            </a:r>
-            <a:r>
-              <a:rPr lang="en-US" altLang="zh-CN" sz="2100" dirty="0"/>
-              <a:t>. </a:t>
-            </a:r>
-          </a:p>
-          <a:p>
-            <a:pPr marL="453600" lvl="1"/>
-            <a:r>
-              <a:rPr lang="en-US" altLang="zh-CN" sz="2100" dirty="0"/>
-              <a:t>RESTCONF would be the preferred protocol for </a:t>
-            </a:r>
-            <a:r>
-              <a:rPr lang="en-US" altLang="zh-CN" sz="2100" b="1" dirty="0">
-                <a:solidFill>
-                  <a:schemeClr val="accent6"/>
-                </a:solidFill>
-              </a:rPr>
-              <a:t>smaller-scale or isolated scheduling tasks</a:t>
-            </a:r>
-            <a:r>
-              <a:rPr lang="en-US" altLang="zh-CN" sz="2100" dirty="0"/>
-              <a:t>.</a:t>
-            </a:r>
-            <a:endParaRPr lang="en-GB" altLang="zh-CN" sz="2100" dirty="0"/>
-          </a:p>
-        </p:txBody>
-      </p:sp>
-      <p:sp>
-        <p:nvSpPr>
-          <p:cNvPr id="5" name="页脚占位符 4">
-            <a:extLst>
-              <a:ext uri="{FF2B5EF4-FFF2-40B4-BE49-F238E27FC236}">
-                <a16:creationId xmlns:a16="http://schemas.microsoft.com/office/drawing/2014/main" id="{44D6582F-8236-4D40-A88D-904BDBA01A45}"/>
-              </a:ext>
-            </a:extLst>
-          </p:cNvPr>
-          <p:cNvSpPr>
-            <a:spLocks noGrp="1"/>
-          </p:cNvSpPr>
-          <p:nvPr>
-            <p:ph type="ftr" sz="quarter" idx="11"/>
-          </p:nvPr>
-        </p:nvSpPr>
-        <p:spPr/>
-        <p:txBody>
-          <a:bodyPr/>
-          <a:lstStyle/>
-          <a:p>
-            <a:r>
-              <a:rPr lang="en-US"/>
-              <a:t>IETF 121 - TVR - Dublin - Nov 2023</a:t>
-            </a:r>
-            <a:endParaRPr lang="en-US" dirty="0"/>
-          </a:p>
-        </p:txBody>
-      </p:sp>
-      <p:sp>
-        <p:nvSpPr>
-          <p:cNvPr id="6" name="灯片编号占位符 5">
-            <a:extLst>
-              <a:ext uri="{FF2B5EF4-FFF2-40B4-BE49-F238E27FC236}">
-                <a16:creationId xmlns:a16="http://schemas.microsoft.com/office/drawing/2014/main" id="{8720F454-4BF9-43A6-9DAD-DE88707DC30A}"/>
-              </a:ext>
-            </a:extLst>
-          </p:cNvPr>
-          <p:cNvSpPr>
-            <a:spLocks noGrp="1"/>
-          </p:cNvSpPr>
-          <p:nvPr>
-            <p:ph type="sldNum" sz="quarter" idx="12"/>
-          </p:nvPr>
-        </p:nvSpPr>
-        <p:spPr/>
-        <p:txBody>
-          <a:bodyPr/>
-          <a:lstStyle/>
-          <a:p>
-            <a:fld id="{E9C91435-F2FF-4A2E-9510-278D0336CB48}" type="slidenum">
-              <a:rPr lang="en-US" smtClean="0"/>
-              <a:t>7</a:t>
-            </a:fld>
-            <a:endParaRPr lang="en-US"/>
-          </a:p>
-        </p:txBody>
-      </p:sp>
-    </p:spTree>
-    <p:extLst>
-      <p:ext uri="{BB962C8B-B14F-4D97-AF65-F5344CB8AC3E}">
-        <p14:creationId xmlns:p14="http://schemas.microsoft.com/office/powerpoint/2010/main" val="1314477572"/>
       </p:ext>
     </p:extLst>
   </p:cSld>
@@ -15852,7 +17125,7 @@
           <a:p>
             <a:r>
               <a:rPr lang="en-GB" dirty="0"/>
-              <a:t>Time Synchronization </a:t>
+              <a:t>Applicability of TVR YANG Model in Tidal Network(3/3)</a:t>
             </a:r>
           </a:p>
         </p:txBody>
@@ -15875,8 +17148,8 @@
         </p:nvSpPr>
         <p:spPr>
           <a:xfrm>
-            <a:off x="838200" y="1825624"/>
-            <a:ext cx="10515600" cy="4449280"/>
+            <a:off x="838200" y="1825625"/>
+            <a:ext cx="10515600" cy="592898"/>
           </a:xfrm>
         </p:spPr>
         <p:txBody>
@@ -15886,111 +17159,226 @@
           <a:lstStyle/>
           <a:p>
             <a:r>
-              <a:rPr lang="en-GB" sz="2400" dirty="0"/>
-              <a:t>Hardware-based protocols:</a:t>
-            </a:r>
-          </a:p>
-          <a:p>
-            <a:pPr lvl="1"/>
-            <a:r>
-              <a:rPr lang="en-US" sz="2000" b="1" dirty="0">
-                <a:solidFill>
-                  <a:schemeClr val="accent6"/>
-                </a:solidFill>
-              </a:rPr>
-              <a:t>Rely on dedicated hardware </a:t>
-            </a:r>
-            <a:r>
-              <a:rPr lang="en-US" sz="2000" dirty="0"/>
-              <a:t>to ensure clock synchronization, such as GPS and Precision Time Protocol (PTP).</a:t>
-            </a:r>
-          </a:p>
-          <a:p>
-            <a:pPr lvl="1"/>
-            <a:r>
-              <a:rPr lang="en-US" sz="2000" b="1" dirty="0">
-                <a:solidFill>
-                  <a:schemeClr val="accent6"/>
-                </a:solidFill>
-              </a:rPr>
-              <a:t>Have higher precision and stability</a:t>
-            </a:r>
-            <a:r>
-              <a:rPr lang="en-US" sz="2000" dirty="0"/>
-              <a:t>, but also have higher cost due to the dedicated Hardware. </a:t>
-            </a:r>
-          </a:p>
-          <a:p>
-            <a:pPr lvl="1"/>
-            <a:r>
-              <a:rPr lang="en-GB" sz="2000" dirty="0"/>
-              <a:t>Appropriate for networks with critical time synchronization scenarios.</a:t>
-            </a:r>
-          </a:p>
-          <a:p>
-            <a:r>
-              <a:rPr lang="en-GB" sz="2400" dirty="0"/>
-              <a:t>Software-based protocols:</a:t>
-            </a:r>
-          </a:p>
-          <a:p>
-            <a:pPr lvl="1"/>
-            <a:r>
-              <a:rPr lang="en-US" sz="2000" b="1" dirty="0">
-                <a:solidFill>
-                  <a:schemeClr val="accent6"/>
-                </a:solidFill>
-              </a:rPr>
-              <a:t>Synchronize clocks through software packages running on systems</a:t>
-            </a:r>
-            <a:r>
-              <a:rPr lang="en-US" sz="2000" dirty="0"/>
-              <a:t>, such as Network Time Protocol (NTP) and Simple Network Time Protocol (SNTP)</a:t>
-            </a:r>
-          </a:p>
-          <a:p>
-            <a:pPr lvl="1"/>
-            <a:r>
-              <a:rPr lang="en-US" sz="2000" b="1" dirty="0">
-                <a:solidFill>
-                  <a:schemeClr val="accent6"/>
-                </a:solidFill>
-              </a:rPr>
-              <a:t>Simple and applicable to common hardware devices</a:t>
-            </a:r>
-            <a:r>
-              <a:rPr lang="en-US" sz="2000" dirty="0"/>
-              <a:t>, but have </a:t>
-            </a:r>
-            <a:r>
-              <a:rPr lang="en-US" sz="2000" b="1" dirty="0">
-                <a:solidFill>
-                  <a:schemeClr val="accent6"/>
-                </a:solidFill>
-              </a:rPr>
-              <a:t>lower precision</a:t>
-            </a:r>
-            <a:r>
-              <a:rPr lang="en-US" sz="2000" dirty="0"/>
-              <a:t>. </a:t>
-            </a:r>
-          </a:p>
-          <a:p>
-            <a:pPr lvl="1"/>
-            <a:r>
-              <a:rPr lang="en-US" sz="2000" dirty="0"/>
-              <a:t>Appropriate for most of the TVR use cases.</a:t>
-            </a:r>
-            <a:endParaRPr lang="en-GB" sz="2000" dirty="0"/>
+              <a:rPr lang="en-GB" dirty="0"/>
+              <a:t>Encoding of TVR YANG Model</a:t>
+            </a:r>
+          </a:p>
+          <a:p>
+            <a:endParaRPr lang="en-GB" dirty="0"/>
           </a:p>
         </p:txBody>
       </p:sp>
       <p:sp>
         <p:nvSpPr>
-          <p:cNvPr id="4" name="页脚占位符 3">
+          <p:cNvPr id="8" name="文本框 7">
             <a:extLst>
               <a:ext uri="{FF2B5EF4-FFF2-40B4-BE49-F238E27FC236}">
-                <a16:creationId xmlns:a16="http://schemas.microsoft.com/office/drawing/2014/main" id="{3ADE44E1-4D4F-40A3-9752-5A43AF614F8D}"/>
+                <a16:creationId xmlns:a16="http://schemas.microsoft.com/office/drawing/2014/main" id="{8396F063-EB02-4D0D-B85A-6A6C815D78BE}"/>
+              </a:ext>
+            </a:extLst>
+          </p:cNvPr>
+          <p:cNvSpPr txBox="1"/>
+          <p:nvPr/>
+        </p:nvSpPr>
+        <p:spPr>
+          <a:xfrm>
+            <a:off x="980661" y="2610678"/>
+            <a:ext cx="4996069" cy="3693319"/>
+          </a:xfrm>
+          <a:prstGeom prst="rect">
+            <a:avLst/>
+          </a:prstGeom>
+          <a:noFill/>
+        </p:spPr>
+        <p:txBody>
+          <a:bodyPr wrap="square" rtlCol="0">
+            <a:spAutoFit/>
+          </a:bodyPr>
+          <a:lstStyle/>
+          <a:p>
+            <a:r>
+              <a:rPr lang="en-US" altLang="zh-CN" dirty="0"/>
+              <a:t>TVR data model defines the following YANG modules:</a:t>
+            </a:r>
+          </a:p>
+          <a:p>
+            <a:pPr marL="285750" indent="-285750">
+              <a:buFont typeface="Arial" panose="020B0604020202020204" pitchFamily="34" charset="0"/>
+              <a:buChar char="•"/>
+            </a:pPr>
+            <a:r>
+              <a:rPr lang="en-US" altLang="zh-CN" dirty="0"/>
+              <a:t> “</a:t>
+            </a:r>
+            <a:r>
+              <a:rPr lang="en-US" altLang="zh-CN" dirty="0" err="1"/>
+              <a:t>ietf</a:t>
+            </a:r>
+            <a:r>
+              <a:rPr lang="en-US" altLang="zh-CN" dirty="0"/>
+              <a:t>-</a:t>
+            </a:r>
+            <a:r>
+              <a:rPr lang="en-US" altLang="zh-CN" dirty="0" err="1"/>
+              <a:t>tvr</a:t>
+            </a:r>
+            <a:r>
+              <a:rPr lang="en-US" altLang="zh-CN" dirty="0"/>
+              <a:t>-schedule” module contains the schedule YANG definitions;</a:t>
+            </a:r>
+          </a:p>
+          <a:p>
+            <a:pPr marL="285750" indent="-285750">
+              <a:buFont typeface="Arial" panose="020B0604020202020204" pitchFamily="34" charset="0"/>
+              <a:buChar char="•"/>
+            </a:pPr>
+            <a:r>
+              <a:rPr lang="en-US" altLang="zh-CN" dirty="0"/>
+              <a:t>“</a:t>
+            </a:r>
+            <a:r>
+              <a:rPr lang="en-US" altLang="zh-CN" dirty="0" err="1"/>
+              <a:t>ietf</a:t>
+            </a:r>
+            <a:r>
+              <a:rPr lang="en-US" altLang="zh-CN" dirty="0"/>
+              <a:t>-</a:t>
+            </a:r>
+            <a:r>
+              <a:rPr lang="en-US" altLang="zh-CN" dirty="0" err="1"/>
+              <a:t>tvr</a:t>
+            </a:r>
+            <a:r>
+              <a:rPr lang="en-US" altLang="zh-CN" dirty="0"/>
+              <a:t>-topology” module defines a network topology with a time-variant availability schedule;</a:t>
+            </a:r>
+          </a:p>
+          <a:p>
+            <a:pPr marL="285750" indent="-285750">
+              <a:buFont typeface="Arial" panose="020B0604020202020204" pitchFamily="34" charset="0"/>
+              <a:buChar char="•"/>
+            </a:pPr>
+            <a:r>
+              <a:rPr lang="en-US" altLang="zh-CN" dirty="0"/>
+              <a:t>“</a:t>
+            </a:r>
+            <a:r>
+              <a:rPr lang="en-US" altLang="zh-CN" dirty="0" err="1"/>
+              <a:t>ietf</a:t>
+            </a:r>
+            <a:r>
+              <a:rPr lang="en-US" altLang="zh-CN" dirty="0"/>
+              <a:t>-</a:t>
+            </a:r>
+            <a:r>
+              <a:rPr lang="en-US" altLang="zh-CN" dirty="0" err="1"/>
+              <a:t>tvr</a:t>
+            </a:r>
+            <a:r>
+              <a:rPr lang="en-US" altLang="zh-CN" dirty="0"/>
+              <a:t>-node” module is to be used to manage the scheduled attributes of a single node.</a:t>
+            </a:r>
+          </a:p>
+          <a:p>
+            <a:endParaRPr lang="en-US" altLang="zh-CN" dirty="0"/>
+          </a:p>
+          <a:p>
+            <a:r>
+              <a:rPr lang="en-US" altLang="zh-CN" b="1" dirty="0"/>
+              <a:t>All of these modules are applicable in Tidal Network to manage devices and deliver topology information.</a:t>
+            </a:r>
+          </a:p>
+        </p:txBody>
+      </p:sp>
+      <p:pic>
+        <p:nvPicPr>
+          <p:cNvPr id="9" name="图片 8">
+            <a:extLst>
+              <a:ext uri="{FF2B5EF4-FFF2-40B4-BE49-F238E27FC236}">
+                <a16:creationId xmlns:a16="http://schemas.microsoft.com/office/drawing/2014/main" id="{FA07732A-F5DE-4AFF-99A6-231B18DC0CD2}"/>
+              </a:ext>
+            </a:extLst>
+          </p:cNvPr>
+          <p:cNvPicPr>
+            <a:picLocks noChangeAspect="1"/>
+          </p:cNvPicPr>
+          <p:nvPr/>
+        </p:nvPicPr>
+        <p:blipFill>
+          <a:blip r:embed="rId2"/>
+          <a:stretch>
+            <a:fillRect/>
+          </a:stretch>
+        </p:blipFill>
+        <p:spPr>
+          <a:xfrm>
+            <a:off x="6557053" y="2398645"/>
+            <a:ext cx="4157329" cy="3771649"/>
+          </a:xfrm>
+          <a:prstGeom prst="rect">
+            <a:avLst/>
+          </a:prstGeom>
+          <a:solidFill>
+            <a:schemeClr val="bg1">
+              <a:lumMod val="85000"/>
+            </a:schemeClr>
+          </a:solidFill>
+        </p:spPr>
+      </p:pic>
+      <p:sp>
+        <p:nvSpPr>
+          <p:cNvPr id="10" name="文本框 9">
+            <a:extLst>
+              <a:ext uri="{FF2B5EF4-FFF2-40B4-BE49-F238E27FC236}">
+                <a16:creationId xmlns:a16="http://schemas.microsoft.com/office/drawing/2014/main" id="{9794D893-94AA-4F75-9701-5757E1683BBD}"/>
+              </a:ext>
+            </a:extLst>
+          </p:cNvPr>
+          <p:cNvSpPr txBox="1"/>
+          <p:nvPr/>
+        </p:nvSpPr>
+        <p:spPr>
+          <a:xfrm>
+            <a:off x="6241774" y="1633470"/>
+            <a:ext cx="5579165" cy="646331"/>
+          </a:xfrm>
+          <a:prstGeom prst="rect">
+            <a:avLst/>
+          </a:prstGeom>
+          <a:solidFill>
+            <a:schemeClr val="bg1">
+              <a:lumMod val="85000"/>
+            </a:schemeClr>
+          </a:solidFill>
+        </p:spPr>
+        <p:txBody>
+          <a:bodyPr wrap="square" rtlCol="0">
+            <a:spAutoFit/>
+          </a:bodyPr>
+          <a:lstStyle/>
+          <a:p>
+            <a:r>
+              <a:rPr lang="en-US" altLang="zh-CN" dirty="0"/>
+              <a:t>A JSON example to illustrate the use of “ietf-</a:t>
+            </a:r>
+            <a:r>
+              <a:rPr lang="en-US" altLang="zh-CN" dirty="0" err="1"/>
+              <a:t>tvr</a:t>
+            </a:r>
+            <a:r>
+              <a:rPr lang="en-US" altLang="zh-CN" dirty="0"/>
+              <a:t>-node” to shut down a wireless link from 19:00 to 7:00 every day.</a:t>
+            </a:r>
+            <a:endParaRPr lang="zh-CN" altLang="en-US" dirty="0"/>
+          </a:p>
+        </p:txBody>
+      </p:sp>
+      <p:sp>
+        <p:nvSpPr>
+          <p:cNvPr id="11" name="页脚占位符 10">
+            <a:extLst>
+              <a:ext uri="{FF2B5EF4-FFF2-40B4-BE49-F238E27FC236}">
+                <a16:creationId xmlns:a16="http://schemas.microsoft.com/office/drawing/2014/main" id="{F199D818-77B8-4978-B6DD-0FC8BA381BF3}"/>
               </a:ext>
             </a:extLst>
           </p:cNvPr>
@@ -16016,10 +17404,10 @@
       </p:sp>
       <p:sp>
         <p:nvSpPr>
-          <p:cNvPr id="5" name="灯片编号占位符 4">
+          <p:cNvPr id="12" name="灯片编号占位符 11">
             <a:extLst>
               <a:ext uri="{FF2B5EF4-FFF2-40B4-BE49-F238E27FC236}">
-                <a16:creationId xmlns:a16="http://schemas.microsoft.com/office/drawing/2014/main" id="{AF83543F-7480-47C4-8E62-86FD97800103}"/>
+                <a16:creationId xmlns:a16="http://schemas.microsoft.com/office/drawing/2014/main" id="{4FE4CF7F-E8CF-4F01-AB49-33ADD8186825}"/>
               </a:ext>
             </a:extLst>
           </p:cNvPr>
@@ -16046,7 +17434,7 @@
     </p:spTree>
     <p:extLst>
       <p:ext uri="{BB962C8B-B14F-4D97-AF65-F5344CB8AC3E}">
-        <p14:creationId xmlns:p14="http://schemas.microsoft.com/office/powerpoint/2010/main" val="2560202612"/>
+        <p14:creationId xmlns:p14="http://schemas.microsoft.com/office/powerpoint/2010/main" val="2208989126"/>
       </p:ext>
     </p:extLst>
   </p:cSld>
@@ -16096,7 +17484,7 @@
           <a:p>
             <a:r>
               <a:rPr lang="en-GB" dirty="0"/>
-              <a:t>Time Synchronization in Tidal Network </a:t>
+              <a:t>Management Protocols </a:t>
             </a:r>
           </a:p>
         </p:txBody>
@@ -16119,230 +17507,200 @@
         </p:nvSpPr>
         <p:spPr>
           <a:xfrm>
-            <a:off x="838200" y="1825624"/>
-            <a:ext cx="10515600" cy="4449280"/>
+            <a:off x="838200" y="1825625"/>
+            <a:ext cx="10515600" cy="4667250"/>
           </a:xfrm>
         </p:spPr>
         <p:txBody>
           <a:bodyPr>
-            <a:normAutofit lnSpcReduction="10000"/>
+            <a:normAutofit fontScale="85000" lnSpcReduction="20000"/>
           </a:bodyPr>
           <a:lstStyle/>
           <a:p>
             <a:r>
-              <a:rPr lang="en-US" sz="1800" dirty="0"/>
-              <a:t>Time synchronization precision requirements of tidal network : </a:t>
-            </a:r>
-            <a:r>
-              <a:rPr lang="en-US" sz="1800" b="1" dirty="0">
+              <a:rPr lang="en-GB" dirty="0"/>
+              <a:t>NETCONF</a:t>
+            </a:r>
+          </a:p>
+          <a:p>
+            <a:pPr marL="453600" lvl="1"/>
+            <a:r>
+              <a:rPr lang="en-US" sz="2100" dirty="0"/>
+              <a:t>Provides a robust mechanism for managing </a:t>
+            </a:r>
+            <a:r>
+              <a:rPr lang="en-US" sz="2100" b="1" i="1" dirty="0"/>
+              <a:t>complex network configurations</a:t>
+            </a:r>
+          </a:p>
+          <a:p>
+            <a:pPr marL="453600" lvl="1"/>
+            <a:r>
+              <a:rPr lang="en-US" sz="2100" dirty="0"/>
+              <a:t>Supports </a:t>
+            </a:r>
+            <a:r>
+              <a:rPr lang="en-US" sz="2100" b="1" i="1" dirty="0"/>
+              <a:t>atomic transactions</a:t>
+            </a:r>
+            <a:r>
+              <a:rPr lang="en-US" sz="2100" dirty="0"/>
+              <a:t>, which ensures schedules involving multiple resources are applied fully, preventing partial updates that could lead to configuration inconsistencies. This is important for TVR environments.</a:t>
+            </a:r>
+          </a:p>
+          <a:p>
+            <a:pPr marL="453600" lvl="1"/>
+            <a:r>
+              <a:rPr lang="en-US" sz="2100" dirty="0"/>
+              <a:t>Supports the </a:t>
+            </a:r>
+            <a:r>
+              <a:rPr lang="en-US" sz="2100" b="1" i="1" dirty="0"/>
+              <a:t>validation of configurations prior to commitment</a:t>
+            </a:r>
+            <a:r>
+              <a:rPr lang="en-US" sz="2100" dirty="0"/>
+              <a:t>, allowing operators to verify the correctness of schedules before they are applied</a:t>
+            </a:r>
+            <a:endParaRPr lang="en-GB" dirty="0"/>
+          </a:p>
+          <a:p>
+            <a:r>
+              <a:rPr lang="en-GB" dirty="0"/>
+              <a:t>RESTCONF</a:t>
+            </a:r>
+          </a:p>
+          <a:p>
+            <a:pPr marL="453600" lvl="1"/>
+            <a:r>
+              <a:rPr lang="en-US" altLang="zh-CN" sz="2100" dirty="0"/>
+              <a:t>Provides a </a:t>
+            </a:r>
+            <a:r>
+              <a:rPr lang="en-US" altLang="zh-CN" sz="2100" b="1" i="1" dirty="0"/>
+              <a:t>simpler</a:t>
+            </a:r>
+            <a:r>
+              <a:rPr lang="en-US" altLang="zh-CN" sz="2100" dirty="0"/>
+              <a:t>, stateless method for interacting with network devices, suitable for use cases requiring lightweight, rapid configuration</a:t>
+            </a:r>
+          </a:p>
+          <a:p>
+            <a:pPr marL="453600" lvl="1"/>
+            <a:r>
+              <a:rPr lang="en-US" altLang="zh-CN" sz="2100" dirty="0"/>
+              <a:t>Provides a streamlined approach to network configuration and management by </a:t>
+            </a:r>
+            <a:r>
+              <a:rPr lang="en-US" altLang="zh-CN" sz="2100" b="1" i="1" dirty="0"/>
+              <a:t>RESTful interface </a:t>
+            </a:r>
+            <a:r>
+              <a:rPr lang="en-US" altLang="zh-CN" sz="2100" dirty="0"/>
+              <a:t>over HTTP. It has advantages in scenarios where </a:t>
+            </a:r>
+            <a:r>
+              <a:rPr lang="en-US" altLang="zh-CN" sz="2100" b="1" i="1" dirty="0"/>
+              <a:t>quick adjustments </a:t>
+            </a:r>
+            <a:r>
+              <a:rPr lang="en-US" altLang="zh-CN" sz="2100" dirty="0"/>
+              <a:t>to schedules are needed or where integration with web-based or cloud-native systems is a priority</a:t>
+            </a:r>
+          </a:p>
+          <a:p>
+            <a:pPr marL="228600" lvl="1">
+              <a:spcBef>
+                <a:spcPts val="1000"/>
+              </a:spcBef>
+            </a:pPr>
+            <a:r>
+              <a:rPr lang="en-GB" altLang="zh-CN" sz="2800" dirty="0"/>
+              <a:t>Summary</a:t>
+            </a:r>
+          </a:p>
+          <a:p>
+            <a:pPr marL="453600" lvl="1"/>
+            <a:r>
+              <a:rPr lang="en-US" altLang="zh-CN" sz="2100" dirty="0"/>
+              <a:t>NETCONF would be the preferred protocol for </a:t>
+            </a:r>
+            <a:r>
+              <a:rPr lang="en-US" altLang="zh-CN" sz="2100" b="1" i="1" dirty="0">
                 <a:solidFill>
-                  <a:schemeClr val="accent6"/>
+                  <a:srgbClr val="00B0F0"/>
                 </a:solidFill>
               </a:rPr>
-              <a:t>second level</a:t>
-            </a:r>
-            <a:r>
-              <a:rPr lang="en-US" sz="1800" dirty="0"/>
-              <a:t>.</a:t>
-            </a:r>
-            <a:endParaRPr lang="en-GB" sz="1800" dirty="0"/>
-          </a:p>
-          <a:p>
-            <a:r>
-              <a:rPr lang="en-GB" sz="1800" dirty="0"/>
-              <a:t>NTP:</a:t>
-            </a:r>
-          </a:p>
-          <a:p>
-            <a:pPr lvl="1"/>
-            <a:r>
-              <a:rPr lang="en-US" sz="1600" dirty="0"/>
-              <a:t>NTP uses a hierarchical structure of time sources. Each level of this hierarchy is termed a stratum.</a:t>
-            </a:r>
-          </a:p>
-          <a:p>
-            <a:pPr lvl="1"/>
-            <a:r>
-              <a:rPr lang="en-US" sz="1600" dirty="0"/>
-              <a:t>Have </a:t>
-            </a:r>
-            <a:r>
-              <a:rPr lang="en-US" sz="1600" b="1" dirty="0">
+              <a:t>large-scale</a:t>
+            </a:r>
+            <a:r>
+              <a:rPr lang="en-US" altLang="zh-CN" sz="2100" i="1" dirty="0">
                 <a:solidFill>
-                  <a:schemeClr val="accent6"/>
+                  <a:srgbClr val="00B0F0"/>
                 </a:solidFill>
               </a:rPr>
-              <a:t>higher precision</a:t>
-            </a:r>
-            <a:r>
-              <a:rPr lang="en-US" sz="1600" dirty="0"/>
-              <a:t>, it can realize the synchronization at tens of milliseconds level.</a:t>
-            </a:r>
-          </a:p>
-          <a:p>
-            <a:pPr lvl="1"/>
-            <a:endParaRPr lang="en-GB" sz="1800" dirty="0"/>
-          </a:p>
-          <a:p>
-            <a:pPr lvl="1"/>
-            <a:endParaRPr lang="en-GB" sz="1800" dirty="0"/>
-          </a:p>
-          <a:p>
-            <a:pPr lvl="1"/>
-            <a:endParaRPr lang="en-GB" sz="1800" dirty="0"/>
-          </a:p>
-          <a:p>
-            <a:pPr lvl="1"/>
-            <a:endParaRPr lang="en-GB" sz="1800" dirty="0"/>
-          </a:p>
-          <a:p>
-            <a:pPr lvl="1"/>
-            <a:endParaRPr lang="en-GB" sz="1800" dirty="0"/>
-          </a:p>
-          <a:p>
-            <a:pPr lvl="1"/>
-            <a:endParaRPr lang="en-GB" sz="1800" dirty="0"/>
-          </a:p>
-          <a:p>
-            <a:r>
-              <a:rPr lang="en-GB" sz="2000" dirty="0"/>
-              <a:t>SNTP:</a:t>
-            </a:r>
-          </a:p>
-          <a:p>
-            <a:pPr lvl="1"/>
-            <a:r>
-              <a:rPr lang="en-US" sz="1800" dirty="0"/>
-              <a:t>SNTP simplifies the complex NTP synchronization function and is </a:t>
-            </a:r>
-            <a:r>
-              <a:rPr lang="en-US" sz="1800" b="1" dirty="0">
+              <a:t>, </a:t>
+            </a:r>
+            <a:r>
+              <a:rPr lang="en-US" altLang="zh-CN" sz="2100" b="1" i="1" dirty="0">
                 <a:solidFill>
-                  <a:schemeClr val="accent6"/>
+                  <a:srgbClr val="00B0F0"/>
                 </a:solidFill>
               </a:rPr>
-              <a:t>suitable for networks with limited resources and loose precision requirements</a:t>
-            </a:r>
-            <a:r>
-              <a:rPr lang="en-US" sz="1800" dirty="0"/>
-              <a:t>. The synchronization precision still can be guarded under seconds.</a:t>
-            </a:r>
-          </a:p>
-          <a:p>
-            <a:pPr lvl="1"/>
-            <a:r>
-              <a:rPr lang="en-US" sz="1800" dirty="0"/>
-              <a:t>SNTP can be used as</a:t>
-            </a:r>
-            <a:r>
-              <a:rPr lang="en-US" sz="1800" b="1" dirty="0">
+              <a:t>critical scheduling operations requiring validation and rollback mechanisms</a:t>
+            </a:r>
+            <a:r>
+              <a:rPr lang="en-US" altLang="zh-CN" sz="2100" dirty="0"/>
+              <a:t>. </a:t>
+            </a:r>
+          </a:p>
+          <a:p>
+            <a:pPr marL="453600" lvl="1"/>
+            <a:r>
+              <a:rPr lang="en-US" altLang="zh-CN" sz="2100" dirty="0"/>
+              <a:t>RESTCONF would be the preferred protocol for </a:t>
+            </a:r>
+            <a:r>
+              <a:rPr lang="en-US" altLang="zh-CN" sz="2100" b="1" i="1" dirty="0">
                 <a:solidFill>
-                  <a:schemeClr val="accent6"/>
+                  <a:srgbClr val="00B0F0"/>
                 </a:solidFill>
               </a:rPr>
-              <a:t> an alternative clock synchronization protocol for Tidal Network</a:t>
-            </a:r>
-            <a:r>
-              <a:rPr lang="en-US" sz="1800" dirty="0"/>
+              <a:t>smaller-scale or isolated scheduling tasks</a:t>
+            </a:r>
+            <a:r>
+              <a:rPr lang="en-US" altLang="zh-CN" sz="2100" dirty="0"/>
               <a:t>.</a:t>
             </a:r>
-            <a:endParaRPr lang="en-GB" sz="1800" dirty="0"/>
+          </a:p>
+          <a:p>
+            <a:pPr marL="453600" lvl="1"/>
+            <a:r>
+              <a:rPr lang="en-US" altLang="zh-CN" sz="2100" dirty="0"/>
+              <a:t>RESTCONF would be preferrable </a:t>
+            </a:r>
+            <a:r>
+              <a:rPr lang="en-US" altLang="zh-CN" sz="2100" b="1" i="1" dirty="0">
+                <a:solidFill>
+                  <a:srgbClr val="00B0F0"/>
+                </a:solidFill>
+              </a:rPr>
+              <a:t>between service/network orchestrators</a:t>
+            </a:r>
+            <a:endParaRPr lang="en-GB" altLang="zh-CN" sz="2100" b="1" i="1" dirty="0">
+              <a:solidFill>
+                <a:srgbClr val="00B0F0"/>
+              </a:solidFill>
+            </a:endParaRPr>
           </a:p>
         </p:txBody>
       </p:sp>
-      <p:grpSp>
-        <p:nvGrpSpPr>
-          <p:cNvPr id="6" name="组合 5">
+      <p:sp>
+        <p:nvSpPr>
+          <p:cNvPr id="5" name="页脚占位符 4">
             <a:extLst>
               <a:ext uri="{FF2B5EF4-FFF2-40B4-BE49-F238E27FC236}">
-                <a16:creationId xmlns:a16="http://schemas.microsoft.com/office/drawing/2014/main" id="{BCA4319D-8C87-4EF4-880E-0D0769418E0A}"/>
-              </a:ext>
-            </a:extLst>
-          </p:cNvPr>
-          <p:cNvGrpSpPr/>
-          <p:nvPr/>
-        </p:nvGrpSpPr>
-        <p:grpSpPr>
-          <a:xfrm>
-            <a:off x="3050072" y="3001618"/>
-            <a:ext cx="4463911" cy="1897835"/>
-            <a:chOff x="2904298" y="2885798"/>
-            <a:chExt cx="4854851" cy="2175018"/>
-          </a:xfrm>
-        </p:grpSpPr>
-        <p:pic>
-          <p:nvPicPr>
-            <p:cNvPr id="4" name="图片 3">
-              <a:extLst>
-                <a:ext uri="{FF2B5EF4-FFF2-40B4-BE49-F238E27FC236}">
-                  <a16:creationId xmlns:a16="http://schemas.microsoft.com/office/drawing/2014/main" id="{921298B4-E22E-4AC0-8191-155DFF7177F0}"/>
-                </a:ext>
-              </a:extLst>
-            </p:cNvPr>
-            <p:cNvPicPr>
-              <a:picLocks noChangeAspect="1"/>
-            </p:cNvPicPr>
-            <p:nvPr/>
-          </p:nvPicPr>
-          <p:blipFill>
-            <a:blip r:embed="rId2"/>
-            <a:stretch>
-              <a:fillRect/>
-            </a:stretch>
-          </p:blipFill>
-          <p:spPr>
-            <a:xfrm>
-              <a:off x="2904298" y="2885798"/>
-              <a:ext cx="4854851" cy="1871013"/>
-            </a:xfrm>
-            <a:prstGeom prst="rect">
-              <a:avLst/>
-            </a:prstGeom>
-          </p:spPr>
-        </p:pic>
-        <p:sp>
-          <p:nvSpPr>
-            <p:cNvPr id="5" name="文本框 4">
-              <a:extLst>
-                <a:ext uri="{FF2B5EF4-FFF2-40B4-BE49-F238E27FC236}">
-                  <a16:creationId xmlns:a16="http://schemas.microsoft.com/office/drawing/2014/main" id="{6281B7B5-172B-41BA-89C7-D316567B6D9B}"/>
-                </a:ext>
-              </a:extLst>
-            </p:cNvPr>
-            <p:cNvSpPr txBox="1"/>
-            <p:nvPr/>
-          </p:nvSpPr>
-          <p:spPr>
-            <a:xfrm>
-              <a:off x="3332922" y="4637542"/>
-              <a:ext cx="4101938" cy="423274"/>
-            </a:xfrm>
-            <a:prstGeom prst="rect">
-              <a:avLst/>
-            </a:prstGeom>
-            <a:noFill/>
-          </p:spPr>
-          <p:txBody>
-            <a:bodyPr wrap="square" rtlCol="0">
-              <a:spAutoFit/>
-            </a:bodyPr>
-            <a:lstStyle/>
-            <a:p>
-              <a:r>
-                <a:rPr lang="en-US" altLang="zh-CN" dirty="0"/>
-                <a:t>NTP deployment case in tidal network</a:t>
-              </a:r>
-              <a:endParaRPr lang="zh-CN" altLang="en-US" dirty="0"/>
-            </a:p>
-          </p:txBody>
-        </p:sp>
-      </p:grpSp>
-      <p:sp>
-        <p:nvSpPr>
-          <p:cNvPr id="7" name="页脚占位符 6">
-            <a:extLst>
-              <a:ext uri="{FF2B5EF4-FFF2-40B4-BE49-F238E27FC236}">
-                <a16:creationId xmlns:a16="http://schemas.microsoft.com/office/drawing/2014/main" id="{39E0C012-72B2-4307-9A1D-6FF6AFD7D8F5}"/>
+                <a16:creationId xmlns:a16="http://schemas.microsoft.com/office/drawing/2014/main" id="{44D6582F-8236-4D40-A88D-904BDBA01A45}"/>
               </a:ext>
             </a:extLst>
           </p:cNvPr>
@@ -16368,10 +17726,10 @@
       </p:sp>
       <p:sp>
         <p:nvSpPr>
-          <p:cNvPr id="8" name="灯片编号占位符 7">
+          <p:cNvPr id="6" name="灯片编号占位符 5">
             <a:extLst>
               <a:ext uri="{FF2B5EF4-FFF2-40B4-BE49-F238E27FC236}">
-                <a16:creationId xmlns:a16="http://schemas.microsoft.com/office/drawing/2014/main" id="{00232D0D-F09B-4DBF-9A6F-0238C7BA1F1E}"/>
+                <a16:creationId xmlns:a16="http://schemas.microsoft.com/office/drawing/2014/main" id="{8720F454-4BF9-43A6-9DAD-DE88707DC30A}"/>
               </a:ext>
             </a:extLst>
           </p:cNvPr>
@@ -16398,7 +17756,7 @@
     </p:spTree>
     <p:extLst>
       <p:ext uri="{BB962C8B-B14F-4D97-AF65-F5344CB8AC3E}">
-        <p14:creationId xmlns:p14="http://schemas.microsoft.com/office/powerpoint/2010/main" val="1824383405"/>
+        <p14:creationId xmlns:p14="http://schemas.microsoft.com/office/powerpoint/2010/main" val="1314477572"/>
       </p:ext>
     </p:extLst>
   </p:cSld>
@@ -16996,4 +18354,10 @@
     </a:ext>
   </a:extLst>
 </a:theme>
+</file>
+
+<file path=docMetadata/LabelInfo.xml><?xml version="1.0" encoding="utf-8"?>
+<clbl:labelList xmlns:clbl="http://schemas.microsoft.com/office/2020/mipLabelMetadata">
+  <clbl:label id="{07222825-62ea-40f3-96b5-5375c07996e2}" enabled="1" method="Privileged" siteId="{90c7a20a-f34b-40bf-bc48-b9253b6f5d20}" removed="0"/>
+</clbl:labelList>
 </file>